--- a/AA_Management/10_Point_Projet/2019_06_05.pptx
+++ b/AA_Management/10_Point_Projet/2019_06_05.pptx
@@ -5,11 +5,12 @@
     <p:sldMasterId id="2147483648" r:id="rId1"/>
   </p:sldMasterIdLst>
   <p:notesMasterIdLst>
-    <p:notesMasterId r:id="rId4"/>
+    <p:notesMasterId r:id="rId5"/>
   </p:notesMasterIdLst>
   <p:sldIdLst>
     <p:sldId id="256" r:id="rId2"/>
-    <p:sldId id="257" r:id="rId3"/>
+    <p:sldId id="258" r:id="rId3"/>
+    <p:sldId id="257" r:id="rId4"/>
   </p:sldIdLst>
   <p:sldSz cx="12192000" cy="6858000"/>
   <p:notesSz cx="6858000" cy="9144000"/>
@@ -247,7 +248,7 @@
       <p15:sldGuideLst xmlns:p15="http://schemas.microsoft.com/office/powerpoint/2012/main"/>
     </p:ext>
     <p:ext uri="http://customooxmlschemas.google.com/">
-      <go:slidesCustomData xmlns="" xmlns:mc="http://schemas.openxmlformats.org/markup-compatibility/2006" xmlns:mv="urn:schemas-microsoft-com:mac:vml" xmlns:c="http://schemas.openxmlformats.org/drawingml/2006/chart" xmlns:dgm="http://schemas.openxmlformats.org/drawingml/2006/diagram" xmlns:o="urn:schemas-microsoft-com:office:office" xmlns:v="urn:schemas-microsoft-com:vml" xmlns:pvml="urn:schemas-microsoft-com:office:powerpoint" xmlns:com="http://schemas.openxmlformats.org/drawingml/2006/compatibility" xmlns:p14="http://schemas.microsoft.com/office/powerpoint/2010/main" xmlns:p15="http://schemas.microsoft.com/office/powerpoint/2012/main" xmlns:go="http://customooxmlschemas.google.com/" r:id="rId6" roundtripDataSignature="AMtx7mgTERdN6dN4bzsi7f4l877tcsHvSQ=="/>
+      <go:slidesCustomData xmlns:go="http://customooxmlschemas.google.com/" xmlns:p15="http://schemas.microsoft.com/office/powerpoint/2012/main" xmlns:p14="http://schemas.microsoft.com/office/powerpoint/2010/main" xmlns:com="http://schemas.openxmlformats.org/drawingml/2006/compatibility" xmlns:pvml="urn:schemas-microsoft-com:office:powerpoint" xmlns:v="urn:schemas-microsoft-com:vml" xmlns:o="urn:schemas-microsoft-com:office:office" xmlns:dgm="http://schemas.openxmlformats.org/drawingml/2006/diagram" xmlns:c="http://schemas.openxmlformats.org/drawingml/2006/chart" xmlns:mv="urn:schemas-microsoft-com:mac:vml" xmlns:mc="http://schemas.openxmlformats.org/markup-compatibility/2006" xmlns="" r:id="rId6" roundtripDataSignature="AMtx7mgTERdN6dN4bzsi7f4l877tcsHvSQ=="/>
     </p:ext>
   </p:extLst>
 </p:presentation>
@@ -1821,6 +1822,133 @@
 </file>
 
 <file path=ppt/notesSlides/notesSlide2.xml><?xml version="1.0" encoding="utf-8"?>
+<p:notes xmlns:a="http://schemas.openxmlformats.org/drawingml/2006/main" xmlns:r="http://schemas.openxmlformats.org/officeDocument/2006/relationships" xmlns:p="http://schemas.openxmlformats.org/presentationml/2006/main" showMasterSp="0" showMasterPhAnim="0">
+  <p:cSld>
+    <p:spTree>
+      <p:nvGrpSpPr>
+        <p:cNvPr id="1" name="Shape 84"/>
+        <p:cNvGrpSpPr/>
+        <p:nvPr/>
+      </p:nvGrpSpPr>
+      <p:grpSpPr>
+        <a:xfrm>
+          <a:off x="0" y="0"/>
+          <a:ext cx="0" cy="0"/>
+          <a:chOff x="0" y="0"/>
+          <a:chExt cx="0" cy="0"/>
+        </a:xfrm>
+      </p:grpSpPr>
+      <p:sp>
+        <p:nvSpPr>
+          <p:cNvPr id="85" name="Google Shape;85;p1:notes"/>
+          <p:cNvSpPr txBox="1">
+            <a:spLocks noGrp="1"/>
+          </p:cNvSpPr>
+          <p:nvPr>
+            <p:ph type="body" idx="1"/>
+          </p:nvPr>
+        </p:nvSpPr>
+        <p:spPr>
+          <a:xfrm>
+            <a:off x="685800" y="4400550"/>
+            <a:ext cx="5486400" cy="3600450"/>
+          </a:xfrm>
+          <a:prstGeom prst="rect">
+            <a:avLst/>
+          </a:prstGeom>
+          <a:noFill/>
+          <a:ln>
+            <a:noFill/>
+          </a:ln>
+        </p:spPr>
+        <p:txBody>
+          <a:bodyPr spcFirstLastPara="1" wrap="square" lIns="91425" tIns="45700" rIns="91425" bIns="45700" anchor="t" anchorCtr="0">
+            <a:noAutofit/>
+          </a:bodyPr>
+          <a:lstStyle/>
+          <a:p>
+            <a:pPr marL="0" lvl="0" indent="0" algn="l" rtl="0">
+              <a:lnSpc>
+                <a:spcPct val="100000"/>
+              </a:lnSpc>
+              <a:spcBef>
+                <a:spcPts val="0"/>
+              </a:spcBef>
+              <a:spcAft>
+                <a:spcPts val="0"/>
+              </a:spcAft>
+              <a:buSzPts val="1400"/>
+              <a:buNone/>
+            </a:pPr>
+            <a:endParaRPr/>
+          </a:p>
+        </p:txBody>
+      </p:sp>
+      <p:sp>
+        <p:nvSpPr>
+          <p:cNvPr id="86" name="Google Shape;86;p1:notes"/>
+          <p:cNvSpPr>
+            <a:spLocks noGrp="1" noRot="1" noChangeAspect="1"/>
+          </p:cNvSpPr>
+          <p:nvPr>
+            <p:ph type="sldImg" idx="2"/>
+          </p:nvPr>
+        </p:nvSpPr>
+        <p:spPr>
+          <a:xfrm>
+            <a:off x="685800" y="1143000"/>
+            <a:ext cx="5486400" cy="3086100"/>
+          </a:xfrm>
+          <a:custGeom>
+            <a:avLst/>
+            <a:gdLst/>
+            <a:ahLst/>
+            <a:cxnLst/>
+            <a:rect l="l" t="t" r="r" b="b"/>
+            <a:pathLst>
+              <a:path w="120000" h="120000" extrusionOk="0">
+                <a:moveTo>
+                  <a:pt x="0" y="0"/>
+                </a:moveTo>
+                <a:lnTo>
+                  <a:pt x="120000" y="0"/>
+                </a:lnTo>
+                <a:lnTo>
+                  <a:pt x="120000" y="120000"/>
+                </a:lnTo>
+                <a:lnTo>
+                  <a:pt x="0" y="120000"/>
+                </a:lnTo>
+                <a:close/>
+              </a:path>
+            </a:pathLst>
+          </a:custGeom>
+          <a:noFill/>
+          <a:ln w="12700" cap="flat" cmpd="sng">
+            <a:solidFill>
+              <a:srgbClr val="000000"/>
+            </a:solidFill>
+            <a:prstDash val="solid"/>
+            <a:round/>
+            <a:headEnd type="none" w="sm" len="sm"/>
+            <a:tailEnd type="none" w="sm" len="sm"/>
+          </a:ln>
+        </p:spPr>
+      </p:sp>
+    </p:spTree>
+    <p:extLst>
+      <p:ext uri="{BB962C8B-B14F-4D97-AF65-F5344CB8AC3E}">
+        <p14:creationId xmlns:p14="http://schemas.microsoft.com/office/powerpoint/2010/main" val="3203559175"/>
+      </p:ext>
+    </p:extLst>
+  </p:cSld>
+  <p:clrMapOvr>
+    <a:masterClrMapping/>
+  </p:clrMapOvr>
+</p:notes>
+</file>
+
+<file path=ppt/notesSlides/notesSlide3.xml><?xml version="1.0" encoding="utf-8"?>
 <p:notes xmlns:a="http://schemas.openxmlformats.org/drawingml/2006/main" xmlns:r="http://schemas.openxmlformats.org/officeDocument/2006/relationships" xmlns:p="http://schemas.openxmlformats.org/presentationml/2006/main" showMasterSp="0" showMasterPhAnim="0">
   <p:cSld>
     <p:spTree>
@@ -15557,7 +15685,7 @@
         <p:spPr>
           <a:xfrm>
             <a:off x="670475" y="1070475"/>
-            <a:ext cx="3649733" cy="1015622"/>
+            <a:ext cx="3649733" cy="1631175"/>
           </a:xfrm>
           <a:prstGeom prst="rect">
             <a:avLst/>
@@ -15629,6 +15757,76 @@
                 <a:sym typeface="Calibri"/>
               </a:rPr>
               <a:t>Bilan :</a:t>
+            </a:r>
+          </a:p>
+          <a:p>
+            <a:pPr marL="0" marR="0" lvl="0" indent="0" algn="l" rtl="0">
+              <a:lnSpc>
+                <a:spcPct val="100000"/>
+              </a:lnSpc>
+              <a:spcBef>
+                <a:spcPts val="0"/>
+              </a:spcBef>
+              <a:spcAft>
+                <a:spcPts val="0"/>
+              </a:spcAft>
+              <a:buClr>
+                <a:srgbClr val="000000"/>
+              </a:buClr>
+              <a:buSzPts val="2000"/>
+              <a:buFont typeface="Arial"/>
+              <a:buNone/>
+            </a:pPr>
+            <a:endParaRPr lang="fr-FR" sz="2000" dirty="0">
+              <a:solidFill>
+                <a:schemeClr val="dk1"/>
+              </a:solidFill>
+              <a:latin typeface="Calibri"/>
+              <a:cs typeface="Calibri"/>
+              <a:sym typeface="Calibri"/>
+            </a:endParaRPr>
+          </a:p>
+          <a:p>
+            <a:pPr marL="0" marR="0" lvl="0" indent="0" algn="l" rtl="0">
+              <a:lnSpc>
+                <a:spcPct val="100000"/>
+              </a:lnSpc>
+              <a:spcBef>
+                <a:spcPts val="0"/>
+              </a:spcBef>
+              <a:spcAft>
+                <a:spcPts val="0"/>
+              </a:spcAft>
+              <a:buClr>
+                <a:srgbClr val="000000"/>
+              </a:buClr>
+              <a:buSzPts val="2000"/>
+              <a:buFont typeface="Arial"/>
+              <a:buNone/>
+            </a:pPr>
+            <a:r>
+              <a:rPr lang="fr-FR" sz="2000" b="0" i="0" u="none" strike="noStrike" cap="none" dirty="0" err="1">
+                <a:solidFill>
+                  <a:schemeClr val="dk1"/>
+                </a:solidFill>
+                <a:latin typeface="Calibri"/>
+                <a:ea typeface="Arial"/>
+                <a:cs typeface="Calibri"/>
+                <a:sym typeface="Calibri"/>
+              </a:rPr>
+              <a:t>CdCF</a:t>
+            </a:r>
+            <a:r>
+              <a:rPr lang="fr-FR" sz="2000" b="0" i="0" u="none" strike="noStrike" cap="none" dirty="0">
+                <a:solidFill>
+                  <a:schemeClr val="dk1"/>
+                </a:solidFill>
+                <a:latin typeface="Calibri"/>
+                <a:ea typeface="Arial"/>
+                <a:cs typeface="Calibri"/>
+                <a:sym typeface="Calibri"/>
+              </a:rPr>
+              <a:t> bien avancés</a:t>
             </a:r>
             <a:endParaRPr sz="1400" b="0" i="0" u="none" strike="noStrike" cap="none" dirty="0">
               <a:solidFill>
@@ -15679,7 +15877,7 @@
         <p:spPr>
           <a:xfrm>
             <a:off x="6095999" y="1070475"/>
-            <a:ext cx="3649733" cy="2862282"/>
+            <a:ext cx="3649733" cy="3785611"/>
           </a:xfrm>
           <a:prstGeom prst="rect">
             <a:avLst/>
@@ -15786,17 +15984,92 @@
             </a:endParaRPr>
           </a:p>
           <a:p>
-            <a:pPr marL="0" marR="0" lvl="0" indent="0" algn="l" rtl="0">
-              <a:lnSpc>
-                <a:spcPct val="100000"/>
-              </a:lnSpc>
-              <a:spcBef>
-                <a:spcPts val="0"/>
-              </a:spcBef>
-              <a:spcAft>
-                <a:spcPts val="0"/>
-              </a:spcAft>
-              <a:buNone/>
+            <a:pPr marL="342900" marR="0" lvl="0" indent="-342900" algn="l" rtl="0">
+              <a:lnSpc>
+                <a:spcPct val="100000"/>
+              </a:lnSpc>
+              <a:spcBef>
+                <a:spcPts val="0"/>
+              </a:spcBef>
+              <a:spcAft>
+                <a:spcPts val="0"/>
+              </a:spcAft>
+              <a:buFont typeface="Arial" panose="020B0604020202020204" pitchFamily="34" charset="0"/>
+              <a:buChar char="•"/>
+            </a:pPr>
+            <a:r>
+              <a:rPr lang="fr-FR" sz="2000" b="0" i="0" u="none" strike="noStrike" cap="none" dirty="0">
+                <a:solidFill>
+                  <a:schemeClr val="dk1"/>
+                </a:solidFill>
+                <a:latin typeface="Calibri"/>
+                <a:ea typeface="Calibri"/>
+                <a:cs typeface="Calibri"/>
+                <a:sym typeface="Calibri"/>
+              </a:rPr>
+              <a:t>KPI </a:t>
+            </a:r>
+          </a:p>
+          <a:p>
+            <a:pPr marL="342900" marR="0" lvl="0" indent="-342900" algn="l" rtl="0">
+              <a:lnSpc>
+                <a:spcPct val="100000"/>
+              </a:lnSpc>
+              <a:spcBef>
+                <a:spcPts val="0"/>
+              </a:spcBef>
+              <a:spcAft>
+                <a:spcPts val="0"/>
+              </a:spcAft>
+              <a:buFont typeface="Arial" panose="020B0604020202020204" pitchFamily="34" charset="0"/>
+              <a:buChar char="•"/>
+            </a:pPr>
+            <a:r>
+              <a:rPr lang="fr-FR" sz="2000" dirty="0">
+                <a:solidFill>
+                  <a:schemeClr val="dk1"/>
+                </a:solidFill>
+                <a:latin typeface="Calibri"/>
+                <a:ea typeface="Calibri"/>
+                <a:cs typeface="Calibri"/>
+                <a:sym typeface="Calibri"/>
+              </a:rPr>
+              <a:t>Remplissage du diapo</a:t>
+            </a:r>
+          </a:p>
+          <a:p>
+            <a:pPr marR="0" lvl="0" algn="l" rtl="0">
+              <a:lnSpc>
+                <a:spcPct val="100000"/>
+              </a:lnSpc>
+              <a:spcBef>
+                <a:spcPts val="0"/>
+              </a:spcBef>
+              <a:spcAft>
+                <a:spcPts val="0"/>
+              </a:spcAft>
+            </a:pPr>
+            <a:endParaRPr lang="fr-FR" sz="2000" dirty="0">
+              <a:solidFill>
+                <a:schemeClr val="dk1"/>
+              </a:solidFill>
+              <a:latin typeface="Calibri"/>
+              <a:ea typeface="Calibri"/>
+              <a:cs typeface="Calibri"/>
+              <a:sym typeface="Calibri"/>
+            </a:endParaRPr>
+          </a:p>
+          <a:p>
+            <a:pPr marR="0" lvl="0" algn="l" rtl="0">
+              <a:lnSpc>
+                <a:spcPct val="100000"/>
+              </a:lnSpc>
+              <a:spcBef>
+                <a:spcPts val="0"/>
+              </a:spcBef>
+              <a:spcAft>
+                <a:spcPts val="0"/>
+              </a:spcAft>
             </a:pPr>
             <a:endParaRPr sz="2000" b="0" i="0" u="none" strike="noStrike" cap="none" dirty="0">
               <a:solidFill>
@@ -15955,6 +16228,5514 @@
 </file>
 
 <file path=ppt/slides/slide2.xml><?xml version="1.0" encoding="utf-8"?>
+<p:sld xmlns:a="http://schemas.openxmlformats.org/drawingml/2006/main" xmlns:r="http://schemas.openxmlformats.org/officeDocument/2006/relationships" xmlns:p="http://schemas.openxmlformats.org/presentationml/2006/main">
+  <p:cSld>
+    <p:bg>
+      <p:bgPr>
+        <a:blipFill>
+          <a:blip r:embed="rId3">
+            <a:alphaModFix/>
+          </a:blip>
+          <a:stretch>
+            <a:fillRect/>
+          </a:stretch>
+        </a:blipFill>
+        <a:effectLst/>
+      </p:bgPr>
+    </p:bg>
+    <p:spTree>
+      <p:nvGrpSpPr>
+        <p:cNvPr id="1" name="Shape 87"/>
+        <p:cNvGrpSpPr/>
+        <p:nvPr/>
+      </p:nvGrpSpPr>
+      <p:grpSpPr>
+        <a:xfrm>
+          <a:off x="0" y="0"/>
+          <a:ext cx="0" cy="0"/>
+          <a:chOff x="0" y="0"/>
+          <a:chExt cx="0" cy="0"/>
+        </a:xfrm>
+      </p:grpSpPr>
+      <p:graphicFrame>
+        <p:nvGraphicFramePr>
+          <p:cNvPr id="2" name="Tableau 1">
+            <a:extLst>
+              <a:ext uri="{FF2B5EF4-FFF2-40B4-BE49-F238E27FC236}">
+                <a16:creationId xmlns:a16="http://schemas.microsoft.com/office/drawing/2014/main" id="{DC2C35AB-F043-47A0-8667-66FC025D23BE}"/>
+              </a:ext>
+            </a:extLst>
+          </p:cNvPr>
+          <p:cNvGraphicFramePr>
+            <a:graphicFrameLocks noGrp="1"/>
+          </p:cNvGraphicFramePr>
+          <p:nvPr>
+            <p:extLst>
+              <p:ext uri="{D42A27DB-BD31-4B8C-83A1-F6EECF244321}">
+                <p14:modId xmlns:p14="http://schemas.microsoft.com/office/powerpoint/2010/main" val="3387552984"/>
+              </p:ext>
+            </p:extLst>
+          </p:nvPr>
+        </p:nvGraphicFramePr>
+        <p:xfrm>
+          <a:off x="0" y="2708434"/>
+          <a:ext cx="6096000" cy="4149563"/>
+        </p:xfrm>
+        <a:graphic>
+          <a:graphicData uri="http://schemas.openxmlformats.org/drawingml/2006/table">
+            <a:tbl>
+              <a:tblPr/>
+              <a:tblGrid>
+                <a:gridCol w="1379387">
+                  <a:extLst>
+                    <a:ext uri="{9D8B030D-6E8A-4147-A177-3AD203B41FA5}">
+                      <a16:colId xmlns:a16="http://schemas.microsoft.com/office/drawing/2014/main" val="1560383249"/>
+                    </a:ext>
+                  </a:extLst>
+                </a:gridCol>
+                <a:gridCol w="1568496">
+                  <a:extLst>
+                    <a:ext uri="{9D8B030D-6E8A-4147-A177-3AD203B41FA5}">
+                      <a16:colId xmlns:a16="http://schemas.microsoft.com/office/drawing/2014/main" val="2593874492"/>
+                    </a:ext>
+                  </a:extLst>
+                </a:gridCol>
+                <a:gridCol w="689693">
+                  <a:extLst>
+                    <a:ext uri="{9D8B030D-6E8A-4147-A177-3AD203B41FA5}">
+                      <a16:colId xmlns:a16="http://schemas.microsoft.com/office/drawing/2014/main" val="2257795996"/>
+                    </a:ext>
+                  </a:extLst>
+                </a:gridCol>
+                <a:gridCol w="711942">
+                  <a:extLst>
+                    <a:ext uri="{9D8B030D-6E8A-4147-A177-3AD203B41FA5}">
+                      <a16:colId xmlns:a16="http://schemas.microsoft.com/office/drawing/2014/main" val="1498002103"/>
+                    </a:ext>
+                  </a:extLst>
+                </a:gridCol>
+                <a:gridCol w="845431">
+                  <a:extLst>
+                    <a:ext uri="{9D8B030D-6E8A-4147-A177-3AD203B41FA5}">
+                      <a16:colId xmlns:a16="http://schemas.microsoft.com/office/drawing/2014/main" val="2626875294"/>
+                    </a:ext>
+                  </a:extLst>
+                </a:gridCol>
+                <a:gridCol w="901051">
+                  <a:extLst>
+                    <a:ext uri="{9D8B030D-6E8A-4147-A177-3AD203B41FA5}">
+                      <a16:colId xmlns:a16="http://schemas.microsoft.com/office/drawing/2014/main" val="3715504731"/>
+                    </a:ext>
+                  </a:extLst>
+                </a:gridCol>
+              </a:tblGrid>
+              <a:tr h="403654">
+                <a:tc>
+                  <a:txBody>
+                    <a:bodyPr/>
+                    <a:lstStyle/>
+                    <a:p>
+                      <a:pPr rtl="0" fontAlgn="t">
+                        <a:spcBef>
+                          <a:spcPts val="0"/>
+                        </a:spcBef>
+                        <a:spcAft>
+                          <a:spcPts val="0"/>
+                        </a:spcAft>
+                      </a:pPr>
+                      <a:r>
+                        <a:rPr lang="fr-FR" sz="1000" b="0" i="0" u="none" strike="noStrike">
+                          <a:solidFill>
+                            <a:srgbClr val="FFFFFF"/>
+                          </a:solidFill>
+                          <a:effectLst/>
+                          <a:latin typeface="Arial" panose="020B0604020202020204" pitchFamily="34" charset="0"/>
+                        </a:rPr>
+                        <a:t>Fonction primaire</a:t>
+                      </a:r>
+                      <a:endParaRPr lang="fr-FR">
+                        <a:effectLst/>
+                      </a:endParaRPr>
+                    </a:p>
+                  </a:txBody>
+                  <a:tcPr marL="76200" marR="76200" marT="38100" marB="38100">
+                    <a:lnL w="10157" cap="flat" cmpd="sng" algn="ctr">
+                      <a:solidFill>
+                        <a:srgbClr val="000000"/>
+                      </a:solidFill>
+                      <a:prstDash val="solid"/>
+                      <a:round/>
+                      <a:headEnd type="none" w="med" len="med"/>
+                      <a:tailEnd type="none" w="med" len="med"/>
+                    </a:lnL>
+                    <a:lnR w="10157" cap="flat" cmpd="sng" algn="ctr">
+                      <a:solidFill>
+                        <a:srgbClr val="000000"/>
+                      </a:solidFill>
+                      <a:prstDash val="solid"/>
+                      <a:round/>
+                      <a:headEnd type="none" w="med" len="med"/>
+                      <a:tailEnd type="none" w="med" len="med"/>
+                    </a:lnR>
+                    <a:lnT w="10157" cap="flat" cmpd="sng" algn="ctr">
+                      <a:solidFill>
+                        <a:srgbClr val="000000"/>
+                      </a:solidFill>
+                      <a:prstDash val="solid"/>
+                      <a:round/>
+                      <a:headEnd type="none" w="med" len="med"/>
+                      <a:tailEnd type="none" w="med" len="med"/>
+                    </a:lnT>
+                    <a:lnB w="10157" cap="flat" cmpd="sng" algn="ctr">
+                      <a:solidFill>
+                        <a:srgbClr val="000000"/>
+                      </a:solidFill>
+                      <a:prstDash val="solid"/>
+                      <a:round/>
+                      <a:headEnd type="none" w="med" len="med"/>
+                      <a:tailEnd type="none" w="med" len="med"/>
+                    </a:lnB>
+                    <a:solidFill>
+                      <a:srgbClr val="A5A5A5"/>
+                    </a:solidFill>
+                  </a:tcPr>
+                </a:tc>
+                <a:tc>
+                  <a:txBody>
+                    <a:bodyPr/>
+                    <a:lstStyle/>
+                    <a:p>
+                      <a:pPr rtl="0" fontAlgn="t">
+                        <a:spcBef>
+                          <a:spcPts val="0"/>
+                        </a:spcBef>
+                        <a:spcAft>
+                          <a:spcPts val="0"/>
+                        </a:spcAft>
+                      </a:pPr>
+                      <a:r>
+                        <a:rPr lang="fr-FR" sz="1000" b="0" i="0" u="none" strike="noStrike" dirty="0">
+                          <a:solidFill>
+                            <a:srgbClr val="FFFFFF"/>
+                          </a:solidFill>
+                          <a:effectLst/>
+                          <a:latin typeface="Arial" panose="020B0604020202020204" pitchFamily="34" charset="0"/>
+                        </a:rPr>
+                        <a:t>Fonction secondaire</a:t>
+                      </a:r>
+                      <a:endParaRPr lang="fr-FR" dirty="0">
+                        <a:effectLst/>
+                      </a:endParaRPr>
+                    </a:p>
+                  </a:txBody>
+                  <a:tcPr marL="76200" marR="76200" marT="38100" marB="38100">
+                    <a:lnL w="10157" cap="flat" cmpd="sng" algn="ctr">
+                      <a:solidFill>
+                        <a:srgbClr val="000000"/>
+                      </a:solidFill>
+                      <a:prstDash val="solid"/>
+                      <a:round/>
+                      <a:headEnd type="none" w="med" len="med"/>
+                      <a:tailEnd type="none" w="med" len="med"/>
+                    </a:lnL>
+                    <a:lnR w="10157" cap="flat" cmpd="sng" algn="ctr">
+                      <a:solidFill>
+                        <a:srgbClr val="000000"/>
+                      </a:solidFill>
+                      <a:prstDash val="solid"/>
+                      <a:round/>
+                      <a:headEnd type="none" w="med" len="med"/>
+                      <a:tailEnd type="none" w="med" len="med"/>
+                    </a:lnR>
+                    <a:lnT w="10157" cap="flat" cmpd="sng" algn="ctr">
+                      <a:solidFill>
+                        <a:srgbClr val="000000"/>
+                      </a:solidFill>
+                      <a:prstDash val="solid"/>
+                      <a:round/>
+                      <a:headEnd type="none" w="med" len="med"/>
+                      <a:tailEnd type="none" w="med" len="med"/>
+                    </a:lnT>
+                    <a:lnB w="10157" cap="flat" cmpd="sng" algn="ctr">
+                      <a:solidFill>
+                        <a:srgbClr val="000000"/>
+                      </a:solidFill>
+                      <a:prstDash val="solid"/>
+                      <a:round/>
+                      <a:headEnd type="none" w="med" len="med"/>
+                      <a:tailEnd type="none" w="med" len="med"/>
+                    </a:lnB>
+                    <a:solidFill>
+                      <a:srgbClr val="A5A5A5"/>
+                    </a:solidFill>
+                  </a:tcPr>
+                </a:tc>
+                <a:tc>
+                  <a:txBody>
+                    <a:bodyPr/>
+                    <a:lstStyle/>
+                    <a:p>
+                      <a:pPr rtl="0" fontAlgn="t">
+                        <a:spcBef>
+                          <a:spcPts val="0"/>
+                        </a:spcBef>
+                        <a:spcAft>
+                          <a:spcPts val="0"/>
+                        </a:spcAft>
+                      </a:pPr>
+                      <a:r>
+                        <a:rPr lang="fr-FR" sz="1000" b="0" i="0" u="none" strike="noStrike">
+                          <a:solidFill>
+                            <a:srgbClr val="FFFFFF"/>
+                          </a:solidFill>
+                          <a:effectLst/>
+                          <a:latin typeface="Arial" panose="020B0604020202020204" pitchFamily="34" charset="0"/>
+                        </a:rPr>
+                        <a:t>Critère</a:t>
+                      </a:r>
+                      <a:endParaRPr lang="fr-FR">
+                        <a:effectLst/>
+                      </a:endParaRPr>
+                    </a:p>
+                  </a:txBody>
+                  <a:tcPr marL="76200" marR="76200" marT="38100" marB="38100">
+                    <a:lnL w="10157" cap="flat" cmpd="sng" algn="ctr">
+                      <a:solidFill>
+                        <a:srgbClr val="000000"/>
+                      </a:solidFill>
+                      <a:prstDash val="solid"/>
+                      <a:round/>
+                      <a:headEnd type="none" w="med" len="med"/>
+                      <a:tailEnd type="none" w="med" len="med"/>
+                    </a:lnL>
+                    <a:lnR w="10157" cap="flat" cmpd="sng" algn="ctr">
+                      <a:solidFill>
+                        <a:srgbClr val="000000"/>
+                      </a:solidFill>
+                      <a:prstDash val="solid"/>
+                      <a:round/>
+                      <a:headEnd type="none" w="med" len="med"/>
+                      <a:tailEnd type="none" w="med" len="med"/>
+                    </a:lnR>
+                    <a:lnT w="10157" cap="flat" cmpd="sng" algn="ctr">
+                      <a:solidFill>
+                        <a:srgbClr val="000000"/>
+                      </a:solidFill>
+                      <a:prstDash val="solid"/>
+                      <a:round/>
+                      <a:headEnd type="none" w="med" len="med"/>
+                      <a:tailEnd type="none" w="med" len="med"/>
+                    </a:lnT>
+                    <a:lnB w="10157" cap="flat" cmpd="sng" algn="ctr">
+                      <a:solidFill>
+                        <a:srgbClr val="000000"/>
+                      </a:solidFill>
+                      <a:prstDash val="solid"/>
+                      <a:round/>
+                      <a:headEnd type="none" w="med" len="med"/>
+                      <a:tailEnd type="none" w="med" len="med"/>
+                    </a:lnB>
+                    <a:solidFill>
+                      <a:srgbClr val="A5A5A5"/>
+                    </a:solidFill>
+                  </a:tcPr>
+                </a:tc>
+                <a:tc>
+                  <a:txBody>
+                    <a:bodyPr/>
+                    <a:lstStyle/>
+                    <a:p>
+                      <a:pPr rtl="0" fontAlgn="t">
+                        <a:spcBef>
+                          <a:spcPts val="0"/>
+                        </a:spcBef>
+                        <a:spcAft>
+                          <a:spcPts val="0"/>
+                        </a:spcAft>
+                      </a:pPr>
+                      <a:r>
+                        <a:rPr lang="fr-FR" sz="1000" b="0" i="0" u="none" strike="noStrike">
+                          <a:solidFill>
+                            <a:srgbClr val="FFFFFF"/>
+                          </a:solidFill>
+                          <a:effectLst/>
+                          <a:latin typeface="Arial" panose="020B0604020202020204" pitchFamily="34" charset="0"/>
+                        </a:rPr>
+                        <a:t>Niveau</a:t>
+                      </a:r>
+                      <a:endParaRPr lang="fr-FR">
+                        <a:effectLst/>
+                      </a:endParaRPr>
+                    </a:p>
+                  </a:txBody>
+                  <a:tcPr marL="76200" marR="76200" marT="38100" marB="38100">
+                    <a:lnL w="10157" cap="flat" cmpd="sng" algn="ctr">
+                      <a:solidFill>
+                        <a:srgbClr val="000000"/>
+                      </a:solidFill>
+                      <a:prstDash val="solid"/>
+                      <a:round/>
+                      <a:headEnd type="none" w="med" len="med"/>
+                      <a:tailEnd type="none" w="med" len="med"/>
+                    </a:lnL>
+                    <a:lnR w="10157" cap="flat" cmpd="sng" algn="ctr">
+                      <a:solidFill>
+                        <a:srgbClr val="000000"/>
+                      </a:solidFill>
+                      <a:prstDash val="solid"/>
+                      <a:round/>
+                      <a:headEnd type="none" w="med" len="med"/>
+                      <a:tailEnd type="none" w="med" len="med"/>
+                    </a:lnR>
+                    <a:lnT w="10157" cap="flat" cmpd="sng" algn="ctr">
+                      <a:solidFill>
+                        <a:srgbClr val="000000"/>
+                      </a:solidFill>
+                      <a:prstDash val="solid"/>
+                      <a:round/>
+                      <a:headEnd type="none" w="med" len="med"/>
+                      <a:tailEnd type="none" w="med" len="med"/>
+                    </a:lnT>
+                    <a:lnB w="10157" cap="flat" cmpd="sng" algn="ctr">
+                      <a:solidFill>
+                        <a:srgbClr val="000000"/>
+                      </a:solidFill>
+                      <a:prstDash val="solid"/>
+                      <a:round/>
+                      <a:headEnd type="none" w="med" len="med"/>
+                      <a:tailEnd type="none" w="med" len="med"/>
+                    </a:lnB>
+                    <a:solidFill>
+                      <a:srgbClr val="A5A5A5"/>
+                    </a:solidFill>
+                  </a:tcPr>
+                </a:tc>
+                <a:tc>
+                  <a:txBody>
+                    <a:bodyPr/>
+                    <a:lstStyle/>
+                    <a:p>
+                      <a:pPr rtl="0" fontAlgn="t">
+                        <a:spcBef>
+                          <a:spcPts val="0"/>
+                        </a:spcBef>
+                        <a:spcAft>
+                          <a:spcPts val="0"/>
+                        </a:spcAft>
+                      </a:pPr>
+                      <a:r>
+                        <a:rPr lang="fr-FR" sz="1000" b="0" i="0" u="none" strike="noStrike">
+                          <a:solidFill>
+                            <a:srgbClr val="FFFFFF"/>
+                          </a:solidFill>
+                          <a:effectLst/>
+                          <a:latin typeface="Arial" panose="020B0604020202020204" pitchFamily="34" charset="0"/>
+                        </a:rPr>
+                        <a:t>Flexibilité</a:t>
+                      </a:r>
+                      <a:endParaRPr lang="fr-FR">
+                        <a:effectLst/>
+                      </a:endParaRPr>
+                    </a:p>
+                  </a:txBody>
+                  <a:tcPr marL="76200" marR="76200" marT="38100" marB="38100">
+                    <a:lnL w="10157" cap="flat" cmpd="sng" algn="ctr">
+                      <a:solidFill>
+                        <a:srgbClr val="000000"/>
+                      </a:solidFill>
+                      <a:prstDash val="solid"/>
+                      <a:round/>
+                      <a:headEnd type="none" w="med" len="med"/>
+                      <a:tailEnd type="none" w="med" len="med"/>
+                    </a:lnL>
+                    <a:lnR w="10157" cap="flat" cmpd="sng" algn="ctr">
+                      <a:solidFill>
+                        <a:srgbClr val="000000"/>
+                      </a:solidFill>
+                      <a:prstDash val="solid"/>
+                      <a:round/>
+                      <a:headEnd type="none" w="med" len="med"/>
+                      <a:tailEnd type="none" w="med" len="med"/>
+                    </a:lnR>
+                    <a:lnT w="10157" cap="flat" cmpd="sng" algn="ctr">
+                      <a:solidFill>
+                        <a:srgbClr val="000000"/>
+                      </a:solidFill>
+                      <a:prstDash val="solid"/>
+                      <a:round/>
+                      <a:headEnd type="none" w="med" len="med"/>
+                      <a:tailEnd type="none" w="med" len="med"/>
+                    </a:lnT>
+                    <a:lnB w="10157" cap="flat" cmpd="sng" algn="ctr">
+                      <a:solidFill>
+                        <a:srgbClr val="000000"/>
+                      </a:solidFill>
+                      <a:prstDash val="solid"/>
+                      <a:round/>
+                      <a:headEnd type="none" w="med" len="med"/>
+                      <a:tailEnd type="none" w="med" len="med"/>
+                    </a:lnB>
+                    <a:solidFill>
+                      <a:srgbClr val="A5A5A5"/>
+                    </a:solidFill>
+                  </a:tcPr>
+                </a:tc>
+                <a:tc>
+                  <a:txBody>
+                    <a:bodyPr/>
+                    <a:lstStyle/>
+                    <a:p>
+                      <a:pPr rtl="0" fontAlgn="t">
+                        <a:spcBef>
+                          <a:spcPts val="0"/>
+                        </a:spcBef>
+                        <a:spcAft>
+                          <a:spcPts val="0"/>
+                        </a:spcAft>
+                      </a:pPr>
+                      <a:r>
+                        <a:rPr lang="fr-FR" sz="1000" b="0" i="0" u="none" strike="noStrike">
+                          <a:solidFill>
+                            <a:srgbClr val="FFFFFF"/>
+                          </a:solidFill>
+                          <a:effectLst/>
+                          <a:latin typeface="Arial" panose="020B0604020202020204" pitchFamily="34" charset="0"/>
+                        </a:rPr>
+                        <a:t>Article règlement</a:t>
+                      </a:r>
+                      <a:endParaRPr lang="fr-FR">
+                        <a:effectLst/>
+                      </a:endParaRPr>
+                    </a:p>
+                  </a:txBody>
+                  <a:tcPr marL="76200" marR="76200" marT="38100" marB="38100">
+                    <a:lnL w="10157" cap="flat" cmpd="sng" algn="ctr">
+                      <a:solidFill>
+                        <a:srgbClr val="000000"/>
+                      </a:solidFill>
+                      <a:prstDash val="solid"/>
+                      <a:round/>
+                      <a:headEnd type="none" w="med" len="med"/>
+                      <a:tailEnd type="none" w="med" len="med"/>
+                    </a:lnL>
+                    <a:lnR w="10157" cap="flat" cmpd="sng" algn="ctr">
+                      <a:solidFill>
+                        <a:srgbClr val="000000"/>
+                      </a:solidFill>
+                      <a:prstDash val="solid"/>
+                      <a:round/>
+                      <a:headEnd type="none" w="med" len="med"/>
+                      <a:tailEnd type="none" w="med" len="med"/>
+                    </a:lnR>
+                    <a:lnT w="10157" cap="flat" cmpd="sng" algn="ctr">
+                      <a:solidFill>
+                        <a:srgbClr val="000000"/>
+                      </a:solidFill>
+                      <a:prstDash val="solid"/>
+                      <a:round/>
+                      <a:headEnd type="none" w="med" len="med"/>
+                      <a:tailEnd type="none" w="med" len="med"/>
+                    </a:lnT>
+                    <a:lnB w="10157" cap="flat" cmpd="sng" algn="ctr">
+                      <a:solidFill>
+                        <a:srgbClr val="000000"/>
+                      </a:solidFill>
+                      <a:prstDash val="solid"/>
+                      <a:round/>
+                      <a:headEnd type="none" w="med" len="med"/>
+                      <a:tailEnd type="none" w="med" len="med"/>
+                    </a:lnB>
+                    <a:solidFill>
+                      <a:srgbClr val="A5A5A5"/>
+                    </a:solidFill>
+                  </a:tcPr>
+                </a:tc>
+                <a:extLst>
+                  <a:ext uri="{0D108BD9-81ED-4DB2-BD59-A6C34878D82A}">
+                    <a16:rowId xmlns:a16="http://schemas.microsoft.com/office/drawing/2014/main" val="2212698395"/>
+                  </a:ext>
+                </a:extLst>
+              </a:tr>
+              <a:tr h="371362">
+                <a:tc>
+                  <a:txBody>
+                    <a:bodyPr/>
+                    <a:lstStyle/>
+                    <a:p>
+                      <a:pPr rtl="0" fontAlgn="t">
+                        <a:spcBef>
+                          <a:spcPts val="0"/>
+                        </a:spcBef>
+                        <a:spcAft>
+                          <a:spcPts val="0"/>
+                        </a:spcAft>
+                      </a:pPr>
+                      <a:r>
+                        <a:rPr lang="fr-FR" sz="900" b="0" i="0" u="none" strike="noStrike">
+                          <a:solidFill>
+                            <a:srgbClr val="000000"/>
+                          </a:solidFill>
+                          <a:effectLst/>
+                          <a:latin typeface="Arial" panose="020B0604020202020204" pitchFamily="34" charset="0"/>
+                        </a:rPr>
+                        <a:t>FP1 : Respect du règlement</a:t>
+                      </a:r>
+                      <a:endParaRPr lang="fr-FR">
+                        <a:effectLst/>
+                      </a:endParaRPr>
+                    </a:p>
+                  </a:txBody>
+                  <a:tcPr marL="76200" marR="76200" marT="38100" marB="38100">
+                    <a:lnL w="10157" cap="flat" cmpd="sng" algn="ctr">
+                      <a:solidFill>
+                        <a:srgbClr val="000000"/>
+                      </a:solidFill>
+                      <a:prstDash val="solid"/>
+                      <a:round/>
+                      <a:headEnd type="none" w="med" len="med"/>
+                      <a:tailEnd type="none" w="med" len="med"/>
+                    </a:lnL>
+                    <a:lnR w="10157" cap="flat" cmpd="sng" algn="ctr">
+                      <a:solidFill>
+                        <a:srgbClr val="000000"/>
+                      </a:solidFill>
+                      <a:prstDash val="solid"/>
+                      <a:round/>
+                      <a:headEnd type="none" w="med" len="med"/>
+                      <a:tailEnd type="none" w="med" len="med"/>
+                    </a:lnR>
+                    <a:lnT w="10157" cap="flat" cmpd="sng" algn="ctr">
+                      <a:solidFill>
+                        <a:srgbClr val="000000"/>
+                      </a:solidFill>
+                      <a:prstDash val="solid"/>
+                      <a:round/>
+                      <a:headEnd type="none" w="med" len="med"/>
+                      <a:tailEnd type="none" w="med" len="med"/>
+                    </a:lnT>
+                    <a:lnB w="10157" cap="flat" cmpd="sng" algn="ctr">
+                      <a:solidFill>
+                        <a:srgbClr val="000000"/>
+                      </a:solidFill>
+                      <a:prstDash val="solid"/>
+                      <a:round/>
+                      <a:headEnd type="none" w="med" len="med"/>
+                      <a:tailEnd type="none" w="med" len="med"/>
+                    </a:lnB>
+                    <a:solidFill>
+                      <a:srgbClr val="E0E0E0"/>
+                    </a:solidFill>
+                  </a:tcPr>
+                </a:tc>
+                <a:tc>
+                  <a:txBody>
+                    <a:bodyPr/>
+                    <a:lstStyle/>
+                    <a:p>
+                      <a:pPr rtl="0" fontAlgn="t">
+                        <a:spcBef>
+                          <a:spcPts val="0"/>
+                        </a:spcBef>
+                        <a:spcAft>
+                          <a:spcPts val="0"/>
+                        </a:spcAft>
+                      </a:pPr>
+                      <a:r>
+                        <a:rPr lang="fr-FR" sz="900" b="0" i="0" u="none" strike="noStrike">
+                          <a:solidFill>
+                            <a:srgbClr val="000000"/>
+                          </a:solidFill>
+                          <a:effectLst/>
+                          <a:latin typeface="Arial" panose="020B0604020202020204" pitchFamily="34" charset="0"/>
+                        </a:rPr>
+                        <a:t>FS1.1 :</a:t>
+                      </a:r>
+                      <a:endParaRPr lang="fr-FR">
+                        <a:effectLst/>
+                      </a:endParaRPr>
+                    </a:p>
+                  </a:txBody>
+                  <a:tcPr marL="76200" marR="76200" marT="38100" marB="38100">
+                    <a:lnL w="10157" cap="flat" cmpd="sng" algn="ctr">
+                      <a:solidFill>
+                        <a:srgbClr val="000000"/>
+                      </a:solidFill>
+                      <a:prstDash val="solid"/>
+                      <a:round/>
+                      <a:headEnd type="none" w="med" len="med"/>
+                      <a:tailEnd type="none" w="med" len="med"/>
+                    </a:lnL>
+                    <a:lnR w="10157" cap="flat" cmpd="sng" algn="ctr">
+                      <a:solidFill>
+                        <a:srgbClr val="000000"/>
+                      </a:solidFill>
+                      <a:prstDash val="solid"/>
+                      <a:round/>
+                      <a:headEnd type="none" w="med" len="med"/>
+                      <a:tailEnd type="none" w="med" len="med"/>
+                    </a:lnR>
+                    <a:lnT w="10157" cap="flat" cmpd="sng" algn="ctr">
+                      <a:solidFill>
+                        <a:srgbClr val="000000"/>
+                      </a:solidFill>
+                      <a:prstDash val="solid"/>
+                      <a:round/>
+                      <a:headEnd type="none" w="med" len="med"/>
+                      <a:tailEnd type="none" w="med" len="med"/>
+                    </a:lnT>
+                    <a:lnB w="10157" cap="flat" cmpd="sng" algn="ctr">
+                      <a:solidFill>
+                        <a:srgbClr val="000000"/>
+                      </a:solidFill>
+                      <a:prstDash val="solid"/>
+                      <a:round/>
+                      <a:headEnd type="none" w="med" len="med"/>
+                      <a:tailEnd type="none" w="med" len="med"/>
+                    </a:lnB>
+                    <a:solidFill>
+                      <a:srgbClr val="E0E0E0"/>
+                    </a:solidFill>
+                  </a:tcPr>
+                </a:tc>
+                <a:tc>
+                  <a:txBody>
+                    <a:bodyPr/>
+                    <a:lstStyle/>
+                    <a:p>
+                      <a:pPr fontAlgn="t"/>
+                      <a:r>
+                        <a:rPr lang="fr-FR">
+                          <a:effectLst/>
+                        </a:rPr>
+                        <a:t> </a:t>
+                      </a:r>
+                    </a:p>
+                  </a:txBody>
+                  <a:tcPr marL="76200" marR="76200" marT="38100" marB="38100">
+                    <a:lnL w="10157" cap="flat" cmpd="sng" algn="ctr">
+                      <a:solidFill>
+                        <a:srgbClr val="000000"/>
+                      </a:solidFill>
+                      <a:prstDash val="solid"/>
+                      <a:round/>
+                      <a:headEnd type="none" w="med" len="med"/>
+                      <a:tailEnd type="none" w="med" len="med"/>
+                    </a:lnL>
+                    <a:lnR w="10157" cap="flat" cmpd="sng" algn="ctr">
+                      <a:solidFill>
+                        <a:srgbClr val="000000"/>
+                      </a:solidFill>
+                      <a:prstDash val="solid"/>
+                      <a:round/>
+                      <a:headEnd type="none" w="med" len="med"/>
+                      <a:tailEnd type="none" w="med" len="med"/>
+                    </a:lnR>
+                    <a:lnT w="10157" cap="flat" cmpd="sng" algn="ctr">
+                      <a:solidFill>
+                        <a:srgbClr val="000000"/>
+                      </a:solidFill>
+                      <a:prstDash val="solid"/>
+                      <a:round/>
+                      <a:headEnd type="none" w="med" len="med"/>
+                      <a:tailEnd type="none" w="med" len="med"/>
+                    </a:lnT>
+                    <a:lnB w="10157" cap="flat" cmpd="sng" algn="ctr">
+                      <a:solidFill>
+                        <a:srgbClr val="000000"/>
+                      </a:solidFill>
+                      <a:prstDash val="solid"/>
+                      <a:round/>
+                      <a:headEnd type="none" w="med" len="med"/>
+                      <a:tailEnd type="none" w="med" len="med"/>
+                    </a:lnB>
+                    <a:solidFill>
+                      <a:srgbClr val="E0E0E0"/>
+                    </a:solidFill>
+                  </a:tcPr>
+                </a:tc>
+                <a:tc>
+                  <a:txBody>
+                    <a:bodyPr/>
+                    <a:lstStyle/>
+                    <a:p>
+                      <a:pPr fontAlgn="t"/>
+                      <a:r>
+                        <a:rPr lang="fr-FR">
+                          <a:effectLst/>
+                        </a:rPr>
+                        <a:t> </a:t>
+                      </a:r>
+                    </a:p>
+                  </a:txBody>
+                  <a:tcPr marL="76200" marR="76200" marT="38100" marB="38100">
+                    <a:lnL w="10157" cap="flat" cmpd="sng" algn="ctr">
+                      <a:solidFill>
+                        <a:srgbClr val="000000"/>
+                      </a:solidFill>
+                      <a:prstDash val="solid"/>
+                      <a:round/>
+                      <a:headEnd type="none" w="med" len="med"/>
+                      <a:tailEnd type="none" w="med" len="med"/>
+                    </a:lnL>
+                    <a:lnR w="10157" cap="flat" cmpd="sng" algn="ctr">
+                      <a:solidFill>
+                        <a:srgbClr val="000000"/>
+                      </a:solidFill>
+                      <a:prstDash val="solid"/>
+                      <a:round/>
+                      <a:headEnd type="none" w="med" len="med"/>
+                      <a:tailEnd type="none" w="med" len="med"/>
+                    </a:lnR>
+                    <a:lnT w="10157" cap="flat" cmpd="sng" algn="ctr">
+                      <a:solidFill>
+                        <a:srgbClr val="000000"/>
+                      </a:solidFill>
+                      <a:prstDash val="solid"/>
+                      <a:round/>
+                      <a:headEnd type="none" w="med" len="med"/>
+                      <a:tailEnd type="none" w="med" len="med"/>
+                    </a:lnT>
+                    <a:lnB w="10157" cap="flat" cmpd="sng" algn="ctr">
+                      <a:solidFill>
+                        <a:srgbClr val="000000"/>
+                      </a:solidFill>
+                      <a:prstDash val="solid"/>
+                      <a:round/>
+                      <a:headEnd type="none" w="med" len="med"/>
+                      <a:tailEnd type="none" w="med" len="med"/>
+                    </a:lnB>
+                    <a:solidFill>
+                      <a:srgbClr val="E0E0E0"/>
+                    </a:solidFill>
+                  </a:tcPr>
+                </a:tc>
+                <a:tc>
+                  <a:txBody>
+                    <a:bodyPr/>
+                    <a:lstStyle/>
+                    <a:p>
+                      <a:pPr fontAlgn="t"/>
+                      <a:r>
+                        <a:rPr lang="fr-FR">
+                          <a:effectLst/>
+                        </a:rPr>
+                        <a:t> </a:t>
+                      </a:r>
+                    </a:p>
+                  </a:txBody>
+                  <a:tcPr marL="76200" marR="76200" marT="38100" marB="38100">
+                    <a:lnL w="10157" cap="flat" cmpd="sng" algn="ctr">
+                      <a:solidFill>
+                        <a:srgbClr val="000000"/>
+                      </a:solidFill>
+                      <a:prstDash val="solid"/>
+                      <a:round/>
+                      <a:headEnd type="none" w="med" len="med"/>
+                      <a:tailEnd type="none" w="med" len="med"/>
+                    </a:lnL>
+                    <a:lnR w="10157" cap="flat" cmpd="sng" algn="ctr">
+                      <a:solidFill>
+                        <a:srgbClr val="000000"/>
+                      </a:solidFill>
+                      <a:prstDash val="solid"/>
+                      <a:round/>
+                      <a:headEnd type="none" w="med" len="med"/>
+                      <a:tailEnd type="none" w="med" len="med"/>
+                    </a:lnR>
+                    <a:lnT w="10157" cap="flat" cmpd="sng" algn="ctr">
+                      <a:solidFill>
+                        <a:srgbClr val="000000"/>
+                      </a:solidFill>
+                      <a:prstDash val="solid"/>
+                      <a:round/>
+                      <a:headEnd type="none" w="med" len="med"/>
+                      <a:tailEnd type="none" w="med" len="med"/>
+                    </a:lnT>
+                    <a:lnB w="10157" cap="flat" cmpd="sng" algn="ctr">
+                      <a:solidFill>
+                        <a:srgbClr val="000000"/>
+                      </a:solidFill>
+                      <a:prstDash val="solid"/>
+                      <a:round/>
+                      <a:headEnd type="none" w="med" len="med"/>
+                      <a:tailEnd type="none" w="med" len="med"/>
+                    </a:lnB>
+                    <a:solidFill>
+                      <a:srgbClr val="E0E0E0"/>
+                    </a:solidFill>
+                  </a:tcPr>
+                </a:tc>
+                <a:tc>
+                  <a:txBody>
+                    <a:bodyPr/>
+                    <a:lstStyle/>
+                    <a:p>
+                      <a:pPr fontAlgn="t"/>
+                      <a:r>
+                        <a:rPr lang="fr-FR" dirty="0">
+                          <a:effectLst/>
+                        </a:rPr>
+                        <a:t> </a:t>
+                      </a:r>
+                    </a:p>
+                  </a:txBody>
+                  <a:tcPr marL="76200" marR="76200" marT="38100" marB="38100">
+                    <a:lnL w="10157" cap="flat" cmpd="sng" algn="ctr">
+                      <a:solidFill>
+                        <a:srgbClr val="000000"/>
+                      </a:solidFill>
+                      <a:prstDash val="solid"/>
+                      <a:round/>
+                      <a:headEnd type="none" w="med" len="med"/>
+                      <a:tailEnd type="none" w="med" len="med"/>
+                    </a:lnL>
+                    <a:lnR w="10157" cap="flat" cmpd="sng" algn="ctr">
+                      <a:solidFill>
+                        <a:srgbClr val="000000"/>
+                      </a:solidFill>
+                      <a:prstDash val="solid"/>
+                      <a:round/>
+                      <a:headEnd type="none" w="med" len="med"/>
+                      <a:tailEnd type="none" w="med" len="med"/>
+                    </a:lnR>
+                    <a:lnT w="10157" cap="flat" cmpd="sng" algn="ctr">
+                      <a:solidFill>
+                        <a:srgbClr val="000000"/>
+                      </a:solidFill>
+                      <a:prstDash val="solid"/>
+                      <a:round/>
+                      <a:headEnd type="none" w="med" len="med"/>
+                      <a:tailEnd type="none" w="med" len="med"/>
+                    </a:lnT>
+                    <a:lnB w="10157" cap="flat" cmpd="sng" algn="ctr">
+                      <a:solidFill>
+                        <a:srgbClr val="000000"/>
+                      </a:solidFill>
+                      <a:prstDash val="solid"/>
+                      <a:round/>
+                      <a:headEnd type="none" w="med" len="med"/>
+                      <a:tailEnd type="none" w="med" len="med"/>
+                    </a:lnB>
+                    <a:solidFill>
+                      <a:srgbClr val="E0E0E0"/>
+                    </a:solidFill>
+                  </a:tcPr>
+                </a:tc>
+                <a:extLst>
+                  <a:ext uri="{0D108BD9-81ED-4DB2-BD59-A6C34878D82A}">
+                    <a16:rowId xmlns:a16="http://schemas.microsoft.com/office/drawing/2014/main" val="1207309846"/>
+                  </a:ext>
+                </a:extLst>
+              </a:tr>
+              <a:tr h="306777">
+                <a:tc>
+                  <a:txBody>
+                    <a:bodyPr/>
+                    <a:lstStyle/>
+                    <a:p>
+                      <a:pPr fontAlgn="t"/>
+                      <a:r>
+                        <a:rPr lang="fr-FR">
+                          <a:effectLst/>
+                        </a:rPr>
+                        <a:t> </a:t>
+                      </a:r>
+                    </a:p>
+                  </a:txBody>
+                  <a:tcPr marL="76200" marR="76200" marT="38100" marB="38100">
+                    <a:lnL w="10157" cap="flat" cmpd="sng" algn="ctr">
+                      <a:solidFill>
+                        <a:srgbClr val="000000"/>
+                      </a:solidFill>
+                      <a:prstDash val="solid"/>
+                      <a:round/>
+                      <a:headEnd type="none" w="med" len="med"/>
+                      <a:tailEnd type="none" w="med" len="med"/>
+                    </a:lnL>
+                    <a:lnR w="10157" cap="flat" cmpd="sng" algn="ctr">
+                      <a:solidFill>
+                        <a:srgbClr val="000000"/>
+                      </a:solidFill>
+                      <a:prstDash val="solid"/>
+                      <a:round/>
+                      <a:headEnd type="none" w="med" len="med"/>
+                      <a:tailEnd type="none" w="med" len="med"/>
+                    </a:lnR>
+                    <a:lnT w="10157" cap="flat" cmpd="sng" algn="ctr">
+                      <a:solidFill>
+                        <a:srgbClr val="000000"/>
+                      </a:solidFill>
+                      <a:prstDash val="solid"/>
+                      <a:round/>
+                      <a:headEnd type="none" w="med" len="med"/>
+                      <a:tailEnd type="none" w="med" len="med"/>
+                    </a:lnT>
+                    <a:lnB w="10157" cap="flat" cmpd="sng" algn="ctr">
+                      <a:solidFill>
+                        <a:srgbClr val="000000"/>
+                      </a:solidFill>
+                      <a:prstDash val="solid"/>
+                      <a:round/>
+                      <a:headEnd type="none" w="med" len="med"/>
+                      <a:tailEnd type="none" w="med" len="med"/>
+                    </a:lnB>
+                    <a:solidFill>
+                      <a:srgbClr val="F0F0F0"/>
+                    </a:solidFill>
+                  </a:tcPr>
+                </a:tc>
+                <a:tc>
+                  <a:txBody>
+                    <a:bodyPr/>
+                    <a:lstStyle/>
+                    <a:p>
+                      <a:pPr rtl="0" fontAlgn="t">
+                        <a:spcBef>
+                          <a:spcPts val="0"/>
+                        </a:spcBef>
+                        <a:spcAft>
+                          <a:spcPts val="0"/>
+                        </a:spcAft>
+                      </a:pPr>
+                      <a:r>
+                        <a:rPr lang="fr-FR" sz="900" b="0" i="0" u="none" strike="noStrike">
+                          <a:solidFill>
+                            <a:srgbClr val="000000"/>
+                          </a:solidFill>
+                          <a:effectLst/>
+                          <a:latin typeface="Arial" panose="020B0604020202020204" pitchFamily="34" charset="0"/>
+                        </a:rPr>
+                        <a:t>FS1.2 :</a:t>
+                      </a:r>
+                      <a:endParaRPr lang="fr-FR">
+                        <a:effectLst/>
+                      </a:endParaRPr>
+                    </a:p>
+                  </a:txBody>
+                  <a:tcPr marL="76200" marR="76200" marT="38100" marB="38100">
+                    <a:lnL w="10157" cap="flat" cmpd="sng" algn="ctr">
+                      <a:solidFill>
+                        <a:srgbClr val="000000"/>
+                      </a:solidFill>
+                      <a:prstDash val="solid"/>
+                      <a:round/>
+                      <a:headEnd type="none" w="med" len="med"/>
+                      <a:tailEnd type="none" w="med" len="med"/>
+                    </a:lnL>
+                    <a:lnR w="10157" cap="flat" cmpd="sng" algn="ctr">
+                      <a:solidFill>
+                        <a:srgbClr val="000000"/>
+                      </a:solidFill>
+                      <a:prstDash val="solid"/>
+                      <a:round/>
+                      <a:headEnd type="none" w="med" len="med"/>
+                      <a:tailEnd type="none" w="med" len="med"/>
+                    </a:lnR>
+                    <a:lnT w="10157" cap="flat" cmpd="sng" algn="ctr">
+                      <a:solidFill>
+                        <a:srgbClr val="000000"/>
+                      </a:solidFill>
+                      <a:prstDash val="solid"/>
+                      <a:round/>
+                      <a:headEnd type="none" w="med" len="med"/>
+                      <a:tailEnd type="none" w="med" len="med"/>
+                    </a:lnT>
+                    <a:lnB w="10157" cap="flat" cmpd="sng" algn="ctr">
+                      <a:solidFill>
+                        <a:srgbClr val="000000"/>
+                      </a:solidFill>
+                      <a:prstDash val="solid"/>
+                      <a:round/>
+                      <a:headEnd type="none" w="med" len="med"/>
+                      <a:tailEnd type="none" w="med" len="med"/>
+                    </a:lnB>
+                    <a:solidFill>
+                      <a:srgbClr val="F0F0F0"/>
+                    </a:solidFill>
+                  </a:tcPr>
+                </a:tc>
+                <a:tc>
+                  <a:txBody>
+                    <a:bodyPr/>
+                    <a:lstStyle/>
+                    <a:p>
+                      <a:pPr fontAlgn="t"/>
+                      <a:r>
+                        <a:rPr lang="fr-FR">
+                          <a:effectLst/>
+                        </a:rPr>
+                        <a:t> </a:t>
+                      </a:r>
+                    </a:p>
+                  </a:txBody>
+                  <a:tcPr marL="76200" marR="76200" marT="38100" marB="38100">
+                    <a:lnL w="10157" cap="flat" cmpd="sng" algn="ctr">
+                      <a:solidFill>
+                        <a:srgbClr val="000000"/>
+                      </a:solidFill>
+                      <a:prstDash val="solid"/>
+                      <a:round/>
+                      <a:headEnd type="none" w="med" len="med"/>
+                      <a:tailEnd type="none" w="med" len="med"/>
+                    </a:lnL>
+                    <a:lnR w="10157" cap="flat" cmpd="sng" algn="ctr">
+                      <a:solidFill>
+                        <a:srgbClr val="000000"/>
+                      </a:solidFill>
+                      <a:prstDash val="solid"/>
+                      <a:round/>
+                      <a:headEnd type="none" w="med" len="med"/>
+                      <a:tailEnd type="none" w="med" len="med"/>
+                    </a:lnR>
+                    <a:lnT w="10157" cap="flat" cmpd="sng" algn="ctr">
+                      <a:solidFill>
+                        <a:srgbClr val="000000"/>
+                      </a:solidFill>
+                      <a:prstDash val="solid"/>
+                      <a:round/>
+                      <a:headEnd type="none" w="med" len="med"/>
+                      <a:tailEnd type="none" w="med" len="med"/>
+                    </a:lnT>
+                    <a:lnB w="10157" cap="flat" cmpd="sng" algn="ctr">
+                      <a:solidFill>
+                        <a:srgbClr val="000000"/>
+                      </a:solidFill>
+                      <a:prstDash val="solid"/>
+                      <a:round/>
+                      <a:headEnd type="none" w="med" len="med"/>
+                      <a:tailEnd type="none" w="med" len="med"/>
+                    </a:lnB>
+                    <a:solidFill>
+                      <a:srgbClr val="F0F0F0"/>
+                    </a:solidFill>
+                  </a:tcPr>
+                </a:tc>
+                <a:tc>
+                  <a:txBody>
+                    <a:bodyPr/>
+                    <a:lstStyle/>
+                    <a:p>
+                      <a:pPr fontAlgn="t"/>
+                      <a:r>
+                        <a:rPr lang="fr-FR">
+                          <a:effectLst/>
+                        </a:rPr>
+                        <a:t> </a:t>
+                      </a:r>
+                    </a:p>
+                  </a:txBody>
+                  <a:tcPr marL="76200" marR="76200" marT="38100" marB="38100">
+                    <a:lnL w="10157" cap="flat" cmpd="sng" algn="ctr">
+                      <a:solidFill>
+                        <a:srgbClr val="000000"/>
+                      </a:solidFill>
+                      <a:prstDash val="solid"/>
+                      <a:round/>
+                      <a:headEnd type="none" w="med" len="med"/>
+                      <a:tailEnd type="none" w="med" len="med"/>
+                    </a:lnL>
+                    <a:lnR w="10157" cap="flat" cmpd="sng" algn="ctr">
+                      <a:solidFill>
+                        <a:srgbClr val="000000"/>
+                      </a:solidFill>
+                      <a:prstDash val="solid"/>
+                      <a:round/>
+                      <a:headEnd type="none" w="med" len="med"/>
+                      <a:tailEnd type="none" w="med" len="med"/>
+                    </a:lnR>
+                    <a:lnT w="10157" cap="flat" cmpd="sng" algn="ctr">
+                      <a:solidFill>
+                        <a:srgbClr val="000000"/>
+                      </a:solidFill>
+                      <a:prstDash val="solid"/>
+                      <a:round/>
+                      <a:headEnd type="none" w="med" len="med"/>
+                      <a:tailEnd type="none" w="med" len="med"/>
+                    </a:lnT>
+                    <a:lnB w="10157" cap="flat" cmpd="sng" algn="ctr">
+                      <a:solidFill>
+                        <a:srgbClr val="000000"/>
+                      </a:solidFill>
+                      <a:prstDash val="solid"/>
+                      <a:round/>
+                      <a:headEnd type="none" w="med" len="med"/>
+                      <a:tailEnd type="none" w="med" len="med"/>
+                    </a:lnB>
+                    <a:solidFill>
+                      <a:srgbClr val="F0F0F0"/>
+                    </a:solidFill>
+                  </a:tcPr>
+                </a:tc>
+                <a:tc>
+                  <a:txBody>
+                    <a:bodyPr/>
+                    <a:lstStyle/>
+                    <a:p>
+                      <a:pPr fontAlgn="t"/>
+                      <a:r>
+                        <a:rPr lang="fr-FR">
+                          <a:effectLst/>
+                        </a:rPr>
+                        <a:t> </a:t>
+                      </a:r>
+                    </a:p>
+                  </a:txBody>
+                  <a:tcPr marL="76200" marR="76200" marT="38100" marB="38100">
+                    <a:lnL w="10157" cap="flat" cmpd="sng" algn="ctr">
+                      <a:solidFill>
+                        <a:srgbClr val="000000"/>
+                      </a:solidFill>
+                      <a:prstDash val="solid"/>
+                      <a:round/>
+                      <a:headEnd type="none" w="med" len="med"/>
+                      <a:tailEnd type="none" w="med" len="med"/>
+                    </a:lnL>
+                    <a:lnR w="10157" cap="flat" cmpd="sng" algn="ctr">
+                      <a:solidFill>
+                        <a:srgbClr val="000000"/>
+                      </a:solidFill>
+                      <a:prstDash val="solid"/>
+                      <a:round/>
+                      <a:headEnd type="none" w="med" len="med"/>
+                      <a:tailEnd type="none" w="med" len="med"/>
+                    </a:lnR>
+                    <a:lnT w="10157" cap="flat" cmpd="sng" algn="ctr">
+                      <a:solidFill>
+                        <a:srgbClr val="000000"/>
+                      </a:solidFill>
+                      <a:prstDash val="solid"/>
+                      <a:round/>
+                      <a:headEnd type="none" w="med" len="med"/>
+                      <a:tailEnd type="none" w="med" len="med"/>
+                    </a:lnT>
+                    <a:lnB w="10157" cap="flat" cmpd="sng" algn="ctr">
+                      <a:solidFill>
+                        <a:srgbClr val="000000"/>
+                      </a:solidFill>
+                      <a:prstDash val="solid"/>
+                      <a:round/>
+                      <a:headEnd type="none" w="med" len="med"/>
+                      <a:tailEnd type="none" w="med" len="med"/>
+                    </a:lnB>
+                    <a:solidFill>
+                      <a:srgbClr val="F0F0F0"/>
+                    </a:solidFill>
+                  </a:tcPr>
+                </a:tc>
+                <a:tc>
+                  <a:txBody>
+                    <a:bodyPr/>
+                    <a:lstStyle/>
+                    <a:p>
+                      <a:pPr fontAlgn="t"/>
+                      <a:r>
+                        <a:rPr lang="fr-FR">
+                          <a:effectLst/>
+                        </a:rPr>
+                        <a:t> </a:t>
+                      </a:r>
+                    </a:p>
+                  </a:txBody>
+                  <a:tcPr marL="76200" marR="76200" marT="38100" marB="38100">
+                    <a:lnL w="10157" cap="flat" cmpd="sng" algn="ctr">
+                      <a:solidFill>
+                        <a:srgbClr val="000000"/>
+                      </a:solidFill>
+                      <a:prstDash val="solid"/>
+                      <a:round/>
+                      <a:headEnd type="none" w="med" len="med"/>
+                      <a:tailEnd type="none" w="med" len="med"/>
+                    </a:lnL>
+                    <a:lnR w="10157" cap="flat" cmpd="sng" algn="ctr">
+                      <a:solidFill>
+                        <a:srgbClr val="000000"/>
+                      </a:solidFill>
+                      <a:prstDash val="solid"/>
+                      <a:round/>
+                      <a:headEnd type="none" w="med" len="med"/>
+                      <a:tailEnd type="none" w="med" len="med"/>
+                    </a:lnR>
+                    <a:lnT w="10157" cap="flat" cmpd="sng" algn="ctr">
+                      <a:solidFill>
+                        <a:srgbClr val="000000"/>
+                      </a:solidFill>
+                      <a:prstDash val="solid"/>
+                      <a:round/>
+                      <a:headEnd type="none" w="med" len="med"/>
+                      <a:tailEnd type="none" w="med" len="med"/>
+                    </a:lnT>
+                    <a:lnB w="10157" cap="flat" cmpd="sng" algn="ctr">
+                      <a:solidFill>
+                        <a:srgbClr val="000000"/>
+                      </a:solidFill>
+                      <a:prstDash val="solid"/>
+                      <a:round/>
+                      <a:headEnd type="none" w="med" len="med"/>
+                      <a:tailEnd type="none" w="med" len="med"/>
+                    </a:lnB>
+                    <a:solidFill>
+                      <a:srgbClr val="F0F0F0"/>
+                    </a:solidFill>
+                  </a:tcPr>
+                </a:tc>
+                <a:extLst>
+                  <a:ext uri="{0D108BD9-81ED-4DB2-BD59-A6C34878D82A}">
+                    <a16:rowId xmlns:a16="http://schemas.microsoft.com/office/drawing/2014/main" val="2903822239"/>
+                  </a:ext>
+                </a:extLst>
+              </a:tr>
+              <a:tr h="306777">
+                <a:tc>
+                  <a:txBody>
+                    <a:bodyPr/>
+                    <a:lstStyle/>
+                    <a:p>
+                      <a:pPr rtl="0" fontAlgn="t">
+                        <a:spcBef>
+                          <a:spcPts val="0"/>
+                        </a:spcBef>
+                        <a:spcAft>
+                          <a:spcPts val="0"/>
+                        </a:spcAft>
+                      </a:pPr>
+                      <a:r>
+                        <a:rPr lang="fr-FR" sz="900" b="0" i="0" u="none" strike="noStrike">
+                          <a:solidFill>
+                            <a:srgbClr val="000000"/>
+                          </a:solidFill>
+                          <a:effectLst/>
+                          <a:latin typeface="Arial" panose="020B0604020202020204" pitchFamily="34" charset="0"/>
+                        </a:rPr>
+                        <a:t>FP2 :</a:t>
+                      </a:r>
+                      <a:endParaRPr lang="fr-FR">
+                        <a:effectLst/>
+                      </a:endParaRPr>
+                    </a:p>
+                  </a:txBody>
+                  <a:tcPr marL="76200" marR="76200" marT="38100" marB="38100">
+                    <a:lnL w="10157" cap="flat" cmpd="sng" algn="ctr">
+                      <a:solidFill>
+                        <a:srgbClr val="000000"/>
+                      </a:solidFill>
+                      <a:prstDash val="solid"/>
+                      <a:round/>
+                      <a:headEnd type="none" w="med" len="med"/>
+                      <a:tailEnd type="none" w="med" len="med"/>
+                    </a:lnL>
+                    <a:lnR w="10157" cap="flat" cmpd="sng" algn="ctr">
+                      <a:solidFill>
+                        <a:srgbClr val="000000"/>
+                      </a:solidFill>
+                      <a:prstDash val="solid"/>
+                      <a:round/>
+                      <a:headEnd type="none" w="med" len="med"/>
+                      <a:tailEnd type="none" w="med" len="med"/>
+                    </a:lnR>
+                    <a:lnT w="10157" cap="flat" cmpd="sng" algn="ctr">
+                      <a:solidFill>
+                        <a:srgbClr val="000000"/>
+                      </a:solidFill>
+                      <a:prstDash val="solid"/>
+                      <a:round/>
+                      <a:headEnd type="none" w="med" len="med"/>
+                      <a:tailEnd type="none" w="med" len="med"/>
+                    </a:lnT>
+                    <a:lnB w="10157" cap="flat" cmpd="sng" algn="ctr">
+                      <a:solidFill>
+                        <a:srgbClr val="000000"/>
+                      </a:solidFill>
+                      <a:prstDash val="solid"/>
+                      <a:round/>
+                      <a:headEnd type="none" w="med" len="med"/>
+                      <a:tailEnd type="none" w="med" len="med"/>
+                    </a:lnB>
+                    <a:solidFill>
+                      <a:srgbClr val="E0E0E0"/>
+                    </a:solidFill>
+                  </a:tcPr>
+                </a:tc>
+                <a:tc>
+                  <a:txBody>
+                    <a:bodyPr/>
+                    <a:lstStyle/>
+                    <a:p>
+                      <a:pPr rtl="0" fontAlgn="t">
+                        <a:spcBef>
+                          <a:spcPts val="0"/>
+                        </a:spcBef>
+                        <a:spcAft>
+                          <a:spcPts val="0"/>
+                        </a:spcAft>
+                      </a:pPr>
+                      <a:r>
+                        <a:rPr lang="fr-FR" sz="900" b="0" i="0" u="none" strike="noStrike">
+                          <a:solidFill>
+                            <a:srgbClr val="000000"/>
+                          </a:solidFill>
+                          <a:effectLst/>
+                          <a:latin typeface="Arial" panose="020B0604020202020204" pitchFamily="34" charset="0"/>
+                        </a:rPr>
+                        <a:t>FS2.1 :</a:t>
+                      </a:r>
+                      <a:endParaRPr lang="fr-FR">
+                        <a:effectLst/>
+                      </a:endParaRPr>
+                    </a:p>
+                  </a:txBody>
+                  <a:tcPr marL="76200" marR="76200" marT="38100" marB="38100">
+                    <a:lnL w="10157" cap="flat" cmpd="sng" algn="ctr">
+                      <a:solidFill>
+                        <a:srgbClr val="000000"/>
+                      </a:solidFill>
+                      <a:prstDash val="solid"/>
+                      <a:round/>
+                      <a:headEnd type="none" w="med" len="med"/>
+                      <a:tailEnd type="none" w="med" len="med"/>
+                    </a:lnL>
+                    <a:lnR w="10157" cap="flat" cmpd="sng" algn="ctr">
+                      <a:solidFill>
+                        <a:srgbClr val="000000"/>
+                      </a:solidFill>
+                      <a:prstDash val="solid"/>
+                      <a:round/>
+                      <a:headEnd type="none" w="med" len="med"/>
+                      <a:tailEnd type="none" w="med" len="med"/>
+                    </a:lnR>
+                    <a:lnT w="10157" cap="flat" cmpd="sng" algn="ctr">
+                      <a:solidFill>
+                        <a:srgbClr val="000000"/>
+                      </a:solidFill>
+                      <a:prstDash val="solid"/>
+                      <a:round/>
+                      <a:headEnd type="none" w="med" len="med"/>
+                      <a:tailEnd type="none" w="med" len="med"/>
+                    </a:lnT>
+                    <a:lnB w="10157" cap="flat" cmpd="sng" algn="ctr">
+                      <a:solidFill>
+                        <a:srgbClr val="000000"/>
+                      </a:solidFill>
+                      <a:prstDash val="solid"/>
+                      <a:round/>
+                      <a:headEnd type="none" w="med" len="med"/>
+                      <a:tailEnd type="none" w="med" len="med"/>
+                    </a:lnB>
+                    <a:solidFill>
+                      <a:srgbClr val="E0E0E0"/>
+                    </a:solidFill>
+                  </a:tcPr>
+                </a:tc>
+                <a:tc>
+                  <a:txBody>
+                    <a:bodyPr/>
+                    <a:lstStyle/>
+                    <a:p>
+                      <a:pPr fontAlgn="t"/>
+                      <a:r>
+                        <a:rPr lang="fr-FR">
+                          <a:effectLst/>
+                        </a:rPr>
+                        <a:t> </a:t>
+                      </a:r>
+                    </a:p>
+                  </a:txBody>
+                  <a:tcPr marL="76200" marR="76200" marT="38100" marB="38100">
+                    <a:lnL w="10157" cap="flat" cmpd="sng" algn="ctr">
+                      <a:solidFill>
+                        <a:srgbClr val="000000"/>
+                      </a:solidFill>
+                      <a:prstDash val="solid"/>
+                      <a:round/>
+                      <a:headEnd type="none" w="med" len="med"/>
+                      <a:tailEnd type="none" w="med" len="med"/>
+                    </a:lnL>
+                    <a:lnR w="10157" cap="flat" cmpd="sng" algn="ctr">
+                      <a:solidFill>
+                        <a:srgbClr val="000000"/>
+                      </a:solidFill>
+                      <a:prstDash val="solid"/>
+                      <a:round/>
+                      <a:headEnd type="none" w="med" len="med"/>
+                      <a:tailEnd type="none" w="med" len="med"/>
+                    </a:lnR>
+                    <a:lnT w="10157" cap="flat" cmpd="sng" algn="ctr">
+                      <a:solidFill>
+                        <a:srgbClr val="000000"/>
+                      </a:solidFill>
+                      <a:prstDash val="solid"/>
+                      <a:round/>
+                      <a:headEnd type="none" w="med" len="med"/>
+                      <a:tailEnd type="none" w="med" len="med"/>
+                    </a:lnT>
+                    <a:lnB w="10157" cap="flat" cmpd="sng" algn="ctr">
+                      <a:solidFill>
+                        <a:srgbClr val="000000"/>
+                      </a:solidFill>
+                      <a:prstDash val="solid"/>
+                      <a:round/>
+                      <a:headEnd type="none" w="med" len="med"/>
+                      <a:tailEnd type="none" w="med" len="med"/>
+                    </a:lnB>
+                    <a:solidFill>
+                      <a:srgbClr val="E0E0E0"/>
+                    </a:solidFill>
+                  </a:tcPr>
+                </a:tc>
+                <a:tc>
+                  <a:txBody>
+                    <a:bodyPr/>
+                    <a:lstStyle/>
+                    <a:p>
+                      <a:pPr fontAlgn="t"/>
+                      <a:r>
+                        <a:rPr lang="fr-FR">
+                          <a:effectLst/>
+                        </a:rPr>
+                        <a:t> </a:t>
+                      </a:r>
+                    </a:p>
+                  </a:txBody>
+                  <a:tcPr marL="76200" marR="76200" marT="38100" marB="38100">
+                    <a:lnL w="10157" cap="flat" cmpd="sng" algn="ctr">
+                      <a:solidFill>
+                        <a:srgbClr val="000000"/>
+                      </a:solidFill>
+                      <a:prstDash val="solid"/>
+                      <a:round/>
+                      <a:headEnd type="none" w="med" len="med"/>
+                      <a:tailEnd type="none" w="med" len="med"/>
+                    </a:lnL>
+                    <a:lnR w="10157" cap="flat" cmpd="sng" algn="ctr">
+                      <a:solidFill>
+                        <a:srgbClr val="000000"/>
+                      </a:solidFill>
+                      <a:prstDash val="solid"/>
+                      <a:round/>
+                      <a:headEnd type="none" w="med" len="med"/>
+                      <a:tailEnd type="none" w="med" len="med"/>
+                    </a:lnR>
+                    <a:lnT w="10157" cap="flat" cmpd="sng" algn="ctr">
+                      <a:solidFill>
+                        <a:srgbClr val="000000"/>
+                      </a:solidFill>
+                      <a:prstDash val="solid"/>
+                      <a:round/>
+                      <a:headEnd type="none" w="med" len="med"/>
+                      <a:tailEnd type="none" w="med" len="med"/>
+                    </a:lnT>
+                    <a:lnB w="10157" cap="flat" cmpd="sng" algn="ctr">
+                      <a:solidFill>
+                        <a:srgbClr val="000000"/>
+                      </a:solidFill>
+                      <a:prstDash val="solid"/>
+                      <a:round/>
+                      <a:headEnd type="none" w="med" len="med"/>
+                      <a:tailEnd type="none" w="med" len="med"/>
+                    </a:lnB>
+                    <a:solidFill>
+                      <a:srgbClr val="E0E0E0"/>
+                    </a:solidFill>
+                  </a:tcPr>
+                </a:tc>
+                <a:tc>
+                  <a:txBody>
+                    <a:bodyPr/>
+                    <a:lstStyle/>
+                    <a:p>
+                      <a:pPr fontAlgn="t"/>
+                      <a:r>
+                        <a:rPr lang="fr-FR">
+                          <a:effectLst/>
+                        </a:rPr>
+                        <a:t> </a:t>
+                      </a:r>
+                    </a:p>
+                  </a:txBody>
+                  <a:tcPr marL="76200" marR="76200" marT="38100" marB="38100">
+                    <a:lnL w="10157" cap="flat" cmpd="sng" algn="ctr">
+                      <a:solidFill>
+                        <a:srgbClr val="000000"/>
+                      </a:solidFill>
+                      <a:prstDash val="solid"/>
+                      <a:round/>
+                      <a:headEnd type="none" w="med" len="med"/>
+                      <a:tailEnd type="none" w="med" len="med"/>
+                    </a:lnL>
+                    <a:lnR w="10157" cap="flat" cmpd="sng" algn="ctr">
+                      <a:solidFill>
+                        <a:srgbClr val="000000"/>
+                      </a:solidFill>
+                      <a:prstDash val="solid"/>
+                      <a:round/>
+                      <a:headEnd type="none" w="med" len="med"/>
+                      <a:tailEnd type="none" w="med" len="med"/>
+                    </a:lnR>
+                    <a:lnT w="10157" cap="flat" cmpd="sng" algn="ctr">
+                      <a:solidFill>
+                        <a:srgbClr val="000000"/>
+                      </a:solidFill>
+                      <a:prstDash val="solid"/>
+                      <a:round/>
+                      <a:headEnd type="none" w="med" len="med"/>
+                      <a:tailEnd type="none" w="med" len="med"/>
+                    </a:lnT>
+                    <a:lnB w="10157" cap="flat" cmpd="sng" algn="ctr">
+                      <a:solidFill>
+                        <a:srgbClr val="000000"/>
+                      </a:solidFill>
+                      <a:prstDash val="solid"/>
+                      <a:round/>
+                      <a:headEnd type="none" w="med" len="med"/>
+                      <a:tailEnd type="none" w="med" len="med"/>
+                    </a:lnB>
+                    <a:solidFill>
+                      <a:srgbClr val="E0E0E0"/>
+                    </a:solidFill>
+                  </a:tcPr>
+                </a:tc>
+                <a:tc>
+                  <a:txBody>
+                    <a:bodyPr/>
+                    <a:lstStyle/>
+                    <a:p>
+                      <a:pPr fontAlgn="t"/>
+                      <a:r>
+                        <a:rPr lang="fr-FR">
+                          <a:effectLst/>
+                        </a:rPr>
+                        <a:t> </a:t>
+                      </a:r>
+                    </a:p>
+                  </a:txBody>
+                  <a:tcPr marL="76200" marR="76200" marT="38100" marB="38100">
+                    <a:lnL w="10157" cap="flat" cmpd="sng" algn="ctr">
+                      <a:solidFill>
+                        <a:srgbClr val="000000"/>
+                      </a:solidFill>
+                      <a:prstDash val="solid"/>
+                      <a:round/>
+                      <a:headEnd type="none" w="med" len="med"/>
+                      <a:tailEnd type="none" w="med" len="med"/>
+                    </a:lnL>
+                    <a:lnR w="10157" cap="flat" cmpd="sng" algn="ctr">
+                      <a:solidFill>
+                        <a:srgbClr val="000000"/>
+                      </a:solidFill>
+                      <a:prstDash val="solid"/>
+                      <a:round/>
+                      <a:headEnd type="none" w="med" len="med"/>
+                      <a:tailEnd type="none" w="med" len="med"/>
+                    </a:lnR>
+                    <a:lnT w="10157" cap="flat" cmpd="sng" algn="ctr">
+                      <a:solidFill>
+                        <a:srgbClr val="000000"/>
+                      </a:solidFill>
+                      <a:prstDash val="solid"/>
+                      <a:round/>
+                      <a:headEnd type="none" w="med" len="med"/>
+                      <a:tailEnd type="none" w="med" len="med"/>
+                    </a:lnT>
+                    <a:lnB w="10157" cap="flat" cmpd="sng" algn="ctr">
+                      <a:solidFill>
+                        <a:srgbClr val="000000"/>
+                      </a:solidFill>
+                      <a:prstDash val="solid"/>
+                      <a:round/>
+                      <a:headEnd type="none" w="med" len="med"/>
+                      <a:tailEnd type="none" w="med" len="med"/>
+                    </a:lnB>
+                    <a:solidFill>
+                      <a:srgbClr val="E0E0E0"/>
+                    </a:solidFill>
+                  </a:tcPr>
+                </a:tc>
+                <a:extLst>
+                  <a:ext uri="{0D108BD9-81ED-4DB2-BD59-A6C34878D82A}">
+                    <a16:rowId xmlns:a16="http://schemas.microsoft.com/office/drawing/2014/main" val="3037397423"/>
+                  </a:ext>
+                </a:extLst>
+              </a:tr>
+              <a:tr h="306777">
+                <a:tc>
+                  <a:txBody>
+                    <a:bodyPr/>
+                    <a:lstStyle/>
+                    <a:p>
+                      <a:pPr fontAlgn="t"/>
+                      <a:r>
+                        <a:rPr lang="fr-FR">
+                          <a:effectLst/>
+                        </a:rPr>
+                        <a:t> </a:t>
+                      </a:r>
+                    </a:p>
+                  </a:txBody>
+                  <a:tcPr marL="76200" marR="76200" marT="38100" marB="38100">
+                    <a:lnL w="10157" cap="flat" cmpd="sng" algn="ctr">
+                      <a:solidFill>
+                        <a:srgbClr val="000000"/>
+                      </a:solidFill>
+                      <a:prstDash val="solid"/>
+                      <a:round/>
+                      <a:headEnd type="none" w="med" len="med"/>
+                      <a:tailEnd type="none" w="med" len="med"/>
+                    </a:lnL>
+                    <a:lnR w="10157" cap="flat" cmpd="sng" algn="ctr">
+                      <a:solidFill>
+                        <a:srgbClr val="000000"/>
+                      </a:solidFill>
+                      <a:prstDash val="solid"/>
+                      <a:round/>
+                      <a:headEnd type="none" w="med" len="med"/>
+                      <a:tailEnd type="none" w="med" len="med"/>
+                    </a:lnR>
+                    <a:lnT w="10157" cap="flat" cmpd="sng" algn="ctr">
+                      <a:solidFill>
+                        <a:srgbClr val="000000"/>
+                      </a:solidFill>
+                      <a:prstDash val="solid"/>
+                      <a:round/>
+                      <a:headEnd type="none" w="med" len="med"/>
+                      <a:tailEnd type="none" w="med" len="med"/>
+                    </a:lnT>
+                    <a:lnB w="10157" cap="flat" cmpd="sng" algn="ctr">
+                      <a:solidFill>
+                        <a:srgbClr val="000000"/>
+                      </a:solidFill>
+                      <a:prstDash val="solid"/>
+                      <a:round/>
+                      <a:headEnd type="none" w="med" len="med"/>
+                      <a:tailEnd type="none" w="med" len="med"/>
+                    </a:lnB>
+                    <a:solidFill>
+                      <a:srgbClr val="F0F0F0"/>
+                    </a:solidFill>
+                  </a:tcPr>
+                </a:tc>
+                <a:tc>
+                  <a:txBody>
+                    <a:bodyPr/>
+                    <a:lstStyle/>
+                    <a:p>
+                      <a:pPr rtl="0" fontAlgn="t">
+                        <a:spcBef>
+                          <a:spcPts val="0"/>
+                        </a:spcBef>
+                        <a:spcAft>
+                          <a:spcPts val="0"/>
+                        </a:spcAft>
+                      </a:pPr>
+                      <a:r>
+                        <a:rPr lang="fr-FR" sz="900" b="0" i="0" u="none" strike="noStrike">
+                          <a:solidFill>
+                            <a:srgbClr val="000000"/>
+                          </a:solidFill>
+                          <a:effectLst/>
+                          <a:latin typeface="Arial" panose="020B0604020202020204" pitchFamily="34" charset="0"/>
+                        </a:rPr>
+                        <a:t>FS2.1 :</a:t>
+                      </a:r>
+                      <a:endParaRPr lang="fr-FR">
+                        <a:effectLst/>
+                      </a:endParaRPr>
+                    </a:p>
+                  </a:txBody>
+                  <a:tcPr marL="76200" marR="76200" marT="38100" marB="38100">
+                    <a:lnL w="10157" cap="flat" cmpd="sng" algn="ctr">
+                      <a:solidFill>
+                        <a:srgbClr val="000000"/>
+                      </a:solidFill>
+                      <a:prstDash val="solid"/>
+                      <a:round/>
+                      <a:headEnd type="none" w="med" len="med"/>
+                      <a:tailEnd type="none" w="med" len="med"/>
+                    </a:lnL>
+                    <a:lnR w="10157" cap="flat" cmpd="sng" algn="ctr">
+                      <a:solidFill>
+                        <a:srgbClr val="000000"/>
+                      </a:solidFill>
+                      <a:prstDash val="solid"/>
+                      <a:round/>
+                      <a:headEnd type="none" w="med" len="med"/>
+                      <a:tailEnd type="none" w="med" len="med"/>
+                    </a:lnR>
+                    <a:lnT w="10157" cap="flat" cmpd="sng" algn="ctr">
+                      <a:solidFill>
+                        <a:srgbClr val="000000"/>
+                      </a:solidFill>
+                      <a:prstDash val="solid"/>
+                      <a:round/>
+                      <a:headEnd type="none" w="med" len="med"/>
+                      <a:tailEnd type="none" w="med" len="med"/>
+                    </a:lnT>
+                    <a:lnB w="10157" cap="flat" cmpd="sng" algn="ctr">
+                      <a:solidFill>
+                        <a:srgbClr val="000000"/>
+                      </a:solidFill>
+                      <a:prstDash val="solid"/>
+                      <a:round/>
+                      <a:headEnd type="none" w="med" len="med"/>
+                      <a:tailEnd type="none" w="med" len="med"/>
+                    </a:lnB>
+                    <a:solidFill>
+                      <a:srgbClr val="F0F0F0"/>
+                    </a:solidFill>
+                  </a:tcPr>
+                </a:tc>
+                <a:tc>
+                  <a:txBody>
+                    <a:bodyPr/>
+                    <a:lstStyle/>
+                    <a:p>
+                      <a:pPr fontAlgn="t"/>
+                      <a:r>
+                        <a:rPr lang="fr-FR">
+                          <a:effectLst/>
+                        </a:rPr>
+                        <a:t> </a:t>
+                      </a:r>
+                    </a:p>
+                  </a:txBody>
+                  <a:tcPr marL="76200" marR="76200" marT="38100" marB="38100">
+                    <a:lnL w="10157" cap="flat" cmpd="sng" algn="ctr">
+                      <a:solidFill>
+                        <a:srgbClr val="000000"/>
+                      </a:solidFill>
+                      <a:prstDash val="solid"/>
+                      <a:round/>
+                      <a:headEnd type="none" w="med" len="med"/>
+                      <a:tailEnd type="none" w="med" len="med"/>
+                    </a:lnL>
+                    <a:lnR w="10157" cap="flat" cmpd="sng" algn="ctr">
+                      <a:solidFill>
+                        <a:srgbClr val="000000"/>
+                      </a:solidFill>
+                      <a:prstDash val="solid"/>
+                      <a:round/>
+                      <a:headEnd type="none" w="med" len="med"/>
+                      <a:tailEnd type="none" w="med" len="med"/>
+                    </a:lnR>
+                    <a:lnT w="10157" cap="flat" cmpd="sng" algn="ctr">
+                      <a:solidFill>
+                        <a:srgbClr val="000000"/>
+                      </a:solidFill>
+                      <a:prstDash val="solid"/>
+                      <a:round/>
+                      <a:headEnd type="none" w="med" len="med"/>
+                      <a:tailEnd type="none" w="med" len="med"/>
+                    </a:lnT>
+                    <a:lnB w="10157" cap="flat" cmpd="sng" algn="ctr">
+                      <a:solidFill>
+                        <a:srgbClr val="000000"/>
+                      </a:solidFill>
+                      <a:prstDash val="solid"/>
+                      <a:round/>
+                      <a:headEnd type="none" w="med" len="med"/>
+                      <a:tailEnd type="none" w="med" len="med"/>
+                    </a:lnB>
+                    <a:solidFill>
+                      <a:srgbClr val="F0F0F0"/>
+                    </a:solidFill>
+                  </a:tcPr>
+                </a:tc>
+                <a:tc>
+                  <a:txBody>
+                    <a:bodyPr/>
+                    <a:lstStyle/>
+                    <a:p>
+                      <a:pPr fontAlgn="t"/>
+                      <a:r>
+                        <a:rPr lang="fr-FR">
+                          <a:effectLst/>
+                        </a:rPr>
+                        <a:t> </a:t>
+                      </a:r>
+                    </a:p>
+                  </a:txBody>
+                  <a:tcPr marL="76200" marR="76200" marT="38100" marB="38100">
+                    <a:lnL w="10157" cap="flat" cmpd="sng" algn="ctr">
+                      <a:solidFill>
+                        <a:srgbClr val="000000"/>
+                      </a:solidFill>
+                      <a:prstDash val="solid"/>
+                      <a:round/>
+                      <a:headEnd type="none" w="med" len="med"/>
+                      <a:tailEnd type="none" w="med" len="med"/>
+                    </a:lnL>
+                    <a:lnR w="10157" cap="flat" cmpd="sng" algn="ctr">
+                      <a:solidFill>
+                        <a:srgbClr val="000000"/>
+                      </a:solidFill>
+                      <a:prstDash val="solid"/>
+                      <a:round/>
+                      <a:headEnd type="none" w="med" len="med"/>
+                      <a:tailEnd type="none" w="med" len="med"/>
+                    </a:lnR>
+                    <a:lnT w="10157" cap="flat" cmpd="sng" algn="ctr">
+                      <a:solidFill>
+                        <a:srgbClr val="000000"/>
+                      </a:solidFill>
+                      <a:prstDash val="solid"/>
+                      <a:round/>
+                      <a:headEnd type="none" w="med" len="med"/>
+                      <a:tailEnd type="none" w="med" len="med"/>
+                    </a:lnT>
+                    <a:lnB w="10157" cap="flat" cmpd="sng" algn="ctr">
+                      <a:solidFill>
+                        <a:srgbClr val="000000"/>
+                      </a:solidFill>
+                      <a:prstDash val="solid"/>
+                      <a:round/>
+                      <a:headEnd type="none" w="med" len="med"/>
+                      <a:tailEnd type="none" w="med" len="med"/>
+                    </a:lnB>
+                    <a:solidFill>
+                      <a:srgbClr val="F0F0F0"/>
+                    </a:solidFill>
+                  </a:tcPr>
+                </a:tc>
+                <a:tc>
+                  <a:txBody>
+                    <a:bodyPr/>
+                    <a:lstStyle/>
+                    <a:p>
+                      <a:pPr fontAlgn="t"/>
+                      <a:r>
+                        <a:rPr lang="fr-FR" dirty="0">
+                          <a:effectLst/>
+                        </a:rPr>
+                        <a:t> </a:t>
+                      </a:r>
+                    </a:p>
+                  </a:txBody>
+                  <a:tcPr marL="76200" marR="76200" marT="38100" marB="38100">
+                    <a:lnL w="10157" cap="flat" cmpd="sng" algn="ctr">
+                      <a:solidFill>
+                        <a:srgbClr val="000000"/>
+                      </a:solidFill>
+                      <a:prstDash val="solid"/>
+                      <a:round/>
+                      <a:headEnd type="none" w="med" len="med"/>
+                      <a:tailEnd type="none" w="med" len="med"/>
+                    </a:lnL>
+                    <a:lnR w="10157" cap="flat" cmpd="sng" algn="ctr">
+                      <a:solidFill>
+                        <a:srgbClr val="000000"/>
+                      </a:solidFill>
+                      <a:prstDash val="solid"/>
+                      <a:round/>
+                      <a:headEnd type="none" w="med" len="med"/>
+                      <a:tailEnd type="none" w="med" len="med"/>
+                    </a:lnR>
+                    <a:lnT w="10157" cap="flat" cmpd="sng" algn="ctr">
+                      <a:solidFill>
+                        <a:srgbClr val="000000"/>
+                      </a:solidFill>
+                      <a:prstDash val="solid"/>
+                      <a:round/>
+                      <a:headEnd type="none" w="med" len="med"/>
+                      <a:tailEnd type="none" w="med" len="med"/>
+                    </a:lnT>
+                    <a:lnB w="10157" cap="flat" cmpd="sng" algn="ctr">
+                      <a:solidFill>
+                        <a:srgbClr val="000000"/>
+                      </a:solidFill>
+                      <a:prstDash val="solid"/>
+                      <a:round/>
+                      <a:headEnd type="none" w="med" len="med"/>
+                      <a:tailEnd type="none" w="med" len="med"/>
+                    </a:lnB>
+                    <a:solidFill>
+                      <a:srgbClr val="F0F0F0"/>
+                    </a:solidFill>
+                  </a:tcPr>
+                </a:tc>
+                <a:tc>
+                  <a:txBody>
+                    <a:bodyPr/>
+                    <a:lstStyle/>
+                    <a:p>
+                      <a:pPr fontAlgn="t"/>
+                      <a:r>
+                        <a:rPr lang="fr-FR">
+                          <a:effectLst/>
+                        </a:rPr>
+                        <a:t> </a:t>
+                      </a:r>
+                    </a:p>
+                  </a:txBody>
+                  <a:tcPr marL="76200" marR="76200" marT="38100" marB="38100">
+                    <a:lnL w="10157" cap="flat" cmpd="sng" algn="ctr">
+                      <a:solidFill>
+                        <a:srgbClr val="000000"/>
+                      </a:solidFill>
+                      <a:prstDash val="solid"/>
+                      <a:round/>
+                      <a:headEnd type="none" w="med" len="med"/>
+                      <a:tailEnd type="none" w="med" len="med"/>
+                    </a:lnL>
+                    <a:lnR w="10157" cap="flat" cmpd="sng" algn="ctr">
+                      <a:solidFill>
+                        <a:srgbClr val="000000"/>
+                      </a:solidFill>
+                      <a:prstDash val="solid"/>
+                      <a:round/>
+                      <a:headEnd type="none" w="med" len="med"/>
+                      <a:tailEnd type="none" w="med" len="med"/>
+                    </a:lnR>
+                    <a:lnT w="10157" cap="flat" cmpd="sng" algn="ctr">
+                      <a:solidFill>
+                        <a:srgbClr val="000000"/>
+                      </a:solidFill>
+                      <a:prstDash val="solid"/>
+                      <a:round/>
+                      <a:headEnd type="none" w="med" len="med"/>
+                      <a:tailEnd type="none" w="med" len="med"/>
+                    </a:lnT>
+                    <a:lnB w="10157" cap="flat" cmpd="sng" algn="ctr">
+                      <a:solidFill>
+                        <a:srgbClr val="000000"/>
+                      </a:solidFill>
+                      <a:prstDash val="solid"/>
+                      <a:round/>
+                      <a:headEnd type="none" w="med" len="med"/>
+                      <a:tailEnd type="none" w="med" len="med"/>
+                    </a:lnB>
+                    <a:solidFill>
+                      <a:srgbClr val="F0F0F0"/>
+                    </a:solidFill>
+                  </a:tcPr>
+                </a:tc>
+                <a:extLst>
+                  <a:ext uri="{0D108BD9-81ED-4DB2-BD59-A6C34878D82A}">
+                    <a16:rowId xmlns:a16="http://schemas.microsoft.com/office/drawing/2014/main" val="627980251"/>
+                  </a:ext>
+                </a:extLst>
+              </a:tr>
+              <a:tr h="306777">
+                <a:tc>
+                  <a:txBody>
+                    <a:bodyPr/>
+                    <a:lstStyle/>
+                    <a:p>
+                      <a:pPr rtl="0" fontAlgn="t">
+                        <a:spcBef>
+                          <a:spcPts val="0"/>
+                        </a:spcBef>
+                        <a:spcAft>
+                          <a:spcPts val="0"/>
+                        </a:spcAft>
+                      </a:pPr>
+                      <a:r>
+                        <a:rPr lang="fr-FR" sz="900" b="0" i="0" u="none" strike="noStrike">
+                          <a:solidFill>
+                            <a:srgbClr val="000000"/>
+                          </a:solidFill>
+                          <a:effectLst/>
+                          <a:latin typeface="Arial" panose="020B0604020202020204" pitchFamily="34" charset="0"/>
+                        </a:rPr>
+                        <a:t>FP3 :</a:t>
+                      </a:r>
+                      <a:endParaRPr lang="fr-FR">
+                        <a:effectLst/>
+                      </a:endParaRPr>
+                    </a:p>
+                  </a:txBody>
+                  <a:tcPr marL="76200" marR="76200" marT="38100" marB="38100">
+                    <a:lnL w="10157" cap="flat" cmpd="sng" algn="ctr">
+                      <a:solidFill>
+                        <a:srgbClr val="000000"/>
+                      </a:solidFill>
+                      <a:prstDash val="solid"/>
+                      <a:round/>
+                      <a:headEnd type="none" w="med" len="med"/>
+                      <a:tailEnd type="none" w="med" len="med"/>
+                    </a:lnL>
+                    <a:lnR w="10157" cap="flat" cmpd="sng" algn="ctr">
+                      <a:solidFill>
+                        <a:srgbClr val="000000"/>
+                      </a:solidFill>
+                      <a:prstDash val="solid"/>
+                      <a:round/>
+                      <a:headEnd type="none" w="med" len="med"/>
+                      <a:tailEnd type="none" w="med" len="med"/>
+                    </a:lnR>
+                    <a:lnT w="10157" cap="flat" cmpd="sng" algn="ctr">
+                      <a:solidFill>
+                        <a:srgbClr val="000000"/>
+                      </a:solidFill>
+                      <a:prstDash val="solid"/>
+                      <a:round/>
+                      <a:headEnd type="none" w="med" len="med"/>
+                      <a:tailEnd type="none" w="med" len="med"/>
+                    </a:lnT>
+                    <a:lnB w="10157" cap="flat" cmpd="sng" algn="ctr">
+                      <a:solidFill>
+                        <a:srgbClr val="000000"/>
+                      </a:solidFill>
+                      <a:prstDash val="solid"/>
+                      <a:round/>
+                      <a:headEnd type="none" w="med" len="med"/>
+                      <a:tailEnd type="none" w="med" len="med"/>
+                    </a:lnB>
+                    <a:solidFill>
+                      <a:srgbClr val="E0E0E0"/>
+                    </a:solidFill>
+                  </a:tcPr>
+                </a:tc>
+                <a:tc>
+                  <a:txBody>
+                    <a:bodyPr/>
+                    <a:lstStyle/>
+                    <a:p>
+                      <a:pPr fontAlgn="t"/>
+                      <a:r>
+                        <a:rPr lang="fr-FR">
+                          <a:effectLst/>
+                        </a:rPr>
+                        <a:t> </a:t>
+                      </a:r>
+                    </a:p>
+                  </a:txBody>
+                  <a:tcPr marL="76200" marR="76200" marT="38100" marB="38100">
+                    <a:lnL w="10157" cap="flat" cmpd="sng" algn="ctr">
+                      <a:solidFill>
+                        <a:srgbClr val="000000"/>
+                      </a:solidFill>
+                      <a:prstDash val="solid"/>
+                      <a:round/>
+                      <a:headEnd type="none" w="med" len="med"/>
+                      <a:tailEnd type="none" w="med" len="med"/>
+                    </a:lnL>
+                    <a:lnR w="10157" cap="flat" cmpd="sng" algn="ctr">
+                      <a:solidFill>
+                        <a:srgbClr val="000000"/>
+                      </a:solidFill>
+                      <a:prstDash val="solid"/>
+                      <a:round/>
+                      <a:headEnd type="none" w="med" len="med"/>
+                      <a:tailEnd type="none" w="med" len="med"/>
+                    </a:lnR>
+                    <a:lnT w="10157" cap="flat" cmpd="sng" algn="ctr">
+                      <a:solidFill>
+                        <a:srgbClr val="000000"/>
+                      </a:solidFill>
+                      <a:prstDash val="solid"/>
+                      <a:round/>
+                      <a:headEnd type="none" w="med" len="med"/>
+                      <a:tailEnd type="none" w="med" len="med"/>
+                    </a:lnT>
+                    <a:lnB w="10157" cap="flat" cmpd="sng" algn="ctr">
+                      <a:solidFill>
+                        <a:srgbClr val="000000"/>
+                      </a:solidFill>
+                      <a:prstDash val="solid"/>
+                      <a:round/>
+                      <a:headEnd type="none" w="med" len="med"/>
+                      <a:tailEnd type="none" w="med" len="med"/>
+                    </a:lnB>
+                    <a:solidFill>
+                      <a:srgbClr val="E0E0E0"/>
+                    </a:solidFill>
+                  </a:tcPr>
+                </a:tc>
+                <a:tc>
+                  <a:txBody>
+                    <a:bodyPr/>
+                    <a:lstStyle/>
+                    <a:p>
+                      <a:pPr fontAlgn="t"/>
+                      <a:r>
+                        <a:rPr lang="fr-FR">
+                          <a:effectLst/>
+                        </a:rPr>
+                        <a:t> </a:t>
+                      </a:r>
+                    </a:p>
+                  </a:txBody>
+                  <a:tcPr marL="76200" marR="76200" marT="38100" marB="38100">
+                    <a:lnL w="10157" cap="flat" cmpd="sng" algn="ctr">
+                      <a:solidFill>
+                        <a:srgbClr val="000000"/>
+                      </a:solidFill>
+                      <a:prstDash val="solid"/>
+                      <a:round/>
+                      <a:headEnd type="none" w="med" len="med"/>
+                      <a:tailEnd type="none" w="med" len="med"/>
+                    </a:lnL>
+                    <a:lnR w="10157" cap="flat" cmpd="sng" algn="ctr">
+                      <a:solidFill>
+                        <a:srgbClr val="000000"/>
+                      </a:solidFill>
+                      <a:prstDash val="solid"/>
+                      <a:round/>
+                      <a:headEnd type="none" w="med" len="med"/>
+                      <a:tailEnd type="none" w="med" len="med"/>
+                    </a:lnR>
+                    <a:lnT w="10157" cap="flat" cmpd="sng" algn="ctr">
+                      <a:solidFill>
+                        <a:srgbClr val="000000"/>
+                      </a:solidFill>
+                      <a:prstDash val="solid"/>
+                      <a:round/>
+                      <a:headEnd type="none" w="med" len="med"/>
+                      <a:tailEnd type="none" w="med" len="med"/>
+                    </a:lnT>
+                    <a:lnB w="10157" cap="flat" cmpd="sng" algn="ctr">
+                      <a:solidFill>
+                        <a:srgbClr val="000000"/>
+                      </a:solidFill>
+                      <a:prstDash val="solid"/>
+                      <a:round/>
+                      <a:headEnd type="none" w="med" len="med"/>
+                      <a:tailEnd type="none" w="med" len="med"/>
+                    </a:lnB>
+                    <a:solidFill>
+                      <a:srgbClr val="E0E0E0"/>
+                    </a:solidFill>
+                  </a:tcPr>
+                </a:tc>
+                <a:tc>
+                  <a:txBody>
+                    <a:bodyPr/>
+                    <a:lstStyle/>
+                    <a:p>
+                      <a:pPr fontAlgn="t"/>
+                      <a:r>
+                        <a:rPr lang="fr-FR">
+                          <a:effectLst/>
+                        </a:rPr>
+                        <a:t> </a:t>
+                      </a:r>
+                    </a:p>
+                  </a:txBody>
+                  <a:tcPr marL="76200" marR="76200" marT="38100" marB="38100">
+                    <a:lnL w="10157" cap="flat" cmpd="sng" algn="ctr">
+                      <a:solidFill>
+                        <a:srgbClr val="000000"/>
+                      </a:solidFill>
+                      <a:prstDash val="solid"/>
+                      <a:round/>
+                      <a:headEnd type="none" w="med" len="med"/>
+                      <a:tailEnd type="none" w="med" len="med"/>
+                    </a:lnL>
+                    <a:lnR w="10157" cap="flat" cmpd="sng" algn="ctr">
+                      <a:solidFill>
+                        <a:srgbClr val="000000"/>
+                      </a:solidFill>
+                      <a:prstDash val="solid"/>
+                      <a:round/>
+                      <a:headEnd type="none" w="med" len="med"/>
+                      <a:tailEnd type="none" w="med" len="med"/>
+                    </a:lnR>
+                    <a:lnT w="10157" cap="flat" cmpd="sng" algn="ctr">
+                      <a:solidFill>
+                        <a:srgbClr val="000000"/>
+                      </a:solidFill>
+                      <a:prstDash val="solid"/>
+                      <a:round/>
+                      <a:headEnd type="none" w="med" len="med"/>
+                      <a:tailEnd type="none" w="med" len="med"/>
+                    </a:lnT>
+                    <a:lnB w="10157" cap="flat" cmpd="sng" algn="ctr">
+                      <a:solidFill>
+                        <a:srgbClr val="000000"/>
+                      </a:solidFill>
+                      <a:prstDash val="solid"/>
+                      <a:round/>
+                      <a:headEnd type="none" w="med" len="med"/>
+                      <a:tailEnd type="none" w="med" len="med"/>
+                    </a:lnB>
+                    <a:solidFill>
+                      <a:srgbClr val="E0E0E0"/>
+                    </a:solidFill>
+                  </a:tcPr>
+                </a:tc>
+                <a:tc>
+                  <a:txBody>
+                    <a:bodyPr/>
+                    <a:lstStyle/>
+                    <a:p>
+                      <a:pPr fontAlgn="t"/>
+                      <a:r>
+                        <a:rPr lang="fr-FR">
+                          <a:effectLst/>
+                        </a:rPr>
+                        <a:t> </a:t>
+                      </a:r>
+                    </a:p>
+                  </a:txBody>
+                  <a:tcPr marL="76200" marR="76200" marT="38100" marB="38100">
+                    <a:lnL w="10157" cap="flat" cmpd="sng" algn="ctr">
+                      <a:solidFill>
+                        <a:srgbClr val="000000"/>
+                      </a:solidFill>
+                      <a:prstDash val="solid"/>
+                      <a:round/>
+                      <a:headEnd type="none" w="med" len="med"/>
+                      <a:tailEnd type="none" w="med" len="med"/>
+                    </a:lnL>
+                    <a:lnR w="10157" cap="flat" cmpd="sng" algn="ctr">
+                      <a:solidFill>
+                        <a:srgbClr val="000000"/>
+                      </a:solidFill>
+                      <a:prstDash val="solid"/>
+                      <a:round/>
+                      <a:headEnd type="none" w="med" len="med"/>
+                      <a:tailEnd type="none" w="med" len="med"/>
+                    </a:lnR>
+                    <a:lnT w="10157" cap="flat" cmpd="sng" algn="ctr">
+                      <a:solidFill>
+                        <a:srgbClr val="000000"/>
+                      </a:solidFill>
+                      <a:prstDash val="solid"/>
+                      <a:round/>
+                      <a:headEnd type="none" w="med" len="med"/>
+                      <a:tailEnd type="none" w="med" len="med"/>
+                    </a:lnT>
+                    <a:lnB w="10157" cap="flat" cmpd="sng" algn="ctr">
+                      <a:solidFill>
+                        <a:srgbClr val="000000"/>
+                      </a:solidFill>
+                      <a:prstDash val="solid"/>
+                      <a:round/>
+                      <a:headEnd type="none" w="med" len="med"/>
+                      <a:tailEnd type="none" w="med" len="med"/>
+                    </a:lnB>
+                    <a:solidFill>
+                      <a:srgbClr val="E0E0E0"/>
+                    </a:solidFill>
+                  </a:tcPr>
+                </a:tc>
+                <a:tc>
+                  <a:txBody>
+                    <a:bodyPr/>
+                    <a:lstStyle/>
+                    <a:p>
+                      <a:pPr fontAlgn="t"/>
+                      <a:r>
+                        <a:rPr lang="fr-FR">
+                          <a:effectLst/>
+                        </a:rPr>
+                        <a:t> </a:t>
+                      </a:r>
+                    </a:p>
+                  </a:txBody>
+                  <a:tcPr marL="76200" marR="76200" marT="38100" marB="38100">
+                    <a:lnL w="10157" cap="flat" cmpd="sng" algn="ctr">
+                      <a:solidFill>
+                        <a:srgbClr val="000000"/>
+                      </a:solidFill>
+                      <a:prstDash val="solid"/>
+                      <a:round/>
+                      <a:headEnd type="none" w="med" len="med"/>
+                      <a:tailEnd type="none" w="med" len="med"/>
+                    </a:lnL>
+                    <a:lnR w="10157" cap="flat" cmpd="sng" algn="ctr">
+                      <a:solidFill>
+                        <a:srgbClr val="000000"/>
+                      </a:solidFill>
+                      <a:prstDash val="solid"/>
+                      <a:round/>
+                      <a:headEnd type="none" w="med" len="med"/>
+                      <a:tailEnd type="none" w="med" len="med"/>
+                    </a:lnR>
+                    <a:lnT w="10157" cap="flat" cmpd="sng" algn="ctr">
+                      <a:solidFill>
+                        <a:srgbClr val="000000"/>
+                      </a:solidFill>
+                      <a:prstDash val="solid"/>
+                      <a:round/>
+                      <a:headEnd type="none" w="med" len="med"/>
+                      <a:tailEnd type="none" w="med" len="med"/>
+                    </a:lnT>
+                    <a:lnB w="10157" cap="flat" cmpd="sng" algn="ctr">
+                      <a:solidFill>
+                        <a:srgbClr val="000000"/>
+                      </a:solidFill>
+                      <a:prstDash val="solid"/>
+                      <a:round/>
+                      <a:headEnd type="none" w="med" len="med"/>
+                      <a:tailEnd type="none" w="med" len="med"/>
+                    </a:lnB>
+                    <a:solidFill>
+                      <a:srgbClr val="E0E0E0"/>
+                    </a:solidFill>
+                  </a:tcPr>
+                </a:tc>
+                <a:extLst>
+                  <a:ext uri="{0D108BD9-81ED-4DB2-BD59-A6C34878D82A}">
+                    <a16:rowId xmlns:a16="http://schemas.microsoft.com/office/drawing/2014/main" val="3511045786"/>
+                  </a:ext>
+                </a:extLst>
+              </a:tr>
+              <a:tr h="306777">
+                <a:tc>
+                  <a:txBody>
+                    <a:bodyPr/>
+                    <a:lstStyle/>
+                    <a:p>
+                      <a:pPr rtl="0" fontAlgn="t">
+                        <a:spcBef>
+                          <a:spcPts val="0"/>
+                        </a:spcBef>
+                        <a:spcAft>
+                          <a:spcPts val="0"/>
+                        </a:spcAft>
+                      </a:pPr>
+                      <a:r>
+                        <a:rPr lang="fr-FR" sz="900" b="0" i="0" u="none" strike="noStrike">
+                          <a:solidFill>
+                            <a:srgbClr val="000000"/>
+                          </a:solidFill>
+                          <a:effectLst/>
+                          <a:latin typeface="Arial" panose="020B0604020202020204" pitchFamily="34" charset="0"/>
+                        </a:rPr>
+                        <a:t>FP4 :</a:t>
+                      </a:r>
+                      <a:endParaRPr lang="fr-FR">
+                        <a:effectLst/>
+                      </a:endParaRPr>
+                    </a:p>
+                  </a:txBody>
+                  <a:tcPr marL="76200" marR="76200" marT="38100" marB="38100">
+                    <a:lnL w="10157" cap="flat" cmpd="sng" algn="ctr">
+                      <a:solidFill>
+                        <a:srgbClr val="000000"/>
+                      </a:solidFill>
+                      <a:prstDash val="solid"/>
+                      <a:round/>
+                      <a:headEnd type="none" w="med" len="med"/>
+                      <a:tailEnd type="none" w="med" len="med"/>
+                    </a:lnL>
+                    <a:lnR w="10157" cap="flat" cmpd="sng" algn="ctr">
+                      <a:solidFill>
+                        <a:srgbClr val="000000"/>
+                      </a:solidFill>
+                      <a:prstDash val="solid"/>
+                      <a:round/>
+                      <a:headEnd type="none" w="med" len="med"/>
+                      <a:tailEnd type="none" w="med" len="med"/>
+                    </a:lnR>
+                    <a:lnT w="10157" cap="flat" cmpd="sng" algn="ctr">
+                      <a:solidFill>
+                        <a:srgbClr val="000000"/>
+                      </a:solidFill>
+                      <a:prstDash val="solid"/>
+                      <a:round/>
+                      <a:headEnd type="none" w="med" len="med"/>
+                      <a:tailEnd type="none" w="med" len="med"/>
+                    </a:lnT>
+                    <a:lnB w="10157" cap="flat" cmpd="sng" algn="ctr">
+                      <a:solidFill>
+                        <a:srgbClr val="000000"/>
+                      </a:solidFill>
+                      <a:prstDash val="solid"/>
+                      <a:round/>
+                      <a:headEnd type="none" w="med" len="med"/>
+                      <a:tailEnd type="none" w="med" len="med"/>
+                    </a:lnB>
+                    <a:solidFill>
+                      <a:srgbClr val="F0F0F0"/>
+                    </a:solidFill>
+                  </a:tcPr>
+                </a:tc>
+                <a:tc>
+                  <a:txBody>
+                    <a:bodyPr/>
+                    <a:lstStyle/>
+                    <a:p>
+                      <a:pPr fontAlgn="t"/>
+                      <a:r>
+                        <a:rPr lang="fr-FR">
+                          <a:effectLst/>
+                        </a:rPr>
+                        <a:t> </a:t>
+                      </a:r>
+                    </a:p>
+                  </a:txBody>
+                  <a:tcPr marL="76200" marR="76200" marT="38100" marB="38100">
+                    <a:lnL w="10157" cap="flat" cmpd="sng" algn="ctr">
+                      <a:solidFill>
+                        <a:srgbClr val="000000"/>
+                      </a:solidFill>
+                      <a:prstDash val="solid"/>
+                      <a:round/>
+                      <a:headEnd type="none" w="med" len="med"/>
+                      <a:tailEnd type="none" w="med" len="med"/>
+                    </a:lnL>
+                    <a:lnR w="10157" cap="flat" cmpd="sng" algn="ctr">
+                      <a:solidFill>
+                        <a:srgbClr val="000000"/>
+                      </a:solidFill>
+                      <a:prstDash val="solid"/>
+                      <a:round/>
+                      <a:headEnd type="none" w="med" len="med"/>
+                      <a:tailEnd type="none" w="med" len="med"/>
+                    </a:lnR>
+                    <a:lnT w="10157" cap="flat" cmpd="sng" algn="ctr">
+                      <a:solidFill>
+                        <a:srgbClr val="000000"/>
+                      </a:solidFill>
+                      <a:prstDash val="solid"/>
+                      <a:round/>
+                      <a:headEnd type="none" w="med" len="med"/>
+                      <a:tailEnd type="none" w="med" len="med"/>
+                    </a:lnT>
+                    <a:lnB w="10157" cap="flat" cmpd="sng" algn="ctr">
+                      <a:solidFill>
+                        <a:srgbClr val="000000"/>
+                      </a:solidFill>
+                      <a:prstDash val="solid"/>
+                      <a:round/>
+                      <a:headEnd type="none" w="med" len="med"/>
+                      <a:tailEnd type="none" w="med" len="med"/>
+                    </a:lnB>
+                    <a:solidFill>
+                      <a:srgbClr val="F0F0F0"/>
+                    </a:solidFill>
+                  </a:tcPr>
+                </a:tc>
+                <a:tc>
+                  <a:txBody>
+                    <a:bodyPr/>
+                    <a:lstStyle/>
+                    <a:p>
+                      <a:pPr fontAlgn="t"/>
+                      <a:r>
+                        <a:rPr lang="fr-FR">
+                          <a:effectLst/>
+                        </a:rPr>
+                        <a:t> </a:t>
+                      </a:r>
+                    </a:p>
+                  </a:txBody>
+                  <a:tcPr marL="76200" marR="76200" marT="38100" marB="38100">
+                    <a:lnL w="10157" cap="flat" cmpd="sng" algn="ctr">
+                      <a:solidFill>
+                        <a:srgbClr val="000000"/>
+                      </a:solidFill>
+                      <a:prstDash val="solid"/>
+                      <a:round/>
+                      <a:headEnd type="none" w="med" len="med"/>
+                      <a:tailEnd type="none" w="med" len="med"/>
+                    </a:lnL>
+                    <a:lnR w="10157" cap="flat" cmpd="sng" algn="ctr">
+                      <a:solidFill>
+                        <a:srgbClr val="000000"/>
+                      </a:solidFill>
+                      <a:prstDash val="solid"/>
+                      <a:round/>
+                      <a:headEnd type="none" w="med" len="med"/>
+                      <a:tailEnd type="none" w="med" len="med"/>
+                    </a:lnR>
+                    <a:lnT w="10157" cap="flat" cmpd="sng" algn="ctr">
+                      <a:solidFill>
+                        <a:srgbClr val="000000"/>
+                      </a:solidFill>
+                      <a:prstDash val="solid"/>
+                      <a:round/>
+                      <a:headEnd type="none" w="med" len="med"/>
+                      <a:tailEnd type="none" w="med" len="med"/>
+                    </a:lnT>
+                    <a:lnB w="10157" cap="flat" cmpd="sng" algn="ctr">
+                      <a:solidFill>
+                        <a:srgbClr val="000000"/>
+                      </a:solidFill>
+                      <a:prstDash val="solid"/>
+                      <a:round/>
+                      <a:headEnd type="none" w="med" len="med"/>
+                      <a:tailEnd type="none" w="med" len="med"/>
+                    </a:lnB>
+                    <a:solidFill>
+                      <a:srgbClr val="F0F0F0"/>
+                    </a:solidFill>
+                  </a:tcPr>
+                </a:tc>
+                <a:tc>
+                  <a:txBody>
+                    <a:bodyPr/>
+                    <a:lstStyle/>
+                    <a:p>
+                      <a:pPr fontAlgn="t"/>
+                      <a:r>
+                        <a:rPr lang="fr-FR">
+                          <a:effectLst/>
+                        </a:rPr>
+                        <a:t> </a:t>
+                      </a:r>
+                    </a:p>
+                  </a:txBody>
+                  <a:tcPr marL="76200" marR="76200" marT="38100" marB="38100">
+                    <a:lnL w="10157" cap="flat" cmpd="sng" algn="ctr">
+                      <a:solidFill>
+                        <a:srgbClr val="000000"/>
+                      </a:solidFill>
+                      <a:prstDash val="solid"/>
+                      <a:round/>
+                      <a:headEnd type="none" w="med" len="med"/>
+                      <a:tailEnd type="none" w="med" len="med"/>
+                    </a:lnL>
+                    <a:lnR w="10157" cap="flat" cmpd="sng" algn="ctr">
+                      <a:solidFill>
+                        <a:srgbClr val="000000"/>
+                      </a:solidFill>
+                      <a:prstDash val="solid"/>
+                      <a:round/>
+                      <a:headEnd type="none" w="med" len="med"/>
+                      <a:tailEnd type="none" w="med" len="med"/>
+                    </a:lnR>
+                    <a:lnT w="10157" cap="flat" cmpd="sng" algn="ctr">
+                      <a:solidFill>
+                        <a:srgbClr val="000000"/>
+                      </a:solidFill>
+                      <a:prstDash val="solid"/>
+                      <a:round/>
+                      <a:headEnd type="none" w="med" len="med"/>
+                      <a:tailEnd type="none" w="med" len="med"/>
+                    </a:lnT>
+                    <a:lnB w="10157" cap="flat" cmpd="sng" algn="ctr">
+                      <a:solidFill>
+                        <a:srgbClr val="000000"/>
+                      </a:solidFill>
+                      <a:prstDash val="solid"/>
+                      <a:round/>
+                      <a:headEnd type="none" w="med" len="med"/>
+                      <a:tailEnd type="none" w="med" len="med"/>
+                    </a:lnB>
+                    <a:solidFill>
+                      <a:srgbClr val="F0F0F0"/>
+                    </a:solidFill>
+                  </a:tcPr>
+                </a:tc>
+                <a:tc>
+                  <a:txBody>
+                    <a:bodyPr/>
+                    <a:lstStyle/>
+                    <a:p>
+                      <a:pPr fontAlgn="t"/>
+                      <a:r>
+                        <a:rPr lang="fr-FR">
+                          <a:effectLst/>
+                        </a:rPr>
+                        <a:t> </a:t>
+                      </a:r>
+                    </a:p>
+                  </a:txBody>
+                  <a:tcPr marL="76200" marR="76200" marT="38100" marB="38100">
+                    <a:lnL w="10157" cap="flat" cmpd="sng" algn="ctr">
+                      <a:solidFill>
+                        <a:srgbClr val="000000"/>
+                      </a:solidFill>
+                      <a:prstDash val="solid"/>
+                      <a:round/>
+                      <a:headEnd type="none" w="med" len="med"/>
+                      <a:tailEnd type="none" w="med" len="med"/>
+                    </a:lnL>
+                    <a:lnR w="10157" cap="flat" cmpd="sng" algn="ctr">
+                      <a:solidFill>
+                        <a:srgbClr val="000000"/>
+                      </a:solidFill>
+                      <a:prstDash val="solid"/>
+                      <a:round/>
+                      <a:headEnd type="none" w="med" len="med"/>
+                      <a:tailEnd type="none" w="med" len="med"/>
+                    </a:lnR>
+                    <a:lnT w="10157" cap="flat" cmpd="sng" algn="ctr">
+                      <a:solidFill>
+                        <a:srgbClr val="000000"/>
+                      </a:solidFill>
+                      <a:prstDash val="solid"/>
+                      <a:round/>
+                      <a:headEnd type="none" w="med" len="med"/>
+                      <a:tailEnd type="none" w="med" len="med"/>
+                    </a:lnT>
+                    <a:lnB w="10157" cap="flat" cmpd="sng" algn="ctr">
+                      <a:solidFill>
+                        <a:srgbClr val="000000"/>
+                      </a:solidFill>
+                      <a:prstDash val="solid"/>
+                      <a:round/>
+                      <a:headEnd type="none" w="med" len="med"/>
+                      <a:tailEnd type="none" w="med" len="med"/>
+                    </a:lnB>
+                    <a:solidFill>
+                      <a:srgbClr val="F0F0F0"/>
+                    </a:solidFill>
+                  </a:tcPr>
+                </a:tc>
+                <a:tc>
+                  <a:txBody>
+                    <a:bodyPr/>
+                    <a:lstStyle/>
+                    <a:p>
+                      <a:pPr fontAlgn="t"/>
+                      <a:r>
+                        <a:rPr lang="fr-FR">
+                          <a:effectLst/>
+                        </a:rPr>
+                        <a:t> </a:t>
+                      </a:r>
+                    </a:p>
+                  </a:txBody>
+                  <a:tcPr marL="76200" marR="76200" marT="38100" marB="38100">
+                    <a:lnL w="10157" cap="flat" cmpd="sng" algn="ctr">
+                      <a:solidFill>
+                        <a:srgbClr val="000000"/>
+                      </a:solidFill>
+                      <a:prstDash val="solid"/>
+                      <a:round/>
+                      <a:headEnd type="none" w="med" len="med"/>
+                      <a:tailEnd type="none" w="med" len="med"/>
+                    </a:lnL>
+                    <a:lnR w="10157" cap="flat" cmpd="sng" algn="ctr">
+                      <a:solidFill>
+                        <a:srgbClr val="000000"/>
+                      </a:solidFill>
+                      <a:prstDash val="solid"/>
+                      <a:round/>
+                      <a:headEnd type="none" w="med" len="med"/>
+                      <a:tailEnd type="none" w="med" len="med"/>
+                    </a:lnR>
+                    <a:lnT w="10157" cap="flat" cmpd="sng" algn="ctr">
+                      <a:solidFill>
+                        <a:srgbClr val="000000"/>
+                      </a:solidFill>
+                      <a:prstDash val="solid"/>
+                      <a:round/>
+                      <a:headEnd type="none" w="med" len="med"/>
+                      <a:tailEnd type="none" w="med" len="med"/>
+                    </a:lnT>
+                    <a:lnB w="10157" cap="flat" cmpd="sng" algn="ctr">
+                      <a:solidFill>
+                        <a:srgbClr val="000000"/>
+                      </a:solidFill>
+                      <a:prstDash val="solid"/>
+                      <a:round/>
+                      <a:headEnd type="none" w="med" len="med"/>
+                      <a:tailEnd type="none" w="med" len="med"/>
+                    </a:lnB>
+                    <a:solidFill>
+                      <a:srgbClr val="F0F0F0"/>
+                    </a:solidFill>
+                  </a:tcPr>
+                </a:tc>
+                <a:extLst>
+                  <a:ext uri="{0D108BD9-81ED-4DB2-BD59-A6C34878D82A}">
+                    <a16:rowId xmlns:a16="http://schemas.microsoft.com/office/drawing/2014/main" val="2813348787"/>
+                  </a:ext>
+                </a:extLst>
+              </a:tr>
+              <a:tr h="306777">
+                <a:tc>
+                  <a:txBody>
+                    <a:bodyPr/>
+                    <a:lstStyle/>
+                    <a:p>
+                      <a:pPr rtl="0" fontAlgn="t">
+                        <a:spcBef>
+                          <a:spcPts val="0"/>
+                        </a:spcBef>
+                        <a:spcAft>
+                          <a:spcPts val="0"/>
+                        </a:spcAft>
+                      </a:pPr>
+                      <a:r>
+                        <a:rPr lang="fr-FR" sz="900" b="0" i="0" u="none" strike="noStrike">
+                          <a:solidFill>
+                            <a:srgbClr val="000000"/>
+                          </a:solidFill>
+                          <a:effectLst/>
+                          <a:latin typeface="Arial" panose="020B0604020202020204" pitchFamily="34" charset="0"/>
+                        </a:rPr>
+                        <a:t>FP5 :</a:t>
+                      </a:r>
+                      <a:endParaRPr lang="fr-FR">
+                        <a:effectLst/>
+                      </a:endParaRPr>
+                    </a:p>
+                  </a:txBody>
+                  <a:tcPr marL="76200" marR="76200" marT="38100" marB="38100">
+                    <a:lnL w="10157" cap="flat" cmpd="sng" algn="ctr">
+                      <a:solidFill>
+                        <a:srgbClr val="000000"/>
+                      </a:solidFill>
+                      <a:prstDash val="solid"/>
+                      <a:round/>
+                      <a:headEnd type="none" w="med" len="med"/>
+                      <a:tailEnd type="none" w="med" len="med"/>
+                    </a:lnL>
+                    <a:lnR w="10157" cap="flat" cmpd="sng" algn="ctr">
+                      <a:solidFill>
+                        <a:srgbClr val="000000"/>
+                      </a:solidFill>
+                      <a:prstDash val="solid"/>
+                      <a:round/>
+                      <a:headEnd type="none" w="med" len="med"/>
+                      <a:tailEnd type="none" w="med" len="med"/>
+                    </a:lnR>
+                    <a:lnT w="10157" cap="flat" cmpd="sng" algn="ctr">
+                      <a:solidFill>
+                        <a:srgbClr val="000000"/>
+                      </a:solidFill>
+                      <a:prstDash val="solid"/>
+                      <a:round/>
+                      <a:headEnd type="none" w="med" len="med"/>
+                      <a:tailEnd type="none" w="med" len="med"/>
+                    </a:lnT>
+                    <a:lnB w="10157" cap="flat" cmpd="sng" algn="ctr">
+                      <a:solidFill>
+                        <a:srgbClr val="000000"/>
+                      </a:solidFill>
+                      <a:prstDash val="solid"/>
+                      <a:round/>
+                      <a:headEnd type="none" w="med" len="med"/>
+                      <a:tailEnd type="none" w="med" len="med"/>
+                    </a:lnB>
+                    <a:solidFill>
+                      <a:srgbClr val="E0E0E0"/>
+                    </a:solidFill>
+                  </a:tcPr>
+                </a:tc>
+                <a:tc>
+                  <a:txBody>
+                    <a:bodyPr/>
+                    <a:lstStyle/>
+                    <a:p>
+                      <a:pPr fontAlgn="t"/>
+                      <a:r>
+                        <a:rPr lang="fr-FR">
+                          <a:effectLst/>
+                        </a:rPr>
+                        <a:t> </a:t>
+                      </a:r>
+                    </a:p>
+                  </a:txBody>
+                  <a:tcPr marL="76200" marR="76200" marT="38100" marB="38100">
+                    <a:lnL w="10157" cap="flat" cmpd="sng" algn="ctr">
+                      <a:solidFill>
+                        <a:srgbClr val="000000"/>
+                      </a:solidFill>
+                      <a:prstDash val="solid"/>
+                      <a:round/>
+                      <a:headEnd type="none" w="med" len="med"/>
+                      <a:tailEnd type="none" w="med" len="med"/>
+                    </a:lnL>
+                    <a:lnR w="10157" cap="flat" cmpd="sng" algn="ctr">
+                      <a:solidFill>
+                        <a:srgbClr val="000000"/>
+                      </a:solidFill>
+                      <a:prstDash val="solid"/>
+                      <a:round/>
+                      <a:headEnd type="none" w="med" len="med"/>
+                      <a:tailEnd type="none" w="med" len="med"/>
+                    </a:lnR>
+                    <a:lnT w="10157" cap="flat" cmpd="sng" algn="ctr">
+                      <a:solidFill>
+                        <a:srgbClr val="000000"/>
+                      </a:solidFill>
+                      <a:prstDash val="solid"/>
+                      <a:round/>
+                      <a:headEnd type="none" w="med" len="med"/>
+                      <a:tailEnd type="none" w="med" len="med"/>
+                    </a:lnT>
+                    <a:lnB w="10157" cap="flat" cmpd="sng" algn="ctr">
+                      <a:solidFill>
+                        <a:srgbClr val="000000"/>
+                      </a:solidFill>
+                      <a:prstDash val="solid"/>
+                      <a:round/>
+                      <a:headEnd type="none" w="med" len="med"/>
+                      <a:tailEnd type="none" w="med" len="med"/>
+                    </a:lnB>
+                    <a:solidFill>
+                      <a:srgbClr val="E0E0E0"/>
+                    </a:solidFill>
+                  </a:tcPr>
+                </a:tc>
+                <a:tc>
+                  <a:txBody>
+                    <a:bodyPr/>
+                    <a:lstStyle/>
+                    <a:p>
+                      <a:pPr fontAlgn="t"/>
+                      <a:r>
+                        <a:rPr lang="fr-FR">
+                          <a:effectLst/>
+                        </a:rPr>
+                        <a:t> </a:t>
+                      </a:r>
+                    </a:p>
+                  </a:txBody>
+                  <a:tcPr marL="76200" marR="76200" marT="38100" marB="38100">
+                    <a:lnL w="10157" cap="flat" cmpd="sng" algn="ctr">
+                      <a:solidFill>
+                        <a:srgbClr val="000000"/>
+                      </a:solidFill>
+                      <a:prstDash val="solid"/>
+                      <a:round/>
+                      <a:headEnd type="none" w="med" len="med"/>
+                      <a:tailEnd type="none" w="med" len="med"/>
+                    </a:lnL>
+                    <a:lnR w="10157" cap="flat" cmpd="sng" algn="ctr">
+                      <a:solidFill>
+                        <a:srgbClr val="000000"/>
+                      </a:solidFill>
+                      <a:prstDash val="solid"/>
+                      <a:round/>
+                      <a:headEnd type="none" w="med" len="med"/>
+                      <a:tailEnd type="none" w="med" len="med"/>
+                    </a:lnR>
+                    <a:lnT w="10157" cap="flat" cmpd="sng" algn="ctr">
+                      <a:solidFill>
+                        <a:srgbClr val="000000"/>
+                      </a:solidFill>
+                      <a:prstDash val="solid"/>
+                      <a:round/>
+                      <a:headEnd type="none" w="med" len="med"/>
+                      <a:tailEnd type="none" w="med" len="med"/>
+                    </a:lnT>
+                    <a:lnB w="10157" cap="flat" cmpd="sng" algn="ctr">
+                      <a:solidFill>
+                        <a:srgbClr val="000000"/>
+                      </a:solidFill>
+                      <a:prstDash val="solid"/>
+                      <a:round/>
+                      <a:headEnd type="none" w="med" len="med"/>
+                      <a:tailEnd type="none" w="med" len="med"/>
+                    </a:lnB>
+                    <a:solidFill>
+                      <a:srgbClr val="E0E0E0"/>
+                    </a:solidFill>
+                  </a:tcPr>
+                </a:tc>
+                <a:tc>
+                  <a:txBody>
+                    <a:bodyPr/>
+                    <a:lstStyle/>
+                    <a:p>
+                      <a:pPr fontAlgn="t"/>
+                      <a:r>
+                        <a:rPr lang="fr-FR">
+                          <a:effectLst/>
+                        </a:rPr>
+                        <a:t> </a:t>
+                      </a:r>
+                    </a:p>
+                  </a:txBody>
+                  <a:tcPr marL="76200" marR="76200" marT="38100" marB="38100">
+                    <a:lnL w="10157" cap="flat" cmpd="sng" algn="ctr">
+                      <a:solidFill>
+                        <a:srgbClr val="000000"/>
+                      </a:solidFill>
+                      <a:prstDash val="solid"/>
+                      <a:round/>
+                      <a:headEnd type="none" w="med" len="med"/>
+                      <a:tailEnd type="none" w="med" len="med"/>
+                    </a:lnL>
+                    <a:lnR w="10157" cap="flat" cmpd="sng" algn="ctr">
+                      <a:solidFill>
+                        <a:srgbClr val="000000"/>
+                      </a:solidFill>
+                      <a:prstDash val="solid"/>
+                      <a:round/>
+                      <a:headEnd type="none" w="med" len="med"/>
+                      <a:tailEnd type="none" w="med" len="med"/>
+                    </a:lnR>
+                    <a:lnT w="10157" cap="flat" cmpd="sng" algn="ctr">
+                      <a:solidFill>
+                        <a:srgbClr val="000000"/>
+                      </a:solidFill>
+                      <a:prstDash val="solid"/>
+                      <a:round/>
+                      <a:headEnd type="none" w="med" len="med"/>
+                      <a:tailEnd type="none" w="med" len="med"/>
+                    </a:lnT>
+                    <a:lnB w="10157" cap="flat" cmpd="sng" algn="ctr">
+                      <a:solidFill>
+                        <a:srgbClr val="000000"/>
+                      </a:solidFill>
+                      <a:prstDash val="solid"/>
+                      <a:round/>
+                      <a:headEnd type="none" w="med" len="med"/>
+                      <a:tailEnd type="none" w="med" len="med"/>
+                    </a:lnB>
+                    <a:solidFill>
+                      <a:srgbClr val="E0E0E0"/>
+                    </a:solidFill>
+                  </a:tcPr>
+                </a:tc>
+                <a:tc>
+                  <a:txBody>
+                    <a:bodyPr/>
+                    <a:lstStyle/>
+                    <a:p>
+                      <a:pPr fontAlgn="t"/>
+                      <a:r>
+                        <a:rPr lang="fr-FR">
+                          <a:effectLst/>
+                        </a:rPr>
+                        <a:t> </a:t>
+                      </a:r>
+                    </a:p>
+                  </a:txBody>
+                  <a:tcPr marL="76200" marR="76200" marT="38100" marB="38100">
+                    <a:lnL w="10157" cap="flat" cmpd="sng" algn="ctr">
+                      <a:solidFill>
+                        <a:srgbClr val="000000"/>
+                      </a:solidFill>
+                      <a:prstDash val="solid"/>
+                      <a:round/>
+                      <a:headEnd type="none" w="med" len="med"/>
+                      <a:tailEnd type="none" w="med" len="med"/>
+                    </a:lnL>
+                    <a:lnR w="10157" cap="flat" cmpd="sng" algn="ctr">
+                      <a:solidFill>
+                        <a:srgbClr val="000000"/>
+                      </a:solidFill>
+                      <a:prstDash val="solid"/>
+                      <a:round/>
+                      <a:headEnd type="none" w="med" len="med"/>
+                      <a:tailEnd type="none" w="med" len="med"/>
+                    </a:lnR>
+                    <a:lnT w="10157" cap="flat" cmpd="sng" algn="ctr">
+                      <a:solidFill>
+                        <a:srgbClr val="000000"/>
+                      </a:solidFill>
+                      <a:prstDash val="solid"/>
+                      <a:round/>
+                      <a:headEnd type="none" w="med" len="med"/>
+                      <a:tailEnd type="none" w="med" len="med"/>
+                    </a:lnT>
+                    <a:lnB w="10157" cap="flat" cmpd="sng" algn="ctr">
+                      <a:solidFill>
+                        <a:srgbClr val="000000"/>
+                      </a:solidFill>
+                      <a:prstDash val="solid"/>
+                      <a:round/>
+                      <a:headEnd type="none" w="med" len="med"/>
+                      <a:tailEnd type="none" w="med" len="med"/>
+                    </a:lnB>
+                    <a:solidFill>
+                      <a:srgbClr val="E0E0E0"/>
+                    </a:solidFill>
+                  </a:tcPr>
+                </a:tc>
+                <a:tc>
+                  <a:txBody>
+                    <a:bodyPr/>
+                    <a:lstStyle/>
+                    <a:p>
+                      <a:pPr fontAlgn="t"/>
+                      <a:r>
+                        <a:rPr lang="fr-FR">
+                          <a:effectLst/>
+                        </a:rPr>
+                        <a:t> </a:t>
+                      </a:r>
+                    </a:p>
+                  </a:txBody>
+                  <a:tcPr marL="76200" marR="76200" marT="38100" marB="38100">
+                    <a:lnL w="10157" cap="flat" cmpd="sng" algn="ctr">
+                      <a:solidFill>
+                        <a:srgbClr val="000000"/>
+                      </a:solidFill>
+                      <a:prstDash val="solid"/>
+                      <a:round/>
+                      <a:headEnd type="none" w="med" len="med"/>
+                      <a:tailEnd type="none" w="med" len="med"/>
+                    </a:lnL>
+                    <a:lnR w="10157" cap="flat" cmpd="sng" algn="ctr">
+                      <a:solidFill>
+                        <a:srgbClr val="000000"/>
+                      </a:solidFill>
+                      <a:prstDash val="solid"/>
+                      <a:round/>
+                      <a:headEnd type="none" w="med" len="med"/>
+                      <a:tailEnd type="none" w="med" len="med"/>
+                    </a:lnR>
+                    <a:lnT w="10157" cap="flat" cmpd="sng" algn="ctr">
+                      <a:solidFill>
+                        <a:srgbClr val="000000"/>
+                      </a:solidFill>
+                      <a:prstDash val="solid"/>
+                      <a:round/>
+                      <a:headEnd type="none" w="med" len="med"/>
+                      <a:tailEnd type="none" w="med" len="med"/>
+                    </a:lnT>
+                    <a:lnB w="10157" cap="flat" cmpd="sng" algn="ctr">
+                      <a:solidFill>
+                        <a:srgbClr val="000000"/>
+                      </a:solidFill>
+                      <a:prstDash val="solid"/>
+                      <a:round/>
+                      <a:headEnd type="none" w="med" len="med"/>
+                      <a:tailEnd type="none" w="med" len="med"/>
+                    </a:lnB>
+                    <a:solidFill>
+                      <a:srgbClr val="E0E0E0"/>
+                    </a:solidFill>
+                  </a:tcPr>
+                </a:tc>
+                <a:extLst>
+                  <a:ext uri="{0D108BD9-81ED-4DB2-BD59-A6C34878D82A}">
+                    <a16:rowId xmlns:a16="http://schemas.microsoft.com/office/drawing/2014/main" val="1051442959"/>
+                  </a:ext>
+                </a:extLst>
+              </a:tr>
+              <a:tr h="306777">
+                <a:tc>
+                  <a:txBody>
+                    <a:bodyPr/>
+                    <a:lstStyle/>
+                    <a:p>
+                      <a:pPr rtl="0" fontAlgn="t">
+                        <a:spcBef>
+                          <a:spcPts val="0"/>
+                        </a:spcBef>
+                        <a:spcAft>
+                          <a:spcPts val="0"/>
+                        </a:spcAft>
+                      </a:pPr>
+                      <a:r>
+                        <a:rPr lang="fr-FR" sz="900" b="0" i="0" u="none" strike="noStrike">
+                          <a:solidFill>
+                            <a:srgbClr val="000000"/>
+                          </a:solidFill>
+                          <a:effectLst/>
+                          <a:latin typeface="Arial" panose="020B0604020202020204" pitchFamily="34" charset="0"/>
+                        </a:rPr>
+                        <a:t>FPN : KPI</a:t>
+                      </a:r>
+                      <a:endParaRPr lang="fr-FR">
+                        <a:effectLst/>
+                      </a:endParaRPr>
+                    </a:p>
+                  </a:txBody>
+                  <a:tcPr marL="76200" marR="76200" marT="38100" marB="38100">
+                    <a:lnL w="10157" cap="flat" cmpd="sng" algn="ctr">
+                      <a:solidFill>
+                        <a:srgbClr val="000000"/>
+                      </a:solidFill>
+                      <a:prstDash val="solid"/>
+                      <a:round/>
+                      <a:headEnd type="none" w="med" len="med"/>
+                      <a:tailEnd type="none" w="med" len="med"/>
+                    </a:lnL>
+                    <a:lnR w="10157" cap="flat" cmpd="sng" algn="ctr">
+                      <a:solidFill>
+                        <a:srgbClr val="000000"/>
+                      </a:solidFill>
+                      <a:prstDash val="solid"/>
+                      <a:round/>
+                      <a:headEnd type="none" w="med" len="med"/>
+                      <a:tailEnd type="none" w="med" len="med"/>
+                    </a:lnR>
+                    <a:lnT w="10157" cap="flat" cmpd="sng" algn="ctr">
+                      <a:solidFill>
+                        <a:srgbClr val="000000"/>
+                      </a:solidFill>
+                      <a:prstDash val="solid"/>
+                      <a:round/>
+                      <a:headEnd type="none" w="med" len="med"/>
+                      <a:tailEnd type="none" w="med" len="med"/>
+                    </a:lnT>
+                    <a:lnB w="10157" cap="flat" cmpd="sng" algn="ctr">
+                      <a:solidFill>
+                        <a:srgbClr val="000000"/>
+                      </a:solidFill>
+                      <a:prstDash val="solid"/>
+                      <a:round/>
+                      <a:headEnd type="none" w="med" len="med"/>
+                      <a:tailEnd type="none" w="med" len="med"/>
+                    </a:lnB>
+                    <a:solidFill>
+                      <a:srgbClr val="F0F0F0"/>
+                    </a:solidFill>
+                  </a:tcPr>
+                </a:tc>
+                <a:tc>
+                  <a:txBody>
+                    <a:bodyPr/>
+                    <a:lstStyle/>
+                    <a:p>
+                      <a:pPr rtl="0" fontAlgn="t">
+                        <a:spcBef>
+                          <a:spcPts val="0"/>
+                        </a:spcBef>
+                        <a:spcAft>
+                          <a:spcPts val="0"/>
+                        </a:spcAft>
+                      </a:pPr>
+                      <a:r>
+                        <a:rPr lang="fr-FR" sz="900" b="0" i="0" u="none" strike="noStrike">
+                          <a:solidFill>
+                            <a:srgbClr val="000000"/>
+                          </a:solidFill>
+                          <a:effectLst/>
+                          <a:latin typeface="Arial" panose="020B0604020202020204" pitchFamily="34" charset="0"/>
+                        </a:rPr>
+                        <a:t>FSN.1 : Masse</a:t>
+                      </a:r>
+                      <a:endParaRPr lang="fr-FR">
+                        <a:effectLst/>
+                      </a:endParaRPr>
+                    </a:p>
+                  </a:txBody>
+                  <a:tcPr marL="76200" marR="76200" marT="38100" marB="38100">
+                    <a:lnL w="10157" cap="flat" cmpd="sng" algn="ctr">
+                      <a:solidFill>
+                        <a:srgbClr val="000000"/>
+                      </a:solidFill>
+                      <a:prstDash val="solid"/>
+                      <a:round/>
+                      <a:headEnd type="none" w="med" len="med"/>
+                      <a:tailEnd type="none" w="med" len="med"/>
+                    </a:lnL>
+                    <a:lnR w="10157" cap="flat" cmpd="sng" algn="ctr">
+                      <a:solidFill>
+                        <a:srgbClr val="000000"/>
+                      </a:solidFill>
+                      <a:prstDash val="solid"/>
+                      <a:round/>
+                      <a:headEnd type="none" w="med" len="med"/>
+                      <a:tailEnd type="none" w="med" len="med"/>
+                    </a:lnR>
+                    <a:lnT w="10157" cap="flat" cmpd="sng" algn="ctr">
+                      <a:solidFill>
+                        <a:srgbClr val="000000"/>
+                      </a:solidFill>
+                      <a:prstDash val="solid"/>
+                      <a:round/>
+                      <a:headEnd type="none" w="med" len="med"/>
+                      <a:tailEnd type="none" w="med" len="med"/>
+                    </a:lnT>
+                    <a:lnB w="10157" cap="flat" cmpd="sng" algn="ctr">
+                      <a:solidFill>
+                        <a:srgbClr val="000000"/>
+                      </a:solidFill>
+                      <a:prstDash val="solid"/>
+                      <a:round/>
+                      <a:headEnd type="none" w="med" len="med"/>
+                      <a:tailEnd type="none" w="med" len="med"/>
+                    </a:lnB>
+                    <a:solidFill>
+                      <a:srgbClr val="F0F0F0"/>
+                    </a:solidFill>
+                  </a:tcPr>
+                </a:tc>
+                <a:tc>
+                  <a:txBody>
+                    <a:bodyPr/>
+                    <a:lstStyle/>
+                    <a:p>
+                      <a:pPr fontAlgn="t"/>
+                      <a:r>
+                        <a:rPr lang="fr-FR">
+                          <a:effectLst/>
+                        </a:rPr>
+                        <a:t> </a:t>
+                      </a:r>
+                    </a:p>
+                  </a:txBody>
+                  <a:tcPr marL="76200" marR="76200" marT="38100" marB="38100">
+                    <a:lnL w="10157" cap="flat" cmpd="sng" algn="ctr">
+                      <a:solidFill>
+                        <a:srgbClr val="000000"/>
+                      </a:solidFill>
+                      <a:prstDash val="solid"/>
+                      <a:round/>
+                      <a:headEnd type="none" w="med" len="med"/>
+                      <a:tailEnd type="none" w="med" len="med"/>
+                    </a:lnL>
+                    <a:lnR w="10157" cap="flat" cmpd="sng" algn="ctr">
+                      <a:solidFill>
+                        <a:srgbClr val="000000"/>
+                      </a:solidFill>
+                      <a:prstDash val="solid"/>
+                      <a:round/>
+                      <a:headEnd type="none" w="med" len="med"/>
+                      <a:tailEnd type="none" w="med" len="med"/>
+                    </a:lnR>
+                    <a:lnT w="10157" cap="flat" cmpd="sng" algn="ctr">
+                      <a:solidFill>
+                        <a:srgbClr val="000000"/>
+                      </a:solidFill>
+                      <a:prstDash val="solid"/>
+                      <a:round/>
+                      <a:headEnd type="none" w="med" len="med"/>
+                      <a:tailEnd type="none" w="med" len="med"/>
+                    </a:lnT>
+                    <a:lnB w="10157" cap="flat" cmpd="sng" algn="ctr">
+                      <a:solidFill>
+                        <a:srgbClr val="000000"/>
+                      </a:solidFill>
+                      <a:prstDash val="solid"/>
+                      <a:round/>
+                      <a:headEnd type="none" w="med" len="med"/>
+                      <a:tailEnd type="none" w="med" len="med"/>
+                    </a:lnB>
+                    <a:solidFill>
+                      <a:srgbClr val="F0F0F0"/>
+                    </a:solidFill>
+                  </a:tcPr>
+                </a:tc>
+                <a:tc>
+                  <a:txBody>
+                    <a:bodyPr/>
+                    <a:lstStyle/>
+                    <a:p>
+                      <a:pPr fontAlgn="t"/>
+                      <a:r>
+                        <a:rPr lang="fr-FR">
+                          <a:effectLst/>
+                        </a:rPr>
+                        <a:t> </a:t>
+                      </a:r>
+                    </a:p>
+                  </a:txBody>
+                  <a:tcPr marL="76200" marR="76200" marT="38100" marB="38100">
+                    <a:lnL w="10157" cap="flat" cmpd="sng" algn="ctr">
+                      <a:solidFill>
+                        <a:srgbClr val="000000"/>
+                      </a:solidFill>
+                      <a:prstDash val="solid"/>
+                      <a:round/>
+                      <a:headEnd type="none" w="med" len="med"/>
+                      <a:tailEnd type="none" w="med" len="med"/>
+                    </a:lnL>
+                    <a:lnR w="10157" cap="flat" cmpd="sng" algn="ctr">
+                      <a:solidFill>
+                        <a:srgbClr val="000000"/>
+                      </a:solidFill>
+                      <a:prstDash val="solid"/>
+                      <a:round/>
+                      <a:headEnd type="none" w="med" len="med"/>
+                      <a:tailEnd type="none" w="med" len="med"/>
+                    </a:lnR>
+                    <a:lnT w="10157" cap="flat" cmpd="sng" algn="ctr">
+                      <a:solidFill>
+                        <a:srgbClr val="000000"/>
+                      </a:solidFill>
+                      <a:prstDash val="solid"/>
+                      <a:round/>
+                      <a:headEnd type="none" w="med" len="med"/>
+                      <a:tailEnd type="none" w="med" len="med"/>
+                    </a:lnT>
+                    <a:lnB w="10157" cap="flat" cmpd="sng" algn="ctr">
+                      <a:solidFill>
+                        <a:srgbClr val="000000"/>
+                      </a:solidFill>
+                      <a:prstDash val="solid"/>
+                      <a:round/>
+                      <a:headEnd type="none" w="med" len="med"/>
+                      <a:tailEnd type="none" w="med" len="med"/>
+                    </a:lnB>
+                    <a:solidFill>
+                      <a:srgbClr val="F0F0F0"/>
+                    </a:solidFill>
+                  </a:tcPr>
+                </a:tc>
+                <a:tc>
+                  <a:txBody>
+                    <a:bodyPr/>
+                    <a:lstStyle/>
+                    <a:p>
+                      <a:pPr fontAlgn="t"/>
+                      <a:r>
+                        <a:rPr lang="fr-FR">
+                          <a:effectLst/>
+                        </a:rPr>
+                        <a:t> </a:t>
+                      </a:r>
+                    </a:p>
+                  </a:txBody>
+                  <a:tcPr marL="76200" marR="76200" marT="38100" marB="38100">
+                    <a:lnL w="10157" cap="flat" cmpd="sng" algn="ctr">
+                      <a:solidFill>
+                        <a:srgbClr val="000000"/>
+                      </a:solidFill>
+                      <a:prstDash val="solid"/>
+                      <a:round/>
+                      <a:headEnd type="none" w="med" len="med"/>
+                      <a:tailEnd type="none" w="med" len="med"/>
+                    </a:lnL>
+                    <a:lnR w="10157" cap="flat" cmpd="sng" algn="ctr">
+                      <a:solidFill>
+                        <a:srgbClr val="000000"/>
+                      </a:solidFill>
+                      <a:prstDash val="solid"/>
+                      <a:round/>
+                      <a:headEnd type="none" w="med" len="med"/>
+                      <a:tailEnd type="none" w="med" len="med"/>
+                    </a:lnR>
+                    <a:lnT w="10157" cap="flat" cmpd="sng" algn="ctr">
+                      <a:solidFill>
+                        <a:srgbClr val="000000"/>
+                      </a:solidFill>
+                      <a:prstDash val="solid"/>
+                      <a:round/>
+                      <a:headEnd type="none" w="med" len="med"/>
+                      <a:tailEnd type="none" w="med" len="med"/>
+                    </a:lnT>
+                    <a:lnB w="10157" cap="flat" cmpd="sng" algn="ctr">
+                      <a:solidFill>
+                        <a:srgbClr val="000000"/>
+                      </a:solidFill>
+                      <a:prstDash val="solid"/>
+                      <a:round/>
+                      <a:headEnd type="none" w="med" len="med"/>
+                      <a:tailEnd type="none" w="med" len="med"/>
+                    </a:lnB>
+                    <a:solidFill>
+                      <a:srgbClr val="F0F0F0"/>
+                    </a:solidFill>
+                  </a:tcPr>
+                </a:tc>
+                <a:tc>
+                  <a:txBody>
+                    <a:bodyPr/>
+                    <a:lstStyle/>
+                    <a:p>
+                      <a:pPr fontAlgn="t"/>
+                      <a:r>
+                        <a:rPr lang="fr-FR">
+                          <a:effectLst/>
+                        </a:rPr>
+                        <a:t> </a:t>
+                      </a:r>
+                    </a:p>
+                  </a:txBody>
+                  <a:tcPr marL="76200" marR="76200" marT="38100" marB="38100">
+                    <a:lnL w="10157" cap="flat" cmpd="sng" algn="ctr">
+                      <a:solidFill>
+                        <a:srgbClr val="000000"/>
+                      </a:solidFill>
+                      <a:prstDash val="solid"/>
+                      <a:round/>
+                      <a:headEnd type="none" w="med" len="med"/>
+                      <a:tailEnd type="none" w="med" len="med"/>
+                    </a:lnL>
+                    <a:lnR w="10157" cap="flat" cmpd="sng" algn="ctr">
+                      <a:solidFill>
+                        <a:srgbClr val="000000"/>
+                      </a:solidFill>
+                      <a:prstDash val="solid"/>
+                      <a:round/>
+                      <a:headEnd type="none" w="med" len="med"/>
+                      <a:tailEnd type="none" w="med" len="med"/>
+                    </a:lnR>
+                    <a:lnT w="10157" cap="flat" cmpd="sng" algn="ctr">
+                      <a:solidFill>
+                        <a:srgbClr val="000000"/>
+                      </a:solidFill>
+                      <a:prstDash val="solid"/>
+                      <a:round/>
+                      <a:headEnd type="none" w="med" len="med"/>
+                      <a:tailEnd type="none" w="med" len="med"/>
+                    </a:lnT>
+                    <a:lnB w="10157" cap="flat" cmpd="sng" algn="ctr">
+                      <a:solidFill>
+                        <a:srgbClr val="000000"/>
+                      </a:solidFill>
+                      <a:prstDash val="solid"/>
+                      <a:round/>
+                      <a:headEnd type="none" w="med" len="med"/>
+                      <a:tailEnd type="none" w="med" len="med"/>
+                    </a:lnB>
+                    <a:solidFill>
+                      <a:srgbClr val="F0F0F0"/>
+                    </a:solidFill>
+                  </a:tcPr>
+                </a:tc>
+                <a:extLst>
+                  <a:ext uri="{0D108BD9-81ED-4DB2-BD59-A6C34878D82A}">
+                    <a16:rowId xmlns:a16="http://schemas.microsoft.com/office/drawing/2014/main" val="3129970985"/>
+                  </a:ext>
+                </a:extLst>
+              </a:tr>
+              <a:tr h="306777">
+                <a:tc>
+                  <a:txBody>
+                    <a:bodyPr/>
+                    <a:lstStyle/>
+                    <a:p>
+                      <a:pPr fontAlgn="t"/>
+                      <a:r>
+                        <a:rPr lang="fr-FR">
+                          <a:effectLst/>
+                        </a:rPr>
+                        <a:t> </a:t>
+                      </a:r>
+                    </a:p>
+                  </a:txBody>
+                  <a:tcPr marL="76200" marR="76200" marT="38100" marB="38100">
+                    <a:lnL w="10157" cap="flat" cmpd="sng" algn="ctr">
+                      <a:solidFill>
+                        <a:srgbClr val="000000"/>
+                      </a:solidFill>
+                      <a:prstDash val="solid"/>
+                      <a:round/>
+                      <a:headEnd type="none" w="med" len="med"/>
+                      <a:tailEnd type="none" w="med" len="med"/>
+                    </a:lnL>
+                    <a:lnR w="10157" cap="flat" cmpd="sng" algn="ctr">
+                      <a:solidFill>
+                        <a:srgbClr val="000000"/>
+                      </a:solidFill>
+                      <a:prstDash val="solid"/>
+                      <a:round/>
+                      <a:headEnd type="none" w="med" len="med"/>
+                      <a:tailEnd type="none" w="med" len="med"/>
+                    </a:lnR>
+                    <a:lnT w="10157" cap="flat" cmpd="sng" algn="ctr">
+                      <a:solidFill>
+                        <a:srgbClr val="000000"/>
+                      </a:solidFill>
+                      <a:prstDash val="solid"/>
+                      <a:round/>
+                      <a:headEnd type="none" w="med" len="med"/>
+                      <a:tailEnd type="none" w="med" len="med"/>
+                    </a:lnT>
+                    <a:lnB w="10157" cap="flat" cmpd="sng" algn="ctr">
+                      <a:solidFill>
+                        <a:srgbClr val="000000"/>
+                      </a:solidFill>
+                      <a:prstDash val="solid"/>
+                      <a:round/>
+                      <a:headEnd type="none" w="med" len="med"/>
+                      <a:tailEnd type="none" w="med" len="med"/>
+                    </a:lnB>
+                    <a:solidFill>
+                      <a:srgbClr val="E0E0E0"/>
+                    </a:solidFill>
+                  </a:tcPr>
+                </a:tc>
+                <a:tc>
+                  <a:txBody>
+                    <a:bodyPr/>
+                    <a:lstStyle/>
+                    <a:p>
+                      <a:pPr rtl="0" fontAlgn="t">
+                        <a:spcBef>
+                          <a:spcPts val="0"/>
+                        </a:spcBef>
+                        <a:spcAft>
+                          <a:spcPts val="0"/>
+                        </a:spcAft>
+                      </a:pPr>
+                      <a:r>
+                        <a:rPr lang="fr-FR" sz="900" b="0" i="0" u="none" strike="noStrike">
+                          <a:solidFill>
+                            <a:srgbClr val="000000"/>
+                          </a:solidFill>
+                          <a:effectLst/>
+                          <a:latin typeface="Arial" panose="020B0604020202020204" pitchFamily="34" charset="0"/>
+                        </a:rPr>
+                        <a:t>FSN.2 :</a:t>
+                      </a:r>
+                      <a:endParaRPr lang="fr-FR">
+                        <a:effectLst/>
+                      </a:endParaRPr>
+                    </a:p>
+                  </a:txBody>
+                  <a:tcPr marL="76200" marR="76200" marT="38100" marB="38100">
+                    <a:lnL w="10157" cap="flat" cmpd="sng" algn="ctr">
+                      <a:solidFill>
+                        <a:srgbClr val="000000"/>
+                      </a:solidFill>
+                      <a:prstDash val="solid"/>
+                      <a:round/>
+                      <a:headEnd type="none" w="med" len="med"/>
+                      <a:tailEnd type="none" w="med" len="med"/>
+                    </a:lnL>
+                    <a:lnR w="10157" cap="flat" cmpd="sng" algn="ctr">
+                      <a:solidFill>
+                        <a:srgbClr val="000000"/>
+                      </a:solidFill>
+                      <a:prstDash val="solid"/>
+                      <a:round/>
+                      <a:headEnd type="none" w="med" len="med"/>
+                      <a:tailEnd type="none" w="med" len="med"/>
+                    </a:lnR>
+                    <a:lnT w="10157" cap="flat" cmpd="sng" algn="ctr">
+                      <a:solidFill>
+                        <a:srgbClr val="000000"/>
+                      </a:solidFill>
+                      <a:prstDash val="solid"/>
+                      <a:round/>
+                      <a:headEnd type="none" w="med" len="med"/>
+                      <a:tailEnd type="none" w="med" len="med"/>
+                    </a:lnT>
+                    <a:lnB w="10157" cap="flat" cmpd="sng" algn="ctr">
+                      <a:solidFill>
+                        <a:srgbClr val="000000"/>
+                      </a:solidFill>
+                      <a:prstDash val="solid"/>
+                      <a:round/>
+                      <a:headEnd type="none" w="med" len="med"/>
+                      <a:tailEnd type="none" w="med" len="med"/>
+                    </a:lnB>
+                    <a:solidFill>
+                      <a:srgbClr val="E0E0E0"/>
+                    </a:solidFill>
+                  </a:tcPr>
+                </a:tc>
+                <a:tc>
+                  <a:txBody>
+                    <a:bodyPr/>
+                    <a:lstStyle/>
+                    <a:p>
+                      <a:pPr fontAlgn="t"/>
+                      <a:r>
+                        <a:rPr lang="fr-FR">
+                          <a:effectLst/>
+                        </a:rPr>
+                        <a:t> </a:t>
+                      </a:r>
+                    </a:p>
+                  </a:txBody>
+                  <a:tcPr marL="76200" marR="76200" marT="38100" marB="38100">
+                    <a:lnL w="10157" cap="flat" cmpd="sng" algn="ctr">
+                      <a:solidFill>
+                        <a:srgbClr val="000000"/>
+                      </a:solidFill>
+                      <a:prstDash val="solid"/>
+                      <a:round/>
+                      <a:headEnd type="none" w="med" len="med"/>
+                      <a:tailEnd type="none" w="med" len="med"/>
+                    </a:lnL>
+                    <a:lnR w="10157" cap="flat" cmpd="sng" algn="ctr">
+                      <a:solidFill>
+                        <a:srgbClr val="000000"/>
+                      </a:solidFill>
+                      <a:prstDash val="solid"/>
+                      <a:round/>
+                      <a:headEnd type="none" w="med" len="med"/>
+                      <a:tailEnd type="none" w="med" len="med"/>
+                    </a:lnR>
+                    <a:lnT w="10157" cap="flat" cmpd="sng" algn="ctr">
+                      <a:solidFill>
+                        <a:srgbClr val="000000"/>
+                      </a:solidFill>
+                      <a:prstDash val="solid"/>
+                      <a:round/>
+                      <a:headEnd type="none" w="med" len="med"/>
+                      <a:tailEnd type="none" w="med" len="med"/>
+                    </a:lnT>
+                    <a:lnB w="10157" cap="flat" cmpd="sng" algn="ctr">
+                      <a:solidFill>
+                        <a:srgbClr val="000000"/>
+                      </a:solidFill>
+                      <a:prstDash val="solid"/>
+                      <a:round/>
+                      <a:headEnd type="none" w="med" len="med"/>
+                      <a:tailEnd type="none" w="med" len="med"/>
+                    </a:lnB>
+                    <a:solidFill>
+                      <a:srgbClr val="E0E0E0"/>
+                    </a:solidFill>
+                  </a:tcPr>
+                </a:tc>
+                <a:tc>
+                  <a:txBody>
+                    <a:bodyPr/>
+                    <a:lstStyle/>
+                    <a:p>
+                      <a:pPr fontAlgn="t"/>
+                      <a:r>
+                        <a:rPr lang="fr-FR">
+                          <a:effectLst/>
+                        </a:rPr>
+                        <a:t> </a:t>
+                      </a:r>
+                    </a:p>
+                  </a:txBody>
+                  <a:tcPr marL="76200" marR="76200" marT="38100" marB="38100">
+                    <a:lnL w="10157" cap="flat" cmpd="sng" algn="ctr">
+                      <a:solidFill>
+                        <a:srgbClr val="000000"/>
+                      </a:solidFill>
+                      <a:prstDash val="solid"/>
+                      <a:round/>
+                      <a:headEnd type="none" w="med" len="med"/>
+                      <a:tailEnd type="none" w="med" len="med"/>
+                    </a:lnL>
+                    <a:lnR w="10157" cap="flat" cmpd="sng" algn="ctr">
+                      <a:solidFill>
+                        <a:srgbClr val="000000"/>
+                      </a:solidFill>
+                      <a:prstDash val="solid"/>
+                      <a:round/>
+                      <a:headEnd type="none" w="med" len="med"/>
+                      <a:tailEnd type="none" w="med" len="med"/>
+                    </a:lnR>
+                    <a:lnT w="10157" cap="flat" cmpd="sng" algn="ctr">
+                      <a:solidFill>
+                        <a:srgbClr val="000000"/>
+                      </a:solidFill>
+                      <a:prstDash val="solid"/>
+                      <a:round/>
+                      <a:headEnd type="none" w="med" len="med"/>
+                      <a:tailEnd type="none" w="med" len="med"/>
+                    </a:lnT>
+                    <a:lnB w="10157" cap="flat" cmpd="sng" algn="ctr">
+                      <a:solidFill>
+                        <a:srgbClr val="000000"/>
+                      </a:solidFill>
+                      <a:prstDash val="solid"/>
+                      <a:round/>
+                      <a:headEnd type="none" w="med" len="med"/>
+                      <a:tailEnd type="none" w="med" len="med"/>
+                    </a:lnB>
+                    <a:solidFill>
+                      <a:srgbClr val="E0E0E0"/>
+                    </a:solidFill>
+                  </a:tcPr>
+                </a:tc>
+                <a:tc>
+                  <a:txBody>
+                    <a:bodyPr/>
+                    <a:lstStyle/>
+                    <a:p>
+                      <a:pPr fontAlgn="t"/>
+                      <a:r>
+                        <a:rPr lang="fr-FR">
+                          <a:effectLst/>
+                        </a:rPr>
+                        <a:t> </a:t>
+                      </a:r>
+                    </a:p>
+                  </a:txBody>
+                  <a:tcPr marL="76200" marR="76200" marT="38100" marB="38100">
+                    <a:lnL w="10157" cap="flat" cmpd="sng" algn="ctr">
+                      <a:solidFill>
+                        <a:srgbClr val="000000"/>
+                      </a:solidFill>
+                      <a:prstDash val="solid"/>
+                      <a:round/>
+                      <a:headEnd type="none" w="med" len="med"/>
+                      <a:tailEnd type="none" w="med" len="med"/>
+                    </a:lnL>
+                    <a:lnR w="10157" cap="flat" cmpd="sng" algn="ctr">
+                      <a:solidFill>
+                        <a:srgbClr val="000000"/>
+                      </a:solidFill>
+                      <a:prstDash val="solid"/>
+                      <a:round/>
+                      <a:headEnd type="none" w="med" len="med"/>
+                      <a:tailEnd type="none" w="med" len="med"/>
+                    </a:lnR>
+                    <a:lnT w="10157" cap="flat" cmpd="sng" algn="ctr">
+                      <a:solidFill>
+                        <a:srgbClr val="000000"/>
+                      </a:solidFill>
+                      <a:prstDash val="solid"/>
+                      <a:round/>
+                      <a:headEnd type="none" w="med" len="med"/>
+                      <a:tailEnd type="none" w="med" len="med"/>
+                    </a:lnT>
+                    <a:lnB w="10157" cap="flat" cmpd="sng" algn="ctr">
+                      <a:solidFill>
+                        <a:srgbClr val="000000"/>
+                      </a:solidFill>
+                      <a:prstDash val="solid"/>
+                      <a:round/>
+                      <a:headEnd type="none" w="med" len="med"/>
+                      <a:tailEnd type="none" w="med" len="med"/>
+                    </a:lnB>
+                    <a:solidFill>
+                      <a:srgbClr val="E0E0E0"/>
+                    </a:solidFill>
+                  </a:tcPr>
+                </a:tc>
+                <a:tc>
+                  <a:txBody>
+                    <a:bodyPr/>
+                    <a:lstStyle/>
+                    <a:p>
+                      <a:pPr fontAlgn="t"/>
+                      <a:r>
+                        <a:rPr lang="fr-FR">
+                          <a:effectLst/>
+                        </a:rPr>
+                        <a:t> </a:t>
+                      </a:r>
+                    </a:p>
+                  </a:txBody>
+                  <a:tcPr marL="76200" marR="76200" marT="38100" marB="38100">
+                    <a:lnL w="10157" cap="flat" cmpd="sng" algn="ctr">
+                      <a:solidFill>
+                        <a:srgbClr val="000000"/>
+                      </a:solidFill>
+                      <a:prstDash val="solid"/>
+                      <a:round/>
+                      <a:headEnd type="none" w="med" len="med"/>
+                      <a:tailEnd type="none" w="med" len="med"/>
+                    </a:lnL>
+                    <a:lnR w="10157" cap="flat" cmpd="sng" algn="ctr">
+                      <a:solidFill>
+                        <a:srgbClr val="000000"/>
+                      </a:solidFill>
+                      <a:prstDash val="solid"/>
+                      <a:round/>
+                      <a:headEnd type="none" w="med" len="med"/>
+                      <a:tailEnd type="none" w="med" len="med"/>
+                    </a:lnR>
+                    <a:lnT w="10157" cap="flat" cmpd="sng" algn="ctr">
+                      <a:solidFill>
+                        <a:srgbClr val="000000"/>
+                      </a:solidFill>
+                      <a:prstDash val="solid"/>
+                      <a:round/>
+                      <a:headEnd type="none" w="med" len="med"/>
+                      <a:tailEnd type="none" w="med" len="med"/>
+                    </a:lnT>
+                    <a:lnB w="10157" cap="flat" cmpd="sng" algn="ctr">
+                      <a:solidFill>
+                        <a:srgbClr val="000000"/>
+                      </a:solidFill>
+                      <a:prstDash val="solid"/>
+                      <a:round/>
+                      <a:headEnd type="none" w="med" len="med"/>
+                      <a:tailEnd type="none" w="med" len="med"/>
+                    </a:lnB>
+                    <a:solidFill>
+                      <a:srgbClr val="E0E0E0"/>
+                    </a:solidFill>
+                  </a:tcPr>
+                </a:tc>
+                <a:extLst>
+                  <a:ext uri="{0D108BD9-81ED-4DB2-BD59-A6C34878D82A}">
+                    <a16:rowId xmlns:a16="http://schemas.microsoft.com/office/drawing/2014/main" val="311155377"/>
+                  </a:ext>
+                </a:extLst>
+              </a:tr>
+              <a:tr h="306777">
+                <a:tc>
+                  <a:txBody>
+                    <a:bodyPr/>
+                    <a:lstStyle/>
+                    <a:p>
+                      <a:pPr fontAlgn="t"/>
+                      <a:r>
+                        <a:rPr lang="fr-FR">
+                          <a:effectLst/>
+                        </a:rPr>
+                        <a:t> </a:t>
+                      </a:r>
+                    </a:p>
+                  </a:txBody>
+                  <a:tcPr marL="76200" marR="76200" marT="38100" marB="38100">
+                    <a:lnL w="10157" cap="flat" cmpd="sng" algn="ctr">
+                      <a:solidFill>
+                        <a:srgbClr val="000000"/>
+                      </a:solidFill>
+                      <a:prstDash val="solid"/>
+                      <a:round/>
+                      <a:headEnd type="none" w="med" len="med"/>
+                      <a:tailEnd type="none" w="med" len="med"/>
+                    </a:lnL>
+                    <a:lnR w="10157" cap="flat" cmpd="sng" algn="ctr">
+                      <a:solidFill>
+                        <a:srgbClr val="000000"/>
+                      </a:solidFill>
+                      <a:prstDash val="solid"/>
+                      <a:round/>
+                      <a:headEnd type="none" w="med" len="med"/>
+                      <a:tailEnd type="none" w="med" len="med"/>
+                    </a:lnR>
+                    <a:lnT w="10157" cap="flat" cmpd="sng" algn="ctr">
+                      <a:solidFill>
+                        <a:srgbClr val="000000"/>
+                      </a:solidFill>
+                      <a:prstDash val="solid"/>
+                      <a:round/>
+                      <a:headEnd type="none" w="med" len="med"/>
+                      <a:tailEnd type="none" w="med" len="med"/>
+                    </a:lnT>
+                    <a:lnB w="10157" cap="flat" cmpd="sng" algn="ctr">
+                      <a:solidFill>
+                        <a:srgbClr val="000000"/>
+                      </a:solidFill>
+                      <a:prstDash val="solid"/>
+                      <a:round/>
+                      <a:headEnd type="none" w="med" len="med"/>
+                      <a:tailEnd type="none" w="med" len="med"/>
+                    </a:lnB>
+                    <a:solidFill>
+                      <a:srgbClr val="F0F0F0"/>
+                    </a:solidFill>
+                  </a:tcPr>
+                </a:tc>
+                <a:tc>
+                  <a:txBody>
+                    <a:bodyPr/>
+                    <a:lstStyle/>
+                    <a:p>
+                      <a:pPr rtl="0" fontAlgn="t">
+                        <a:spcBef>
+                          <a:spcPts val="0"/>
+                        </a:spcBef>
+                        <a:spcAft>
+                          <a:spcPts val="0"/>
+                        </a:spcAft>
+                      </a:pPr>
+                      <a:r>
+                        <a:rPr lang="fr-FR" sz="900" b="0" i="0" u="none" strike="noStrike">
+                          <a:solidFill>
+                            <a:srgbClr val="000000"/>
+                          </a:solidFill>
+                          <a:effectLst/>
+                          <a:latin typeface="Arial" panose="020B0604020202020204" pitchFamily="34" charset="0"/>
+                        </a:rPr>
+                        <a:t>FSN.3 :</a:t>
+                      </a:r>
+                      <a:endParaRPr lang="fr-FR">
+                        <a:effectLst/>
+                      </a:endParaRPr>
+                    </a:p>
+                  </a:txBody>
+                  <a:tcPr marL="76200" marR="76200" marT="38100" marB="38100">
+                    <a:lnL w="10157" cap="flat" cmpd="sng" algn="ctr">
+                      <a:solidFill>
+                        <a:srgbClr val="000000"/>
+                      </a:solidFill>
+                      <a:prstDash val="solid"/>
+                      <a:round/>
+                      <a:headEnd type="none" w="med" len="med"/>
+                      <a:tailEnd type="none" w="med" len="med"/>
+                    </a:lnL>
+                    <a:lnR w="10157" cap="flat" cmpd="sng" algn="ctr">
+                      <a:solidFill>
+                        <a:srgbClr val="000000"/>
+                      </a:solidFill>
+                      <a:prstDash val="solid"/>
+                      <a:round/>
+                      <a:headEnd type="none" w="med" len="med"/>
+                      <a:tailEnd type="none" w="med" len="med"/>
+                    </a:lnR>
+                    <a:lnT w="10157" cap="flat" cmpd="sng" algn="ctr">
+                      <a:solidFill>
+                        <a:srgbClr val="000000"/>
+                      </a:solidFill>
+                      <a:prstDash val="solid"/>
+                      <a:round/>
+                      <a:headEnd type="none" w="med" len="med"/>
+                      <a:tailEnd type="none" w="med" len="med"/>
+                    </a:lnT>
+                    <a:lnB w="10157" cap="flat" cmpd="sng" algn="ctr">
+                      <a:solidFill>
+                        <a:srgbClr val="000000"/>
+                      </a:solidFill>
+                      <a:prstDash val="solid"/>
+                      <a:round/>
+                      <a:headEnd type="none" w="med" len="med"/>
+                      <a:tailEnd type="none" w="med" len="med"/>
+                    </a:lnB>
+                    <a:solidFill>
+                      <a:srgbClr val="F0F0F0"/>
+                    </a:solidFill>
+                  </a:tcPr>
+                </a:tc>
+                <a:tc>
+                  <a:txBody>
+                    <a:bodyPr/>
+                    <a:lstStyle/>
+                    <a:p>
+                      <a:pPr fontAlgn="t"/>
+                      <a:r>
+                        <a:rPr lang="fr-FR">
+                          <a:effectLst/>
+                        </a:rPr>
+                        <a:t> </a:t>
+                      </a:r>
+                    </a:p>
+                  </a:txBody>
+                  <a:tcPr marL="76200" marR="76200" marT="38100" marB="38100">
+                    <a:lnL w="10157" cap="flat" cmpd="sng" algn="ctr">
+                      <a:solidFill>
+                        <a:srgbClr val="000000"/>
+                      </a:solidFill>
+                      <a:prstDash val="solid"/>
+                      <a:round/>
+                      <a:headEnd type="none" w="med" len="med"/>
+                      <a:tailEnd type="none" w="med" len="med"/>
+                    </a:lnL>
+                    <a:lnR w="10157" cap="flat" cmpd="sng" algn="ctr">
+                      <a:solidFill>
+                        <a:srgbClr val="000000"/>
+                      </a:solidFill>
+                      <a:prstDash val="solid"/>
+                      <a:round/>
+                      <a:headEnd type="none" w="med" len="med"/>
+                      <a:tailEnd type="none" w="med" len="med"/>
+                    </a:lnR>
+                    <a:lnT w="10157" cap="flat" cmpd="sng" algn="ctr">
+                      <a:solidFill>
+                        <a:srgbClr val="000000"/>
+                      </a:solidFill>
+                      <a:prstDash val="solid"/>
+                      <a:round/>
+                      <a:headEnd type="none" w="med" len="med"/>
+                      <a:tailEnd type="none" w="med" len="med"/>
+                    </a:lnT>
+                    <a:lnB w="10157" cap="flat" cmpd="sng" algn="ctr">
+                      <a:solidFill>
+                        <a:srgbClr val="000000"/>
+                      </a:solidFill>
+                      <a:prstDash val="solid"/>
+                      <a:round/>
+                      <a:headEnd type="none" w="med" len="med"/>
+                      <a:tailEnd type="none" w="med" len="med"/>
+                    </a:lnB>
+                    <a:solidFill>
+                      <a:srgbClr val="F0F0F0"/>
+                    </a:solidFill>
+                  </a:tcPr>
+                </a:tc>
+                <a:tc>
+                  <a:txBody>
+                    <a:bodyPr/>
+                    <a:lstStyle/>
+                    <a:p>
+                      <a:pPr fontAlgn="t"/>
+                      <a:r>
+                        <a:rPr lang="fr-FR">
+                          <a:effectLst/>
+                        </a:rPr>
+                        <a:t> </a:t>
+                      </a:r>
+                    </a:p>
+                  </a:txBody>
+                  <a:tcPr marL="76200" marR="76200" marT="38100" marB="38100">
+                    <a:lnL w="10157" cap="flat" cmpd="sng" algn="ctr">
+                      <a:solidFill>
+                        <a:srgbClr val="000000"/>
+                      </a:solidFill>
+                      <a:prstDash val="solid"/>
+                      <a:round/>
+                      <a:headEnd type="none" w="med" len="med"/>
+                      <a:tailEnd type="none" w="med" len="med"/>
+                    </a:lnL>
+                    <a:lnR w="10157" cap="flat" cmpd="sng" algn="ctr">
+                      <a:solidFill>
+                        <a:srgbClr val="000000"/>
+                      </a:solidFill>
+                      <a:prstDash val="solid"/>
+                      <a:round/>
+                      <a:headEnd type="none" w="med" len="med"/>
+                      <a:tailEnd type="none" w="med" len="med"/>
+                    </a:lnR>
+                    <a:lnT w="10157" cap="flat" cmpd="sng" algn="ctr">
+                      <a:solidFill>
+                        <a:srgbClr val="000000"/>
+                      </a:solidFill>
+                      <a:prstDash val="solid"/>
+                      <a:round/>
+                      <a:headEnd type="none" w="med" len="med"/>
+                      <a:tailEnd type="none" w="med" len="med"/>
+                    </a:lnT>
+                    <a:lnB w="10157" cap="flat" cmpd="sng" algn="ctr">
+                      <a:solidFill>
+                        <a:srgbClr val="000000"/>
+                      </a:solidFill>
+                      <a:prstDash val="solid"/>
+                      <a:round/>
+                      <a:headEnd type="none" w="med" len="med"/>
+                      <a:tailEnd type="none" w="med" len="med"/>
+                    </a:lnB>
+                    <a:solidFill>
+                      <a:srgbClr val="F0F0F0"/>
+                    </a:solidFill>
+                  </a:tcPr>
+                </a:tc>
+                <a:tc>
+                  <a:txBody>
+                    <a:bodyPr/>
+                    <a:lstStyle/>
+                    <a:p>
+                      <a:pPr fontAlgn="t"/>
+                      <a:r>
+                        <a:rPr lang="fr-FR">
+                          <a:effectLst/>
+                        </a:rPr>
+                        <a:t> </a:t>
+                      </a:r>
+                    </a:p>
+                  </a:txBody>
+                  <a:tcPr marL="76200" marR="76200" marT="38100" marB="38100">
+                    <a:lnL w="10157" cap="flat" cmpd="sng" algn="ctr">
+                      <a:solidFill>
+                        <a:srgbClr val="000000"/>
+                      </a:solidFill>
+                      <a:prstDash val="solid"/>
+                      <a:round/>
+                      <a:headEnd type="none" w="med" len="med"/>
+                      <a:tailEnd type="none" w="med" len="med"/>
+                    </a:lnL>
+                    <a:lnR w="10157" cap="flat" cmpd="sng" algn="ctr">
+                      <a:solidFill>
+                        <a:srgbClr val="000000"/>
+                      </a:solidFill>
+                      <a:prstDash val="solid"/>
+                      <a:round/>
+                      <a:headEnd type="none" w="med" len="med"/>
+                      <a:tailEnd type="none" w="med" len="med"/>
+                    </a:lnR>
+                    <a:lnT w="10157" cap="flat" cmpd="sng" algn="ctr">
+                      <a:solidFill>
+                        <a:srgbClr val="000000"/>
+                      </a:solidFill>
+                      <a:prstDash val="solid"/>
+                      <a:round/>
+                      <a:headEnd type="none" w="med" len="med"/>
+                      <a:tailEnd type="none" w="med" len="med"/>
+                    </a:lnT>
+                    <a:lnB w="10157" cap="flat" cmpd="sng" algn="ctr">
+                      <a:solidFill>
+                        <a:srgbClr val="000000"/>
+                      </a:solidFill>
+                      <a:prstDash val="solid"/>
+                      <a:round/>
+                      <a:headEnd type="none" w="med" len="med"/>
+                      <a:tailEnd type="none" w="med" len="med"/>
+                    </a:lnB>
+                    <a:solidFill>
+                      <a:srgbClr val="F0F0F0"/>
+                    </a:solidFill>
+                  </a:tcPr>
+                </a:tc>
+                <a:tc>
+                  <a:txBody>
+                    <a:bodyPr/>
+                    <a:lstStyle/>
+                    <a:p>
+                      <a:pPr fontAlgn="t"/>
+                      <a:r>
+                        <a:rPr lang="fr-FR">
+                          <a:effectLst/>
+                        </a:rPr>
+                        <a:t> </a:t>
+                      </a:r>
+                    </a:p>
+                  </a:txBody>
+                  <a:tcPr marL="76200" marR="76200" marT="38100" marB="38100">
+                    <a:lnL w="10157" cap="flat" cmpd="sng" algn="ctr">
+                      <a:solidFill>
+                        <a:srgbClr val="000000"/>
+                      </a:solidFill>
+                      <a:prstDash val="solid"/>
+                      <a:round/>
+                      <a:headEnd type="none" w="med" len="med"/>
+                      <a:tailEnd type="none" w="med" len="med"/>
+                    </a:lnL>
+                    <a:lnR w="10157" cap="flat" cmpd="sng" algn="ctr">
+                      <a:solidFill>
+                        <a:srgbClr val="000000"/>
+                      </a:solidFill>
+                      <a:prstDash val="solid"/>
+                      <a:round/>
+                      <a:headEnd type="none" w="med" len="med"/>
+                      <a:tailEnd type="none" w="med" len="med"/>
+                    </a:lnR>
+                    <a:lnT w="10157" cap="flat" cmpd="sng" algn="ctr">
+                      <a:solidFill>
+                        <a:srgbClr val="000000"/>
+                      </a:solidFill>
+                      <a:prstDash val="solid"/>
+                      <a:round/>
+                      <a:headEnd type="none" w="med" len="med"/>
+                      <a:tailEnd type="none" w="med" len="med"/>
+                    </a:lnT>
+                    <a:lnB w="10157" cap="flat" cmpd="sng" algn="ctr">
+                      <a:solidFill>
+                        <a:srgbClr val="000000"/>
+                      </a:solidFill>
+                      <a:prstDash val="solid"/>
+                      <a:round/>
+                      <a:headEnd type="none" w="med" len="med"/>
+                      <a:tailEnd type="none" w="med" len="med"/>
+                    </a:lnB>
+                    <a:solidFill>
+                      <a:srgbClr val="F0F0F0"/>
+                    </a:solidFill>
+                  </a:tcPr>
+                </a:tc>
+                <a:extLst>
+                  <a:ext uri="{0D108BD9-81ED-4DB2-BD59-A6C34878D82A}">
+                    <a16:rowId xmlns:a16="http://schemas.microsoft.com/office/drawing/2014/main" val="4249151929"/>
+                  </a:ext>
+                </a:extLst>
+              </a:tr>
+              <a:tr h="306777">
+                <a:tc>
+                  <a:txBody>
+                    <a:bodyPr/>
+                    <a:lstStyle/>
+                    <a:p>
+                      <a:pPr fontAlgn="t"/>
+                      <a:r>
+                        <a:rPr lang="fr-FR">
+                          <a:effectLst/>
+                        </a:rPr>
+                        <a:t> </a:t>
+                      </a:r>
+                    </a:p>
+                  </a:txBody>
+                  <a:tcPr marL="76200" marR="76200" marT="38100" marB="38100">
+                    <a:lnL w="10157" cap="flat" cmpd="sng" algn="ctr">
+                      <a:solidFill>
+                        <a:srgbClr val="000000"/>
+                      </a:solidFill>
+                      <a:prstDash val="solid"/>
+                      <a:round/>
+                      <a:headEnd type="none" w="med" len="med"/>
+                      <a:tailEnd type="none" w="med" len="med"/>
+                    </a:lnL>
+                    <a:lnR w="10157" cap="flat" cmpd="sng" algn="ctr">
+                      <a:solidFill>
+                        <a:srgbClr val="000000"/>
+                      </a:solidFill>
+                      <a:prstDash val="solid"/>
+                      <a:round/>
+                      <a:headEnd type="none" w="med" len="med"/>
+                      <a:tailEnd type="none" w="med" len="med"/>
+                    </a:lnR>
+                    <a:lnT w="10157" cap="flat" cmpd="sng" algn="ctr">
+                      <a:solidFill>
+                        <a:srgbClr val="000000"/>
+                      </a:solidFill>
+                      <a:prstDash val="solid"/>
+                      <a:round/>
+                      <a:headEnd type="none" w="med" len="med"/>
+                      <a:tailEnd type="none" w="med" len="med"/>
+                    </a:lnT>
+                    <a:lnB w="10157" cap="flat" cmpd="sng" algn="ctr">
+                      <a:solidFill>
+                        <a:srgbClr val="000000"/>
+                      </a:solidFill>
+                      <a:prstDash val="solid"/>
+                      <a:round/>
+                      <a:headEnd type="none" w="med" len="med"/>
+                      <a:tailEnd type="none" w="med" len="med"/>
+                    </a:lnB>
+                    <a:solidFill>
+                      <a:srgbClr val="E0E0E0"/>
+                    </a:solidFill>
+                  </a:tcPr>
+                </a:tc>
+                <a:tc>
+                  <a:txBody>
+                    <a:bodyPr/>
+                    <a:lstStyle/>
+                    <a:p>
+                      <a:pPr rtl="0" fontAlgn="t">
+                        <a:spcBef>
+                          <a:spcPts val="0"/>
+                        </a:spcBef>
+                        <a:spcAft>
+                          <a:spcPts val="0"/>
+                        </a:spcAft>
+                      </a:pPr>
+                      <a:r>
+                        <a:rPr lang="fr-FR" sz="900" b="0" i="0" u="none" strike="noStrike">
+                          <a:solidFill>
+                            <a:srgbClr val="000000"/>
+                          </a:solidFill>
+                          <a:effectLst/>
+                          <a:latin typeface="Arial" panose="020B0604020202020204" pitchFamily="34" charset="0"/>
+                        </a:rPr>
+                        <a:t>FSN.4 :</a:t>
+                      </a:r>
+                      <a:endParaRPr lang="fr-FR">
+                        <a:effectLst/>
+                      </a:endParaRPr>
+                    </a:p>
+                  </a:txBody>
+                  <a:tcPr marL="76200" marR="76200" marT="38100" marB="38100">
+                    <a:lnL w="10157" cap="flat" cmpd="sng" algn="ctr">
+                      <a:solidFill>
+                        <a:srgbClr val="000000"/>
+                      </a:solidFill>
+                      <a:prstDash val="solid"/>
+                      <a:round/>
+                      <a:headEnd type="none" w="med" len="med"/>
+                      <a:tailEnd type="none" w="med" len="med"/>
+                    </a:lnL>
+                    <a:lnR w="10157" cap="flat" cmpd="sng" algn="ctr">
+                      <a:solidFill>
+                        <a:srgbClr val="000000"/>
+                      </a:solidFill>
+                      <a:prstDash val="solid"/>
+                      <a:round/>
+                      <a:headEnd type="none" w="med" len="med"/>
+                      <a:tailEnd type="none" w="med" len="med"/>
+                    </a:lnR>
+                    <a:lnT w="10157" cap="flat" cmpd="sng" algn="ctr">
+                      <a:solidFill>
+                        <a:srgbClr val="000000"/>
+                      </a:solidFill>
+                      <a:prstDash val="solid"/>
+                      <a:round/>
+                      <a:headEnd type="none" w="med" len="med"/>
+                      <a:tailEnd type="none" w="med" len="med"/>
+                    </a:lnT>
+                    <a:lnB w="10157" cap="flat" cmpd="sng" algn="ctr">
+                      <a:solidFill>
+                        <a:srgbClr val="000000"/>
+                      </a:solidFill>
+                      <a:prstDash val="solid"/>
+                      <a:round/>
+                      <a:headEnd type="none" w="med" len="med"/>
+                      <a:tailEnd type="none" w="med" len="med"/>
+                    </a:lnB>
+                    <a:solidFill>
+                      <a:srgbClr val="E0E0E0"/>
+                    </a:solidFill>
+                  </a:tcPr>
+                </a:tc>
+                <a:tc>
+                  <a:txBody>
+                    <a:bodyPr/>
+                    <a:lstStyle/>
+                    <a:p>
+                      <a:pPr fontAlgn="t"/>
+                      <a:r>
+                        <a:rPr lang="fr-FR">
+                          <a:effectLst/>
+                        </a:rPr>
+                        <a:t> </a:t>
+                      </a:r>
+                    </a:p>
+                  </a:txBody>
+                  <a:tcPr marL="76200" marR="76200" marT="38100" marB="38100">
+                    <a:lnL w="10157" cap="flat" cmpd="sng" algn="ctr">
+                      <a:solidFill>
+                        <a:srgbClr val="000000"/>
+                      </a:solidFill>
+                      <a:prstDash val="solid"/>
+                      <a:round/>
+                      <a:headEnd type="none" w="med" len="med"/>
+                      <a:tailEnd type="none" w="med" len="med"/>
+                    </a:lnL>
+                    <a:lnR w="10157" cap="flat" cmpd="sng" algn="ctr">
+                      <a:solidFill>
+                        <a:srgbClr val="000000"/>
+                      </a:solidFill>
+                      <a:prstDash val="solid"/>
+                      <a:round/>
+                      <a:headEnd type="none" w="med" len="med"/>
+                      <a:tailEnd type="none" w="med" len="med"/>
+                    </a:lnR>
+                    <a:lnT w="10157" cap="flat" cmpd="sng" algn="ctr">
+                      <a:solidFill>
+                        <a:srgbClr val="000000"/>
+                      </a:solidFill>
+                      <a:prstDash val="solid"/>
+                      <a:round/>
+                      <a:headEnd type="none" w="med" len="med"/>
+                      <a:tailEnd type="none" w="med" len="med"/>
+                    </a:lnT>
+                    <a:lnB w="10157" cap="flat" cmpd="sng" algn="ctr">
+                      <a:solidFill>
+                        <a:srgbClr val="000000"/>
+                      </a:solidFill>
+                      <a:prstDash val="solid"/>
+                      <a:round/>
+                      <a:headEnd type="none" w="med" len="med"/>
+                      <a:tailEnd type="none" w="med" len="med"/>
+                    </a:lnB>
+                    <a:solidFill>
+                      <a:srgbClr val="E0E0E0"/>
+                    </a:solidFill>
+                  </a:tcPr>
+                </a:tc>
+                <a:tc>
+                  <a:txBody>
+                    <a:bodyPr/>
+                    <a:lstStyle/>
+                    <a:p>
+                      <a:pPr fontAlgn="t"/>
+                      <a:r>
+                        <a:rPr lang="fr-FR">
+                          <a:effectLst/>
+                        </a:rPr>
+                        <a:t> </a:t>
+                      </a:r>
+                    </a:p>
+                  </a:txBody>
+                  <a:tcPr marL="76200" marR="76200" marT="38100" marB="38100">
+                    <a:lnL w="10157" cap="flat" cmpd="sng" algn="ctr">
+                      <a:solidFill>
+                        <a:srgbClr val="000000"/>
+                      </a:solidFill>
+                      <a:prstDash val="solid"/>
+                      <a:round/>
+                      <a:headEnd type="none" w="med" len="med"/>
+                      <a:tailEnd type="none" w="med" len="med"/>
+                    </a:lnL>
+                    <a:lnR w="10157" cap="flat" cmpd="sng" algn="ctr">
+                      <a:solidFill>
+                        <a:srgbClr val="000000"/>
+                      </a:solidFill>
+                      <a:prstDash val="solid"/>
+                      <a:round/>
+                      <a:headEnd type="none" w="med" len="med"/>
+                      <a:tailEnd type="none" w="med" len="med"/>
+                    </a:lnR>
+                    <a:lnT w="10157" cap="flat" cmpd="sng" algn="ctr">
+                      <a:solidFill>
+                        <a:srgbClr val="000000"/>
+                      </a:solidFill>
+                      <a:prstDash val="solid"/>
+                      <a:round/>
+                      <a:headEnd type="none" w="med" len="med"/>
+                      <a:tailEnd type="none" w="med" len="med"/>
+                    </a:lnT>
+                    <a:lnB w="10157" cap="flat" cmpd="sng" algn="ctr">
+                      <a:solidFill>
+                        <a:srgbClr val="000000"/>
+                      </a:solidFill>
+                      <a:prstDash val="solid"/>
+                      <a:round/>
+                      <a:headEnd type="none" w="med" len="med"/>
+                      <a:tailEnd type="none" w="med" len="med"/>
+                    </a:lnB>
+                    <a:solidFill>
+                      <a:srgbClr val="E0E0E0"/>
+                    </a:solidFill>
+                  </a:tcPr>
+                </a:tc>
+                <a:tc>
+                  <a:txBody>
+                    <a:bodyPr/>
+                    <a:lstStyle/>
+                    <a:p>
+                      <a:pPr fontAlgn="t"/>
+                      <a:r>
+                        <a:rPr lang="fr-FR">
+                          <a:effectLst/>
+                        </a:rPr>
+                        <a:t> </a:t>
+                      </a:r>
+                    </a:p>
+                  </a:txBody>
+                  <a:tcPr marL="76200" marR="76200" marT="38100" marB="38100">
+                    <a:lnL w="10157" cap="flat" cmpd="sng" algn="ctr">
+                      <a:solidFill>
+                        <a:srgbClr val="000000"/>
+                      </a:solidFill>
+                      <a:prstDash val="solid"/>
+                      <a:round/>
+                      <a:headEnd type="none" w="med" len="med"/>
+                      <a:tailEnd type="none" w="med" len="med"/>
+                    </a:lnL>
+                    <a:lnR w="10157" cap="flat" cmpd="sng" algn="ctr">
+                      <a:solidFill>
+                        <a:srgbClr val="000000"/>
+                      </a:solidFill>
+                      <a:prstDash val="solid"/>
+                      <a:round/>
+                      <a:headEnd type="none" w="med" len="med"/>
+                      <a:tailEnd type="none" w="med" len="med"/>
+                    </a:lnR>
+                    <a:lnT w="10157" cap="flat" cmpd="sng" algn="ctr">
+                      <a:solidFill>
+                        <a:srgbClr val="000000"/>
+                      </a:solidFill>
+                      <a:prstDash val="solid"/>
+                      <a:round/>
+                      <a:headEnd type="none" w="med" len="med"/>
+                      <a:tailEnd type="none" w="med" len="med"/>
+                    </a:lnT>
+                    <a:lnB w="10157" cap="flat" cmpd="sng" algn="ctr">
+                      <a:solidFill>
+                        <a:srgbClr val="000000"/>
+                      </a:solidFill>
+                      <a:prstDash val="solid"/>
+                      <a:round/>
+                      <a:headEnd type="none" w="med" len="med"/>
+                      <a:tailEnd type="none" w="med" len="med"/>
+                    </a:lnB>
+                    <a:solidFill>
+                      <a:srgbClr val="E0E0E0"/>
+                    </a:solidFill>
+                  </a:tcPr>
+                </a:tc>
+                <a:tc>
+                  <a:txBody>
+                    <a:bodyPr/>
+                    <a:lstStyle/>
+                    <a:p>
+                      <a:pPr fontAlgn="t"/>
+                      <a:r>
+                        <a:rPr lang="fr-FR">
+                          <a:effectLst/>
+                        </a:rPr>
+                        <a:t> </a:t>
+                      </a:r>
+                    </a:p>
+                  </a:txBody>
+                  <a:tcPr marL="76200" marR="76200" marT="38100" marB="38100">
+                    <a:lnL w="10157" cap="flat" cmpd="sng" algn="ctr">
+                      <a:solidFill>
+                        <a:srgbClr val="000000"/>
+                      </a:solidFill>
+                      <a:prstDash val="solid"/>
+                      <a:round/>
+                      <a:headEnd type="none" w="med" len="med"/>
+                      <a:tailEnd type="none" w="med" len="med"/>
+                    </a:lnL>
+                    <a:lnR w="10157" cap="flat" cmpd="sng" algn="ctr">
+                      <a:solidFill>
+                        <a:srgbClr val="000000"/>
+                      </a:solidFill>
+                      <a:prstDash val="solid"/>
+                      <a:round/>
+                      <a:headEnd type="none" w="med" len="med"/>
+                      <a:tailEnd type="none" w="med" len="med"/>
+                    </a:lnR>
+                    <a:lnT w="10157" cap="flat" cmpd="sng" algn="ctr">
+                      <a:solidFill>
+                        <a:srgbClr val="000000"/>
+                      </a:solidFill>
+                      <a:prstDash val="solid"/>
+                      <a:round/>
+                      <a:headEnd type="none" w="med" len="med"/>
+                      <a:tailEnd type="none" w="med" len="med"/>
+                    </a:lnT>
+                    <a:lnB w="10157" cap="flat" cmpd="sng" algn="ctr">
+                      <a:solidFill>
+                        <a:srgbClr val="000000"/>
+                      </a:solidFill>
+                      <a:prstDash val="solid"/>
+                      <a:round/>
+                      <a:headEnd type="none" w="med" len="med"/>
+                      <a:tailEnd type="none" w="med" len="med"/>
+                    </a:lnB>
+                    <a:solidFill>
+                      <a:srgbClr val="E0E0E0"/>
+                    </a:solidFill>
+                  </a:tcPr>
+                </a:tc>
+                <a:extLst>
+                  <a:ext uri="{0D108BD9-81ED-4DB2-BD59-A6C34878D82A}">
+                    <a16:rowId xmlns:a16="http://schemas.microsoft.com/office/drawing/2014/main" val="2623876923"/>
+                  </a:ext>
+                </a:extLst>
+              </a:tr>
+              <a:tr h="306777">
+                <a:tc>
+                  <a:txBody>
+                    <a:bodyPr/>
+                    <a:lstStyle/>
+                    <a:p>
+                      <a:pPr fontAlgn="t"/>
+                      <a:r>
+                        <a:rPr lang="fr-FR">
+                          <a:effectLst/>
+                        </a:rPr>
+                        <a:t> </a:t>
+                      </a:r>
+                    </a:p>
+                  </a:txBody>
+                  <a:tcPr marL="76200" marR="76200" marT="38100" marB="38100">
+                    <a:lnL w="10157" cap="flat" cmpd="sng" algn="ctr">
+                      <a:solidFill>
+                        <a:srgbClr val="000000"/>
+                      </a:solidFill>
+                      <a:prstDash val="solid"/>
+                      <a:round/>
+                      <a:headEnd type="none" w="med" len="med"/>
+                      <a:tailEnd type="none" w="med" len="med"/>
+                    </a:lnL>
+                    <a:lnR w="10157" cap="flat" cmpd="sng" algn="ctr">
+                      <a:solidFill>
+                        <a:srgbClr val="000000"/>
+                      </a:solidFill>
+                      <a:prstDash val="solid"/>
+                      <a:round/>
+                      <a:headEnd type="none" w="med" len="med"/>
+                      <a:tailEnd type="none" w="med" len="med"/>
+                    </a:lnR>
+                    <a:lnT w="10157" cap="flat" cmpd="sng" algn="ctr">
+                      <a:solidFill>
+                        <a:srgbClr val="000000"/>
+                      </a:solidFill>
+                      <a:prstDash val="solid"/>
+                      <a:round/>
+                      <a:headEnd type="none" w="med" len="med"/>
+                      <a:tailEnd type="none" w="med" len="med"/>
+                    </a:lnT>
+                    <a:lnB w="10157" cap="flat" cmpd="sng" algn="ctr">
+                      <a:solidFill>
+                        <a:srgbClr val="000000"/>
+                      </a:solidFill>
+                      <a:prstDash val="solid"/>
+                      <a:round/>
+                      <a:headEnd type="none" w="med" len="med"/>
+                      <a:tailEnd type="none" w="med" len="med"/>
+                    </a:lnB>
+                    <a:solidFill>
+                      <a:srgbClr val="F0F0F0"/>
+                    </a:solidFill>
+                  </a:tcPr>
+                </a:tc>
+                <a:tc>
+                  <a:txBody>
+                    <a:bodyPr/>
+                    <a:lstStyle/>
+                    <a:p>
+                      <a:pPr rtl="0" fontAlgn="t">
+                        <a:spcBef>
+                          <a:spcPts val="0"/>
+                        </a:spcBef>
+                        <a:spcAft>
+                          <a:spcPts val="0"/>
+                        </a:spcAft>
+                      </a:pPr>
+                      <a:r>
+                        <a:rPr lang="fr-FR" sz="900" b="0" i="0" u="none" strike="noStrike">
+                          <a:solidFill>
+                            <a:srgbClr val="000000"/>
+                          </a:solidFill>
+                          <a:effectLst/>
+                          <a:latin typeface="Arial" panose="020B0604020202020204" pitchFamily="34" charset="0"/>
+                        </a:rPr>
+                        <a:t>FSN.5 :</a:t>
+                      </a:r>
+                      <a:endParaRPr lang="fr-FR">
+                        <a:effectLst/>
+                      </a:endParaRPr>
+                    </a:p>
+                  </a:txBody>
+                  <a:tcPr marL="76200" marR="76200" marT="38100" marB="38100">
+                    <a:lnL w="10157" cap="flat" cmpd="sng" algn="ctr">
+                      <a:solidFill>
+                        <a:srgbClr val="000000"/>
+                      </a:solidFill>
+                      <a:prstDash val="solid"/>
+                      <a:round/>
+                      <a:headEnd type="none" w="med" len="med"/>
+                      <a:tailEnd type="none" w="med" len="med"/>
+                    </a:lnL>
+                    <a:lnR w="10157" cap="flat" cmpd="sng" algn="ctr">
+                      <a:solidFill>
+                        <a:srgbClr val="000000"/>
+                      </a:solidFill>
+                      <a:prstDash val="solid"/>
+                      <a:round/>
+                      <a:headEnd type="none" w="med" len="med"/>
+                      <a:tailEnd type="none" w="med" len="med"/>
+                    </a:lnR>
+                    <a:lnT w="10157" cap="flat" cmpd="sng" algn="ctr">
+                      <a:solidFill>
+                        <a:srgbClr val="000000"/>
+                      </a:solidFill>
+                      <a:prstDash val="solid"/>
+                      <a:round/>
+                      <a:headEnd type="none" w="med" len="med"/>
+                      <a:tailEnd type="none" w="med" len="med"/>
+                    </a:lnT>
+                    <a:lnB w="10157" cap="flat" cmpd="sng" algn="ctr">
+                      <a:solidFill>
+                        <a:srgbClr val="000000"/>
+                      </a:solidFill>
+                      <a:prstDash val="solid"/>
+                      <a:round/>
+                      <a:headEnd type="none" w="med" len="med"/>
+                      <a:tailEnd type="none" w="med" len="med"/>
+                    </a:lnB>
+                    <a:solidFill>
+                      <a:srgbClr val="F0F0F0"/>
+                    </a:solidFill>
+                  </a:tcPr>
+                </a:tc>
+                <a:tc>
+                  <a:txBody>
+                    <a:bodyPr/>
+                    <a:lstStyle/>
+                    <a:p>
+                      <a:pPr fontAlgn="t"/>
+                      <a:r>
+                        <a:rPr lang="fr-FR">
+                          <a:effectLst/>
+                        </a:rPr>
+                        <a:t> </a:t>
+                      </a:r>
+                    </a:p>
+                  </a:txBody>
+                  <a:tcPr marL="76200" marR="76200" marT="38100" marB="38100">
+                    <a:lnL w="10157" cap="flat" cmpd="sng" algn="ctr">
+                      <a:solidFill>
+                        <a:srgbClr val="000000"/>
+                      </a:solidFill>
+                      <a:prstDash val="solid"/>
+                      <a:round/>
+                      <a:headEnd type="none" w="med" len="med"/>
+                      <a:tailEnd type="none" w="med" len="med"/>
+                    </a:lnL>
+                    <a:lnR w="10157" cap="flat" cmpd="sng" algn="ctr">
+                      <a:solidFill>
+                        <a:srgbClr val="000000"/>
+                      </a:solidFill>
+                      <a:prstDash val="solid"/>
+                      <a:round/>
+                      <a:headEnd type="none" w="med" len="med"/>
+                      <a:tailEnd type="none" w="med" len="med"/>
+                    </a:lnR>
+                    <a:lnT w="10157" cap="flat" cmpd="sng" algn="ctr">
+                      <a:solidFill>
+                        <a:srgbClr val="000000"/>
+                      </a:solidFill>
+                      <a:prstDash val="solid"/>
+                      <a:round/>
+                      <a:headEnd type="none" w="med" len="med"/>
+                      <a:tailEnd type="none" w="med" len="med"/>
+                    </a:lnT>
+                    <a:lnB w="10157" cap="flat" cmpd="sng" algn="ctr">
+                      <a:solidFill>
+                        <a:srgbClr val="000000"/>
+                      </a:solidFill>
+                      <a:prstDash val="solid"/>
+                      <a:round/>
+                      <a:headEnd type="none" w="med" len="med"/>
+                      <a:tailEnd type="none" w="med" len="med"/>
+                    </a:lnB>
+                    <a:solidFill>
+                      <a:srgbClr val="F0F0F0"/>
+                    </a:solidFill>
+                  </a:tcPr>
+                </a:tc>
+                <a:tc>
+                  <a:txBody>
+                    <a:bodyPr/>
+                    <a:lstStyle/>
+                    <a:p>
+                      <a:pPr fontAlgn="t"/>
+                      <a:r>
+                        <a:rPr lang="fr-FR">
+                          <a:effectLst/>
+                        </a:rPr>
+                        <a:t> </a:t>
+                      </a:r>
+                    </a:p>
+                  </a:txBody>
+                  <a:tcPr marL="76200" marR="76200" marT="38100" marB="38100">
+                    <a:lnL w="10157" cap="flat" cmpd="sng" algn="ctr">
+                      <a:solidFill>
+                        <a:srgbClr val="000000"/>
+                      </a:solidFill>
+                      <a:prstDash val="solid"/>
+                      <a:round/>
+                      <a:headEnd type="none" w="med" len="med"/>
+                      <a:tailEnd type="none" w="med" len="med"/>
+                    </a:lnL>
+                    <a:lnR w="10157" cap="flat" cmpd="sng" algn="ctr">
+                      <a:solidFill>
+                        <a:srgbClr val="000000"/>
+                      </a:solidFill>
+                      <a:prstDash val="solid"/>
+                      <a:round/>
+                      <a:headEnd type="none" w="med" len="med"/>
+                      <a:tailEnd type="none" w="med" len="med"/>
+                    </a:lnR>
+                    <a:lnT w="10157" cap="flat" cmpd="sng" algn="ctr">
+                      <a:solidFill>
+                        <a:srgbClr val="000000"/>
+                      </a:solidFill>
+                      <a:prstDash val="solid"/>
+                      <a:round/>
+                      <a:headEnd type="none" w="med" len="med"/>
+                      <a:tailEnd type="none" w="med" len="med"/>
+                    </a:lnT>
+                    <a:lnB w="10157" cap="flat" cmpd="sng" algn="ctr">
+                      <a:solidFill>
+                        <a:srgbClr val="000000"/>
+                      </a:solidFill>
+                      <a:prstDash val="solid"/>
+                      <a:round/>
+                      <a:headEnd type="none" w="med" len="med"/>
+                      <a:tailEnd type="none" w="med" len="med"/>
+                    </a:lnB>
+                    <a:solidFill>
+                      <a:srgbClr val="F0F0F0"/>
+                    </a:solidFill>
+                  </a:tcPr>
+                </a:tc>
+                <a:tc>
+                  <a:txBody>
+                    <a:bodyPr/>
+                    <a:lstStyle/>
+                    <a:p>
+                      <a:pPr fontAlgn="t"/>
+                      <a:r>
+                        <a:rPr lang="fr-FR">
+                          <a:effectLst/>
+                        </a:rPr>
+                        <a:t> </a:t>
+                      </a:r>
+                    </a:p>
+                  </a:txBody>
+                  <a:tcPr marL="76200" marR="76200" marT="38100" marB="38100">
+                    <a:lnL w="10157" cap="flat" cmpd="sng" algn="ctr">
+                      <a:solidFill>
+                        <a:srgbClr val="000000"/>
+                      </a:solidFill>
+                      <a:prstDash val="solid"/>
+                      <a:round/>
+                      <a:headEnd type="none" w="med" len="med"/>
+                      <a:tailEnd type="none" w="med" len="med"/>
+                    </a:lnL>
+                    <a:lnR w="10157" cap="flat" cmpd="sng" algn="ctr">
+                      <a:solidFill>
+                        <a:srgbClr val="000000"/>
+                      </a:solidFill>
+                      <a:prstDash val="solid"/>
+                      <a:round/>
+                      <a:headEnd type="none" w="med" len="med"/>
+                      <a:tailEnd type="none" w="med" len="med"/>
+                    </a:lnR>
+                    <a:lnT w="10157" cap="flat" cmpd="sng" algn="ctr">
+                      <a:solidFill>
+                        <a:srgbClr val="000000"/>
+                      </a:solidFill>
+                      <a:prstDash val="solid"/>
+                      <a:round/>
+                      <a:headEnd type="none" w="med" len="med"/>
+                      <a:tailEnd type="none" w="med" len="med"/>
+                    </a:lnT>
+                    <a:lnB w="10157" cap="flat" cmpd="sng" algn="ctr">
+                      <a:solidFill>
+                        <a:srgbClr val="000000"/>
+                      </a:solidFill>
+                      <a:prstDash val="solid"/>
+                      <a:round/>
+                      <a:headEnd type="none" w="med" len="med"/>
+                      <a:tailEnd type="none" w="med" len="med"/>
+                    </a:lnB>
+                    <a:solidFill>
+                      <a:srgbClr val="F0F0F0"/>
+                    </a:solidFill>
+                  </a:tcPr>
+                </a:tc>
+                <a:tc>
+                  <a:txBody>
+                    <a:bodyPr/>
+                    <a:lstStyle/>
+                    <a:p>
+                      <a:pPr fontAlgn="t"/>
+                      <a:r>
+                        <a:rPr lang="fr-FR" dirty="0">
+                          <a:effectLst/>
+                        </a:rPr>
+                        <a:t> </a:t>
+                      </a:r>
+                    </a:p>
+                  </a:txBody>
+                  <a:tcPr marL="76200" marR="76200" marT="38100" marB="38100">
+                    <a:lnL w="10157" cap="flat" cmpd="sng" algn="ctr">
+                      <a:solidFill>
+                        <a:srgbClr val="000000"/>
+                      </a:solidFill>
+                      <a:prstDash val="solid"/>
+                      <a:round/>
+                      <a:headEnd type="none" w="med" len="med"/>
+                      <a:tailEnd type="none" w="med" len="med"/>
+                    </a:lnL>
+                    <a:lnR w="10157" cap="flat" cmpd="sng" algn="ctr">
+                      <a:solidFill>
+                        <a:srgbClr val="000000"/>
+                      </a:solidFill>
+                      <a:prstDash val="solid"/>
+                      <a:round/>
+                      <a:headEnd type="none" w="med" len="med"/>
+                      <a:tailEnd type="none" w="med" len="med"/>
+                    </a:lnR>
+                    <a:lnT w="10157" cap="flat" cmpd="sng" algn="ctr">
+                      <a:solidFill>
+                        <a:srgbClr val="000000"/>
+                      </a:solidFill>
+                      <a:prstDash val="solid"/>
+                      <a:round/>
+                      <a:headEnd type="none" w="med" len="med"/>
+                      <a:tailEnd type="none" w="med" len="med"/>
+                    </a:lnT>
+                    <a:lnB w="10157" cap="flat" cmpd="sng" algn="ctr">
+                      <a:solidFill>
+                        <a:srgbClr val="000000"/>
+                      </a:solidFill>
+                      <a:prstDash val="solid"/>
+                      <a:round/>
+                      <a:headEnd type="none" w="med" len="med"/>
+                      <a:tailEnd type="none" w="med" len="med"/>
+                    </a:lnB>
+                    <a:solidFill>
+                      <a:srgbClr val="F0F0F0"/>
+                    </a:solidFill>
+                  </a:tcPr>
+                </a:tc>
+                <a:extLst>
+                  <a:ext uri="{0D108BD9-81ED-4DB2-BD59-A6C34878D82A}">
+                    <a16:rowId xmlns:a16="http://schemas.microsoft.com/office/drawing/2014/main" val="2617446754"/>
+                  </a:ext>
+                </a:extLst>
+              </a:tr>
+            </a:tbl>
+          </a:graphicData>
+        </a:graphic>
+      </p:graphicFrame>
+      <p:sp>
+        <p:nvSpPr>
+          <p:cNvPr id="6" name="Rectangle 5">
+            <a:extLst>
+              <a:ext uri="{FF2B5EF4-FFF2-40B4-BE49-F238E27FC236}">
+                <a16:creationId xmlns:a16="http://schemas.microsoft.com/office/drawing/2014/main" id="{A88915B6-D970-4BE2-8644-FFE5942DE4BE}"/>
+              </a:ext>
+            </a:extLst>
+          </p:cNvPr>
+          <p:cNvSpPr/>
+          <p:nvPr/>
+        </p:nvSpPr>
+        <p:spPr>
+          <a:xfrm>
+            <a:off x="0" y="0"/>
+            <a:ext cx="4184158" cy="523220"/>
+          </a:xfrm>
+          <a:prstGeom prst="rect">
+            <a:avLst/>
+          </a:prstGeom>
+        </p:spPr>
+        <p:txBody>
+          <a:bodyPr wrap="none">
+            <a:spAutoFit/>
+          </a:bodyPr>
+          <a:lstStyle/>
+          <a:p>
+            <a:pPr algn="ctr"/>
+            <a:r>
+              <a:rPr lang="fr-FR" sz="2800" b="1" u="sng" dirty="0">
+                <a:solidFill>
+                  <a:srgbClr val="C00000"/>
+                </a:solidFill>
+                <a:latin typeface="Calibri" panose="020F0502020204030204" pitchFamily="34" charset="0"/>
+              </a:rPr>
+              <a:t>TOP </a:t>
+            </a:r>
+            <a:r>
+              <a:rPr lang="fr-FR" sz="2400" b="1" u="sng" dirty="0">
+                <a:solidFill>
+                  <a:srgbClr val="C00000"/>
+                </a:solidFill>
+                <a:latin typeface="Calibri" panose="020F0502020204030204" pitchFamily="34" charset="0"/>
+              </a:rPr>
+              <a:t>Pré-Dim</a:t>
+            </a:r>
+            <a:r>
+              <a:rPr lang="fr-FR" sz="2800" b="1" u="sng" dirty="0">
+                <a:solidFill>
+                  <a:srgbClr val="C00000"/>
+                </a:solidFill>
+                <a:latin typeface="Calibri" panose="020F0502020204030204" pitchFamily="34" charset="0"/>
+              </a:rPr>
+              <a:t> :</a:t>
+            </a:r>
+            <a:r>
+              <a:rPr lang="fr-FR" sz="2800" b="1" u="sng" dirty="0">
+                <a:latin typeface="Calibri" panose="020F0502020204030204" pitchFamily="34" charset="0"/>
+              </a:rPr>
+              <a:t> Département</a:t>
+            </a:r>
+            <a:endParaRPr lang="fr-FR" sz="2800" dirty="0">
+              <a:effectLst/>
+            </a:endParaRPr>
+          </a:p>
+        </p:txBody>
+      </p:sp>
+      <p:sp>
+        <p:nvSpPr>
+          <p:cNvPr id="7" name="Rectangle 6">
+            <a:extLst>
+              <a:ext uri="{FF2B5EF4-FFF2-40B4-BE49-F238E27FC236}">
+                <a16:creationId xmlns:a16="http://schemas.microsoft.com/office/drawing/2014/main" id="{AFCDF0FC-59A3-43B4-BDEE-B048B06714C5}"/>
+              </a:ext>
+            </a:extLst>
+          </p:cNvPr>
+          <p:cNvSpPr/>
+          <p:nvPr/>
+        </p:nvSpPr>
+        <p:spPr>
+          <a:xfrm>
+            <a:off x="0" y="523220"/>
+            <a:ext cx="6096000" cy="477054"/>
+          </a:xfrm>
+          <a:prstGeom prst="rect">
+            <a:avLst/>
+          </a:prstGeom>
+          <a:ln>
+            <a:solidFill>
+              <a:schemeClr val="tx1"/>
+            </a:solidFill>
+          </a:ln>
+        </p:spPr>
+        <p:txBody>
+          <a:bodyPr>
+            <a:spAutoFit/>
+          </a:bodyPr>
+          <a:lstStyle/>
+          <a:p>
+            <a:r>
+              <a:rPr lang="fr-FR" b="1" dirty="0">
+                <a:latin typeface="Arial" panose="020B0604020202020204" pitchFamily="34" charset="0"/>
+              </a:rPr>
+              <a:t>Nom de la pièce, Nomenclature</a:t>
+            </a:r>
+            <a:endParaRPr lang="fr-FR" dirty="0"/>
+          </a:p>
+          <a:p>
+            <a:r>
+              <a:rPr lang="fr-FR" sz="1100" dirty="0">
+                <a:latin typeface="Arial" panose="020B0604020202020204" pitchFamily="34" charset="0"/>
+              </a:rPr>
+              <a:t>Fonction de la pièce</a:t>
+            </a:r>
+            <a:endParaRPr lang="fr-FR" sz="1600" dirty="0">
+              <a:effectLst/>
+            </a:endParaRPr>
+          </a:p>
+        </p:txBody>
+      </p:sp>
+      <p:sp>
+        <p:nvSpPr>
+          <p:cNvPr id="10" name="Rectangle 9">
+            <a:extLst>
+              <a:ext uri="{FF2B5EF4-FFF2-40B4-BE49-F238E27FC236}">
+                <a16:creationId xmlns:a16="http://schemas.microsoft.com/office/drawing/2014/main" id="{B4F2EB32-2C56-4533-9183-467963559E6B}"/>
+              </a:ext>
+            </a:extLst>
+          </p:cNvPr>
+          <p:cNvSpPr/>
+          <p:nvPr/>
+        </p:nvSpPr>
+        <p:spPr>
+          <a:xfrm>
+            <a:off x="0" y="1000274"/>
+            <a:ext cx="6096000" cy="1708160"/>
+          </a:xfrm>
+          <a:prstGeom prst="rect">
+            <a:avLst/>
+          </a:prstGeom>
+          <a:ln>
+            <a:solidFill>
+              <a:schemeClr val="tx1"/>
+            </a:solidFill>
+          </a:ln>
+        </p:spPr>
+        <p:txBody>
+          <a:bodyPr>
+            <a:spAutoFit/>
+          </a:bodyPr>
+          <a:lstStyle/>
+          <a:p>
+            <a:r>
+              <a:rPr lang="fr-FR" b="1" dirty="0">
+                <a:latin typeface="Arial" panose="020B0604020202020204" pitchFamily="34" charset="0"/>
+              </a:rPr>
+              <a:t>Exigences et cas de charges</a:t>
+            </a:r>
+            <a:endParaRPr lang="fr-FR" dirty="0"/>
+          </a:p>
+          <a:p>
+            <a:r>
+              <a:rPr lang="fr-FR" sz="1100" dirty="0">
+                <a:latin typeface="Arial" panose="020B0604020202020204" pitchFamily="34" charset="0"/>
+              </a:rPr>
+              <a:t>Performances attendues (vitesse; accélération, rayon de braquage, score compétition, autonomie…) – </a:t>
+            </a:r>
+            <a:r>
+              <a:rPr lang="fr-FR" sz="1100" dirty="0">
+                <a:highlight>
+                  <a:srgbClr val="FF0000"/>
+                </a:highlight>
+                <a:latin typeface="Arial" panose="020B0604020202020204" pitchFamily="34" charset="0"/>
+              </a:rPr>
+              <a:t>requis</a:t>
+            </a:r>
+            <a:endParaRPr lang="fr-FR" sz="1100" dirty="0">
+              <a:highlight>
+                <a:srgbClr val="FF0000"/>
+              </a:highlight>
+            </a:endParaRPr>
+          </a:p>
+          <a:p>
+            <a:r>
+              <a:rPr lang="fr-FR" sz="1100" dirty="0">
+                <a:latin typeface="Arial" panose="020B0604020202020204" pitchFamily="34" charset="0"/>
+              </a:rPr>
+              <a:t>Sollicitations (thermique, mécanique statique et dynamique, aérodynamique, électriques…)</a:t>
+            </a:r>
+            <a:endParaRPr lang="fr-FR" sz="1100" dirty="0"/>
+          </a:p>
+          <a:p>
+            <a:br>
+              <a:rPr lang="fr-FR" sz="1100" dirty="0"/>
+            </a:br>
+            <a:r>
+              <a:rPr lang="fr-FR" sz="1100" dirty="0">
+                <a:latin typeface="Arial" panose="020B0604020202020204" pitchFamily="34" charset="0"/>
+              </a:rPr>
+              <a:t>Cas normal – </a:t>
+            </a:r>
+            <a:r>
+              <a:rPr lang="fr-FR" sz="1100" dirty="0">
+                <a:highlight>
+                  <a:srgbClr val="FFFF00"/>
+                </a:highlight>
+                <a:latin typeface="Arial" panose="020B0604020202020204" pitchFamily="34" charset="0"/>
+              </a:rPr>
+              <a:t>facultatif</a:t>
+            </a:r>
+            <a:endParaRPr lang="fr-FR" sz="1100" dirty="0">
+              <a:highlight>
+                <a:srgbClr val="FFFF00"/>
+              </a:highlight>
+            </a:endParaRPr>
+          </a:p>
+          <a:p>
+            <a:r>
+              <a:rPr lang="fr-FR" sz="1100" dirty="0">
+                <a:latin typeface="Arial" panose="020B0604020202020204" pitchFamily="34" charset="0"/>
+              </a:rPr>
+              <a:t>Cas limite – </a:t>
+            </a:r>
+            <a:r>
+              <a:rPr lang="fr-FR" sz="1100" dirty="0">
+                <a:highlight>
+                  <a:srgbClr val="FF0000"/>
+                </a:highlight>
+                <a:latin typeface="Arial" panose="020B0604020202020204" pitchFamily="34" charset="0"/>
+              </a:rPr>
+              <a:t>requis</a:t>
+            </a:r>
+            <a:endParaRPr lang="fr-FR" sz="1100" dirty="0">
+              <a:highlight>
+                <a:srgbClr val="FF0000"/>
+              </a:highlight>
+            </a:endParaRPr>
+          </a:p>
+          <a:p>
+            <a:r>
+              <a:rPr lang="fr-FR" sz="1100" dirty="0">
+                <a:latin typeface="Arial" panose="020B0604020202020204" pitchFamily="34" charset="0"/>
+              </a:rPr>
+              <a:t>Cas ultime – </a:t>
+            </a:r>
+            <a:r>
+              <a:rPr lang="fr-FR" sz="1100" dirty="0">
+                <a:highlight>
+                  <a:srgbClr val="FFFF00"/>
+                </a:highlight>
+                <a:latin typeface="Arial" panose="020B0604020202020204" pitchFamily="34" charset="0"/>
+              </a:rPr>
+              <a:t>facultatif</a:t>
+            </a:r>
+            <a:endParaRPr lang="fr-FR" sz="1100" dirty="0">
+              <a:highlight>
+                <a:srgbClr val="FFFF00"/>
+              </a:highlight>
+            </a:endParaRPr>
+          </a:p>
+          <a:p>
+            <a:endParaRPr lang="fr-FR" dirty="0"/>
+          </a:p>
+        </p:txBody>
+      </p:sp>
+      <p:sp>
+        <p:nvSpPr>
+          <p:cNvPr id="11" name="Rectangle 10">
+            <a:extLst>
+              <a:ext uri="{FF2B5EF4-FFF2-40B4-BE49-F238E27FC236}">
+                <a16:creationId xmlns:a16="http://schemas.microsoft.com/office/drawing/2014/main" id="{29999DFC-DEA4-450B-8258-69EFE1380C35}"/>
+              </a:ext>
+            </a:extLst>
+          </p:cNvPr>
+          <p:cNvSpPr/>
+          <p:nvPr/>
+        </p:nvSpPr>
+        <p:spPr>
+          <a:xfrm>
+            <a:off x="6096000" y="523220"/>
+            <a:ext cx="6096000" cy="2169825"/>
+          </a:xfrm>
+          <a:prstGeom prst="rect">
+            <a:avLst/>
+          </a:prstGeom>
+          <a:ln>
+            <a:solidFill>
+              <a:schemeClr val="tx1"/>
+            </a:solidFill>
+          </a:ln>
+        </p:spPr>
+        <p:txBody>
+          <a:bodyPr>
+            <a:spAutoFit/>
+          </a:bodyPr>
+          <a:lstStyle/>
+          <a:p>
+            <a:r>
+              <a:rPr lang="fr-FR" b="1" dirty="0">
+                <a:latin typeface="Arial" panose="020B0604020202020204" pitchFamily="34" charset="0"/>
+              </a:rPr>
+              <a:t>Simulations</a:t>
+            </a:r>
+            <a:endParaRPr lang="fr-FR" dirty="0"/>
+          </a:p>
+          <a:p>
+            <a:r>
+              <a:rPr lang="fr-FR" sz="1100" dirty="0">
+                <a:latin typeface="Arial" panose="020B0604020202020204" pitchFamily="34" charset="0"/>
+              </a:rPr>
+              <a:t>Nature de modélisation (modèle 1D, modèle </a:t>
+            </a:r>
+            <a:r>
+              <a:rPr lang="fr-FR" sz="1100" dirty="0" err="1">
+                <a:latin typeface="Arial" panose="020B0604020202020204" pitchFamily="34" charset="0"/>
+              </a:rPr>
+              <a:t>MatLab</a:t>
+            </a:r>
+            <a:r>
+              <a:rPr lang="fr-FR" sz="1100" dirty="0">
+                <a:latin typeface="Arial" panose="020B0604020202020204" pitchFamily="34" charset="0"/>
+              </a:rPr>
+              <a:t>, modèle CATIA…)</a:t>
+            </a:r>
+            <a:endParaRPr lang="fr-FR" sz="1100" dirty="0"/>
+          </a:p>
+          <a:p>
+            <a:br>
+              <a:rPr lang="fr-FR" sz="1100" dirty="0"/>
+            </a:br>
+            <a:r>
+              <a:rPr lang="fr-FR" sz="1100" dirty="0">
+                <a:latin typeface="Arial" panose="020B0604020202020204" pitchFamily="34" charset="0"/>
+              </a:rPr>
+              <a:t>Conditions limites</a:t>
+            </a:r>
+            <a:endParaRPr lang="fr-FR" sz="1100" dirty="0"/>
+          </a:p>
+          <a:p>
+            <a:r>
+              <a:rPr lang="fr-FR" sz="1100" dirty="0">
+                <a:latin typeface="Arial" panose="020B0604020202020204" pitchFamily="34" charset="0"/>
+              </a:rPr>
+              <a:t>Chargements</a:t>
+            </a:r>
+            <a:endParaRPr lang="fr-FR" sz="1100" dirty="0"/>
+          </a:p>
+          <a:p>
+            <a:br>
+              <a:rPr lang="fr-FR" sz="1100" dirty="0"/>
+            </a:br>
+            <a:r>
+              <a:rPr lang="fr-FR" sz="1100" dirty="0">
+                <a:latin typeface="Arial" panose="020B0604020202020204" pitchFamily="34" charset="0"/>
+              </a:rPr>
+              <a:t>Maillage (si éléments finis)</a:t>
+            </a:r>
+            <a:endParaRPr lang="fr-FR" sz="1100" dirty="0"/>
+          </a:p>
+          <a:p>
+            <a:r>
+              <a:rPr lang="fr-FR" sz="1100" dirty="0">
+                <a:latin typeface="Arial" panose="020B0604020202020204" pitchFamily="34" charset="0"/>
+              </a:rPr>
+              <a:t>Post traitement réalisés</a:t>
+            </a:r>
+          </a:p>
+          <a:p>
+            <a:endParaRPr lang="fr-FR" sz="1100" dirty="0">
+              <a:latin typeface="Arial" panose="020B0604020202020204" pitchFamily="34" charset="0"/>
+            </a:endParaRPr>
+          </a:p>
+          <a:p>
+            <a:endParaRPr lang="fr-FR" sz="1100" dirty="0">
+              <a:latin typeface="Arial" panose="020B0604020202020204" pitchFamily="34" charset="0"/>
+            </a:endParaRPr>
+          </a:p>
+          <a:p>
+            <a:endParaRPr lang="fr-FR" sz="1100" dirty="0">
+              <a:latin typeface="Arial" panose="020B0604020202020204" pitchFamily="34" charset="0"/>
+            </a:endParaRPr>
+          </a:p>
+          <a:p>
+            <a:endParaRPr lang="fr-FR" sz="1100" dirty="0">
+              <a:latin typeface="Arial" panose="020B0604020202020204" pitchFamily="34" charset="0"/>
+            </a:endParaRPr>
+          </a:p>
+        </p:txBody>
+      </p:sp>
+      <p:sp>
+        <p:nvSpPr>
+          <p:cNvPr id="12" name="Rectangle 11">
+            <a:extLst>
+              <a:ext uri="{FF2B5EF4-FFF2-40B4-BE49-F238E27FC236}">
+                <a16:creationId xmlns:a16="http://schemas.microsoft.com/office/drawing/2014/main" id="{A0E858D4-A739-4D78-B2B4-F6096936E54A}"/>
+              </a:ext>
+            </a:extLst>
+          </p:cNvPr>
+          <p:cNvSpPr/>
+          <p:nvPr/>
+        </p:nvSpPr>
+        <p:spPr>
+          <a:xfrm>
+            <a:off x="6096000" y="2696379"/>
+            <a:ext cx="6096000" cy="4201150"/>
+          </a:xfrm>
+          <a:prstGeom prst="rect">
+            <a:avLst/>
+          </a:prstGeom>
+          <a:ln>
+            <a:solidFill>
+              <a:schemeClr val="tx1"/>
+            </a:solidFill>
+          </a:ln>
+        </p:spPr>
+        <p:txBody>
+          <a:bodyPr>
+            <a:spAutoFit/>
+          </a:bodyPr>
+          <a:lstStyle/>
+          <a:p>
+            <a:r>
+              <a:rPr lang="fr-FR" b="1" dirty="0">
+                <a:latin typeface="Arial" panose="020B0604020202020204" pitchFamily="34" charset="0"/>
+              </a:rPr>
+              <a:t>Architecture / Sous systèmes</a:t>
+            </a:r>
+            <a:endParaRPr lang="fr-FR" dirty="0"/>
+          </a:p>
+          <a:p>
+            <a:r>
+              <a:rPr lang="fr-FR" sz="1100" dirty="0">
+                <a:latin typeface="Arial" panose="020B0604020202020204" pitchFamily="34" charset="0"/>
+              </a:rPr>
+              <a:t>Architecture générale du véhicule (motorisation, refroidissement…) – </a:t>
+            </a:r>
+            <a:r>
+              <a:rPr lang="fr-FR" sz="1100" dirty="0">
+                <a:highlight>
+                  <a:srgbClr val="FF0000"/>
+                </a:highlight>
+                <a:latin typeface="Arial" panose="020B0604020202020204" pitchFamily="34" charset="0"/>
+              </a:rPr>
+              <a:t>requis</a:t>
+            </a:r>
+            <a:endParaRPr lang="fr-FR" sz="1100" dirty="0">
+              <a:highlight>
+                <a:srgbClr val="FF0000"/>
+              </a:highlight>
+            </a:endParaRPr>
+          </a:p>
+          <a:p>
+            <a:br>
+              <a:rPr lang="fr-FR" sz="1100" dirty="0"/>
+            </a:br>
+            <a:r>
+              <a:rPr lang="fr-FR" sz="1100" dirty="0">
+                <a:latin typeface="Arial" panose="020B0604020202020204" pitchFamily="34" charset="0"/>
+              </a:rPr>
+              <a:t>Justification des choix de sous systèmes vs exigences véhicule – facultatif</a:t>
+            </a:r>
+            <a:endParaRPr lang="fr-FR" sz="1100" dirty="0"/>
+          </a:p>
+          <a:p>
+            <a:r>
+              <a:rPr lang="fr-FR" sz="1100" dirty="0">
+                <a:latin typeface="Arial" panose="020B0604020202020204" pitchFamily="34" charset="0"/>
+              </a:rPr>
+              <a:t>Fonctions et exigences des sous systèmes</a:t>
+            </a:r>
+            <a:endParaRPr lang="fr-FR" sz="1100" dirty="0"/>
+          </a:p>
+          <a:p>
+            <a:br>
+              <a:rPr lang="fr-FR" sz="1100" dirty="0"/>
+            </a:br>
+            <a:r>
+              <a:rPr lang="fr-FR" sz="1100" dirty="0">
+                <a:latin typeface="Arial" panose="020B0604020202020204" pitchFamily="34" charset="0"/>
+              </a:rPr>
+              <a:t>Architecture retenue</a:t>
+            </a:r>
+            <a:endParaRPr lang="fr-FR" sz="1100" dirty="0"/>
+          </a:p>
+          <a:p>
+            <a:r>
+              <a:rPr lang="fr-FR" sz="1100" dirty="0">
+                <a:latin typeface="Arial" panose="020B0604020202020204" pitchFamily="34" charset="0"/>
+              </a:rPr>
+              <a:t>Fonction du sous système</a:t>
+            </a:r>
+            <a:endParaRPr lang="fr-FR" sz="1100" dirty="0"/>
+          </a:p>
+          <a:p>
+            <a:r>
+              <a:rPr lang="fr-FR" sz="1100" dirty="0">
+                <a:latin typeface="Arial" panose="020B0604020202020204" pitchFamily="34" charset="0"/>
+              </a:rPr>
+              <a:t>Procédé de réalisation et matériau – </a:t>
+            </a:r>
+            <a:r>
+              <a:rPr lang="fr-FR" sz="1100" dirty="0">
+                <a:highlight>
+                  <a:srgbClr val="FF0000"/>
+                </a:highlight>
+                <a:latin typeface="Arial" panose="020B0604020202020204" pitchFamily="34" charset="0"/>
+              </a:rPr>
+              <a:t>requis</a:t>
+            </a:r>
+          </a:p>
+          <a:p>
+            <a:endParaRPr lang="fr-FR" sz="1100" dirty="0">
+              <a:effectLst/>
+              <a:latin typeface="Arial" panose="020B0604020202020204" pitchFamily="34" charset="0"/>
+            </a:endParaRPr>
+          </a:p>
+          <a:p>
+            <a:endParaRPr lang="fr-FR" sz="1100" dirty="0">
+              <a:latin typeface="Arial" panose="020B0604020202020204" pitchFamily="34" charset="0"/>
+            </a:endParaRPr>
+          </a:p>
+          <a:p>
+            <a:endParaRPr lang="fr-FR" sz="1100" dirty="0">
+              <a:effectLst/>
+              <a:latin typeface="Arial" panose="020B0604020202020204" pitchFamily="34" charset="0"/>
+            </a:endParaRPr>
+          </a:p>
+          <a:p>
+            <a:endParaRPr lang="fr-FR" sz="1100" dirty="0">
+              <a:latin typeface="Arial" panose="020B0604020202020204" pitchFamily="34" charset="0"/>
+            </a:endParaRPr>
+          </a:p>
+          <a:p>
+            <a:endParaRPr lang="fr-FR" sz="1100" dirty="0">
+              <a:effectLst/>
+              <a:latin typeface="Arial" panose="020B0604020202020204" pitchFamily="34" charset="0"/>
+            </a:endParaRPr>
+          </a:p>
+          <a:p>
+            <a:endParaRPr lang="fr-FR" sz="1100" dirty="0">
+              <a:latin typeface="Arial" panose="020B0604020202020204" pitchFamily="34" charset="0"/>
+            </a:endParaRPr>
+          </a:p>
+          <a:p>
+            <a:endParaRPr lang="fr-FR" sz="1100" dirty="0">
+              <a:effectLst/>
+              <a:latin typeface="Arial" panose="020B0604020202020204" pitchFamily="34" charset="0"/>
+            </a:endParaRPr>
+          </a:p>
+          <a:p>
+            <a:endParaRPr lang="fr-FR" sz="1100" dirty="0">
+              <a:latin typeface="Arial" panose="020B0604020202020204" pitchFamily="34" charset="0"/>
+            </a:endParaRPr>
+          </a:p>
+          <a:p>
+            <a:endParaRPr lang="fr-FR" sz="1100" dirty="0">
+              <a:effectLst/>
+              <a:latin typeface="Arial" panose="020B0604020202020204" pitchFamily="34" charset="0"/>
+            </a:endParaRPr>
+          </a:p>
+          <a:p>
+            <a:endParaRPr lang="fr-FR" sz="1100" dirty="0">
+              <a:latin typeface="Arial" panose="020B0604020202020204" pitchFamily="34" charset="0"/>
+            </a:endParaRPr>
+          </a:p>
+          <a:p>
+            <a:endParaRPr lang="fr-FR" sz="1100" dirty="0">
+              <a:effectLst/>
+              <a:latin typeface="Arial" panose="020B0604020202020204" pitchFamily="34" charset="0"/>
+            </a:endParaRPr>
+          </a:p>
+          <a:p>
+            <a:endParaRPr lang="fr-FR" sz="1100" dirty="0">
+              <a:latin typeface="Arial" panose="020B0604020202020204" pitchFamily="34" charset="0"/>
+            </a:endParaRPr>
+          </a:p>
+          <a:p>
+            <a:endParaRPr lang="fr-FR" sz="1100" dirty="0">
+              <a:effectLst/>
+              <a:latin typeface="Arial" panose="020B0604020202020204" pitchFamily="34" charset="0"/>
+            </a:endParaRPr>
+          </a:p>
+          <a:p>
+            <a:endParaRPr lang="fr-FR" sz="1100" dirty="0">
+              <a:latin typeface="Arial" panose="020B0604020202020204" pitchFamily="34" charset="0"/>
+            </a:endParaRPr>
+          </a:p>
+          <a:p>
+            <a:endParaRPr lang="fr-FR" sz="1100" dirty="0">
+              <a:effectLst/>
+            </a:endParaRPr>
+          </a:p>
+        </p:txBody>
+      </p:sp>
+      <p:sp>
+        <p:nvSpPr>
+          <p:cNvPr id="13" name="Rectangle 12">
+            <a:extLst>
+              <a:ext uri="{FF2B5EF4-FFF2-40B4-BE49-F238E27FC236}">
+                <a16:creationId xmlns:a16="http://schemas.microsoft.com/office/drawing/2014/main" id="{092946D6-67ED-4807-8487-B9209DD8D0C8}"/>
+              </a:ext>
+            </a:extLst>
+          </p:cNvPr>
+          <p:cNvSpPr/>
+          <p:nvPr/>
+        </p:nvSpPr>
+        <p:spPr>
+          <a:xfrm>
+            <a:off x="11079097" y="107721"/>
+            <a:ext cx="473206" cy="307777"/>
+          </a:xfrm>
+          <a:prstGeom prst="rect">
+            <a:avLst/>
+          </a:prstGeom>
+        </p:spPr>
+        <p:txBody>
+          <a:bodyPr wrap="none">
+            <a:spAutoFit/>
+          </a:bodyPr>
+          <a:lstStyle/>
+          <a:p>
+            <a:r>
+              <a:rPr lang="fr-FR" b="1" dirty="0">
+                <a:solidFill>
+                  <a:srgbClr val="C00000"/>
+                </a:solidFill>
+                <a:latin typeface="Arial" panose="020B0604020202020204" pitchFamily="34" charset="0"/>
+              </a:rPr>
+              <a:t>TRI</a:t>
+            </a:r>
+            <a:endParaRPr lang="fr-FR" dirty="0">
+              <a:effectLst/>
+            </a:endParaRPr>
+          </a:p>
+        </p:txBody>
+      </p:sp>
+    </p:spTree>
+    <p:extLst>
+      <p:ext uri="{BB962C8B-B14F-4D97-AF65-F5344CB8AC3E}">
+        <p14:creationId xmlns:p14="http://schemas.microsoft.com/office/powerpoint/2010/main" val="1678698398"/>
+      </p:ext>
+    </p:extLst>
+  </p:cSld>
+  <p:clrMapOvr>
+    <a:masterClrMapping/>
+  </p:clrMapOvr>
+</p:sld>
+</file>
+
+<file path=ppt/slides/slide3.xml><?xml version="1.0" encoding="utf-8"?>
 <p:sld xmlns:a="http://schemas.openxmlformats.org/drawingml/2006/main" xmlns:r="http://schemas.openxmlformats.org/officeDocument/2006/relationships" xmlns:p="http://schemas.openxmlformats.org/presentationml/2006/main">
   <p:cSld>
     <p:bg>
